--- a/physical/Physical Slides.pptx
+++ b/physical/Physical Slides.pptx
@@ -5,11 +5,12 @@
     <p:sldMasterId id="2147483648" r:id="rId1"/>
   </p:sldMasterIdLst>
   <p:notesMasterIdLst>
-    <p:notesMasterId r:id="rId4"/>
+    <p:notesMasterId r:id="rId5"/>
   </p:notesMasterIdLst>
   <p:sldIdLst>
     <p:sldId id="262" r:id="rId2"/>
     <p:sldId id="264" r:id="rId3"/>
+    <p:sldId id="265" r:id="rId4"/>
   </p:sldIdLst>
   <p:sldSz cx="12192000" cy="6858000"/>
   <p:notesSz cx="7102475" cy="10234613"/>
@@ -119,6 +120,7 @@
         <p14:section name="Breadboard" id="{172194C1-BB1B-4A4D-B985-CC8AF15F9346}">
           <p14:sldIdLst>
             <p14:sldId id="264"/>
+            <p14:sldId id="265"/>
           </p14:sldIdLst>
         </p14:section>
       </p14:sectionLst>
@@ -135,6 +137,11 @@
             <a:srgbClr val="A4A3A4"/>
           </p15:clr>
         </p15:guide>
+        <p15:guide id="3" pos="3817" userDrawn="1">
+          <p15:clr>
+            <a:srgbClr val="A4A3A4"/>
+          </p15:clr>
+        </p15:guide>
       </p15:sldGuideLst>
     </p:ext>
   </p:extLst>
@@ -145,6 +152,14 @@
 <p:cmAuthorLst xmlns:a="http://schemas.openxmlformats.org/drawingml/2006/main" xmlns:r="http://schemas.openxmlformats.org/officeDocument/2006/relationships" xmlns:p="http://schemas.openxmlformats.org/presentationml/2006/main">
   <p:cmAuthor id="2" name="Author" initials="A" lastIdx="0" clrIdx="1"/>
 </p:cmAuthorLst>
+</file>
+
+<file path=ppt/revisionInfo.xml><?xml version="1.0" encoding="utf-8"?>
+<p1510:revInfo xmlns:a="http://schemas.openxmlformats.org/drawingml/2006/main" xmlns:r="http://schemas.openxmlformats.org/officeDocument/2006/relationships" xmlns:p1510="http://schemas.microsoft.com/office/powerpoint/2015/10/main">
+  <p1510:revLst>
+    <p1510:client id="{1B57B787-1504-474A-99AA-DAF31A274099}" v="134" dt="2025-05-23T16:04:23.900"/>
+  </p1510:revLst>
+</p1510:revInfo>
 </file>
 
 <file path=ppt/notesMasters/notesMaster1.xml><?xml version="1.0" encoding="utf-8"?>
@@ -4311,6 +4326,1751 @@
   <p:clrMapOvr>
     <a:masterClrMapping/>
   </p:clrMapOvr>
+</p:sld>
+</file>
+
+<file path=ppt/slides/slide3.xml><?xml version="1.0" encoding="utf-8"?>
+<p:sld xmlns:a="http://schemas.openxmlformats.org/drawingml/2006/main" xmlns:r="http://schemas.openxmlformats.org/officeDocument/2006/relationships" xmlns:p="http://schemas.openxmlformats.org/presentationml/2006/main">
+  <p:cSld>
+    <p:spTree>
+      <p:nvGrpSpPr>
+        <p:cNvPr id="1" name=""/>
+        <p:cNvGrpSpPr/>
+        <p:nvPr/>
+      </p:nvGrpSpPr>
+      <p:grpSpPr>
+        <a:xfrm>
+          <a:off x="0" y="0"/>
+          <a:ext cx="0" cy="0"/>
+          <a:chOff x="0" y="0"/>
+          <a:chExt cx="0" cy="0"/>
+        </a:xfrm>
+      </p:grpSpPr>
+      <p:pic>
+        <p:nvPicPr>
+          <p:cNvPr id="23" name="Content Placeholder 22" descr="A close-up of a computer&#10;&#10;AI-generated content may be incorrect.">
+            <a:extLst>
+              <a:ext uri="{FF2B5EF4-FFF2-40B4-BE49-F238E27FC236}">
+                <a16:creationId xmlns:a16="http://schemas.microsoft.com/office/drawing/2014/main" id="{663B3151-F20D-8344-20C5-AAFD076F2F64}"/>
+              </a:ext>
+            </a:extLst>
+          </p:cNvPr>
+          <p:cNvPicPr>
+            <a:picLocks noGrp="1" noChangeAspect="1"/>
+          </p:cNvPicPr>
+          <p:nvPr>
+            <p:ph idx="1"/>
+          </p:nvPr>
+        </p:nvPicPr>
+        <p:blipFill>
+          <a:blip r:embed="rId2">
+            <a:extLst>
+              <a:ext uri="{28A0092B-C50C-407E-A947-70E740481C1C}">
+                <a14:useLocalDpi xmlns:a14="http://schemas.microsoft.com/office/drawing/2010/main" val="0"/>
+              </a:ext>
+            </a:extLst>
+          </a:blip>
+          <a:stretch>
+            <a:fillRect/>
+          </a:stretch>
+        </p:blipFill>
+        <p:spPr>
+          <a:xfrm>
+            <a:off x="2537570" y="1628052"/>
+            <a:ext cx="6568220" cy="4680000"/>
+          </a:xfrm>
+        </p:spPr>
+      </p:pic>
+      <p:sp>
+        <p:nvSpPr>
+          <p:cNvPr id="2" name="Title 1">
+            <a:extLst>
+              <a:ext uri="{FF2B5EF4-FFF2-40B4-BE49-F238E27FC236}">
+                <a16:creationId xmlns:a16="http://schemas.microsoft.com/office/drawing/2014/main" id="{FBA76D3E-C4E1-F7F7-5992-4F6D90897A89}"/>
+              </a:ext>
+            </a:extLst>
+          </p:cNvPr>
+          <p:cNvSpPr>
+            <a:spLocks noGrp="1"/>
+          </p:cNvSpPr>
+          <p:nvPr>
+            <p:ph type="title"/>
+          </p:nvPr>
+        </p:nvSpPr>
+        <p:spPr/>
+        <p:txBody>
+          <a:bodyPr/>
+          <a:lstStyle/>
+          <a:p>
+            <a:r>
+              <a:rPr lang="en-GB" dirty="0"/>
+              <a:t>Breadboard</a:t>
+            </a:r>
+          </a:p>
+        </p:txBody>
+      </p:sp>
+      <p:sp>
+        <p:nvSpPr>
+          <p:cNvPr id="18" name="TextBox 17">
+            <a:extLst>
+              <a:ext uri="{FF2B5EF4-FFF2-40B4-BE49-F238E27FC236}">
+                <a16:creationId xmlns:a16="http://schemas.microsoft.com/office/drawing/2014/main" id="{5F2D1B18-7807-A47E-1EC1-632B8E439B75}"/>
+              </a:ext>
+            </a:extLst>
+          </p:cNvPr>
+          <p:cNvSpPr txBox="1"/>
+          <p:nvPr/>
+        </p:nvSpPr>
+        <p:spPr>
+          <a:xfrm>
+            <a:off x="519332" y="1690688"/>
+            <a:ext cx="2012730" cy="584775"/>
+          </a:xfrm>
+          <a:prstGeom prst="rect">
+            <a:avLst/>
+          </a:prstGeom>
+          <a:noFill/>
+        </p:spPr>
+        <p:txBody>
+          <a:bodyPr wrap="none" rtlCol="0">
+            <a:spAutoFit/>
+          </a:bodyPr>
+          <a:lstStyle/>
+          <a:p>
+            <a:pPr algn="r"/>
+            <a:r>
+              <a:rPr lang="en-GB" sz="3200" dirty="0">
+                <a:solidFill>
+                  <a:srgbClr val="7030A0"/>
+                </a:solidFill>
+              </a:rPr>
+              <a:t>Power rails</a:t>
+            </a:r>
+          </a:p>
+        </p:txBody>
+      </p:sp>
+      <p:sp>
+        <p:nvSpPr>
+          <p:cNvPr id="19" name="TextBox 18">
+            <a:extLst>
+              <a:ext uri="{FF2B5EF4-FFF2-40B4-BE49-F238E27FC236}">
+                <a16:creationId xmlns:a16="http://schemas.microsoft.com/office/drawing/2014/main" id="{F99D5A34-6C70-434D-00B6-71A4C35C80C4}"/>
+              </a:ext>
+            </a:extLst>
+          </p:cNvPr>
+          <p:cNvSpPr txBox="1"/>
+          <p:nvPr/>
+        </p:nvSpPr>
+        <p:spPr>
+          <a:xfrm>
+            <a:off x="9105790" y="1690688"/>
+            <a:ext cx="2012730" cy="584775"/>
+          </a:xfrm>
+          <a:prstGeom prst="rect">
+            <a:avLst/>
+          </a:prstGeom>
+          <a:noFill/>
+        </p:spPr>
+        <p:txBody>
+          <a:bodyPr wrap="none" rtlCol="0">
+            <a:spAutoFit/>
+          </a:bodyPr>
+          <a:lstStyle/>
+          <a:p>
+            <a:r>
+              <a:rPr lang="en-GB" sz="3200" dirty="0">
+                <a:solidFill>
+                  <a:srgbClr val="7030A0"/>
+                </a:solidFill>
+              </a:rPr>
+              <a:t>Power rails</a:t>
+            </a:r>
+          </a:p>
+        </p:txBody>
+      </p:sp>
+      <p:cxnSp>
+        <p:nvCxnSpPr>
+          <p:cNvPr id="24" name="Straight Connector 23">
+            <a:extLst>
+              <a:ext uri="{FF2B5EF4-FFF2-40B4-BE49-F238E27FC236}">
+                <a16:creationId xmlns:a16="http://schemas.microsoft.com/office/drawing/2014/main" id="{70A9515A-F2A3-089C-103E-52390D145A6C}"/>
+              </a:ext>
+            </a:extLst>
+          </p:cNvPr>
+          <p:cNvCxnSpPr>
+            <a:cxnSpLocks/>
+          </p:cNvCxnSpPr>
+          <p:nvPr/>
+        </p:nvCxnSpPr>
+        <p:spPr>
+          <a:xfrm>
+            <a:off x="3473251" y="1453847"/>
+            <a:ext cx="0" cy="5040000"/>
+          </a:xfrm>
+          <a:prstGeom prst="line">
+            <a:avLst/>
+          </a:prstGeom>
+          <a:noFill/>
+          <a:ln w="57150">
+            <a:solidFill>
+              <a:srgbClr val="548235"/>
+            </a:solidFill>
+            <a:prstDash val="dash"/>
+            <a:headEnd type="none" w="med" len="med"/>
+            <a:tailEnd type="none" w="med" len="med"/>
+          </a:ln>
+        </p:spPr>
+        <p:style>
+          <a:lnRef idx="1">
+            <a:schemeClr val="accent1"/>
+          </a:lnRef>
+          <a:fillRef idx="0">
+            <a:schemeClr val="accent1"/>
+          </a:fillRef>
+          <a:effectRef idx="0">
+            <a:schemeClr val="accent1"/>
+          </a:effectRef>
+          <a:fontRef idx="minor">
+            <a:schemeClr val="tx1"/>
+          </a:fontRef>
+        </p:style>
+      </p:cxnSp>
+      <p:cxnSp>
+        <p:nvCxnSpPr>
+          <p:cNvPr id="25" name="Straight Connector 24">
+            <a:extLst>
+              <a:ext uri="{FF2B5EF4-FFF2-40B4-BE49-F238E27FC236}">
+                <a16:creationId xmlns:a16="http://schemas.microsoft.com/office/drawing/2014/main" id="{B6A178D5-A01F-BB8C-4411-67A6080310EB}"/>
+              </a:ext>
+            </a:extLst>
+          </p:cNvPr>
+          <p:cNvCxnSpPr>
+            <a:cxnSpLocks/>
+          </p:cNvCxnSpPr>
+          <p:nvPr/>
+        </p:nvCxnSpPr>
+        <p:spPr>
+          <a:xfrm>
+            <a:off x="8175617" y="1453847"/>
+            <a:ext cx="0" cy="5040000"/>
+          </a:xfrm>
+          <a:prstGeom prst="line">
+            <a:avLst/>
+          </a:prstGeom>
+          <a:noFill/>
+          <a:ln w="57150">
+            <a:solidFill>
+              <a:srgbClr val="548235"/>
+            </a:solidFill>
+            <a:prstDash val="dash"/>
+            <a:headEnd type="none" w="med" len="med"/>
+            <a:tailEnd type="none" w="med" len="med"/>
+          </a:ln>
+        </p:spPr>
+        <p:style>
+          <a:lnRef idx="1">
+            <a:schemeClr val="accent1"/>
+          </a:lnRef>
+          <a:fillRef idx="0">
+            <a:schemeClr val="accent1"/>
+          </a:fillRef>
+          <a:effectRef idx="0">
+            <a:schemeClr val="accent1"/>
+          </a:effectRef>
+          <a:fontRef idx="minor">
+            <a:schemeClr val="tx1"/>
+          </a:fontRef>
+        </p:style>
+      </p:cxnSp>
+      <p:sp>
+        <p:nvSpPr>
+          <p:cNvPr id="44" name="TextBox 43">
+            <a:extLst>
+              <a:ext uri="{FF2B5EF4-FFF2-40B4-BE49-F238E27FC236}">
+                <a16:creationId xmlns:a16="http://schemas.microsoft.com/office/drawing/2014/main" id="{06980809-3F1C-8755-81B8-B9EA5635FE52}"/>
+              </a:ext>
+            </a:extLst>
+          </p:cNvPr>
+          <p:cNvSpPr txBox="1"/>
+          <p:nvPr/>
+        </p:nvSpPr>
+        <p:spPr>
+          <a:xfrm>
+            <a:off x="4250383" y="2844225"/>
+            <a:ext cx="2624629" cy="584775"/>
+          </a:xfrm>
+          <a:prstGeom prst="rect">
+            <a:avLst/>
+          </a:prstGeom>
+          <a:solidFill>
+            <a:schemeClr val="bg1"/>
+          </a:solidFill>
+        </p:spPr>
+        <p:txBody>
+          <a:bodyPr wrap="none" rtlCol="0">
+            <a:spAutoFit/>
+          </a:bodyPr>
+          <a:lstStyle/>
+          <a:p>
+            <a:pPr algn="ctr"/>
+            <a:r>
+              <a:rPr lang="en-GB" sz="3200" dirty="0">
+                <a:solidFill>
+                  <a:srgbClr val="7030A0"/>
+                </a:solidFill>
+              </a:rPr>
+              <a:t>Terminal strips</a:t>
+            </a:r>
+          </a:p>
+        </p:txBody>
+      </p:sp>
+      <p:cxnSp>
+        <p:nvCxnSpPr>
+          <p:cNvPr id="27" name="Straight Arrow Connector 26">
+            <a:extLst>
+              <a:ext uri="{FF2B5EF4-FFF2-40B4-BE49-F238E27FC236}">
+                <a16:creationId xmlns:a16="http://schemas.microsoft.com/office/drawing/2014/main" id="{CE702976-1296-80EE-6AB1-2E3068ABC08B}"/>
+              </a:ext>
+            </a:extLst>
+          </p:cNvPr>
+          <p:cNvCxnSpPr/>
+          <p:nvPr/>
+        </p:nvCxnSpPr>
+        <p:spPr>
+          <a:xfrm>
+            <a:off x="2532062" y="1983075"/>
+            <a:ext cx="542746" cy="561821"/>
+          </a:xfrm>
+          <a:prstGeom prst="straightConnector1">
+            <a:avLst/>
+          </a:prstGeom>
+          <a:ln w="38100">
+            <a:solidFill>
+              <a:srgbClr val="7030A0"/>
+            </a:solidFill>
+            <a:tailEnd type="triangle" w="lg" len="lg"/>
+          </a:ln>
+        </p:spPr>
+        <p:style>
+          <a:lnRef idx="1">
+            <a:schemeClr val="accent1"/>
+          </a:lnRef>
+          <a:fillRef idx="0">
+            <a:schemeClr val="accent1"/>
+          </a:fillRef>
+          <a:effectRef idx="0">
+            <a:schemeClr val="accent1"/>
+          </a:effectRef>
+          <a:fontRef idx="minor">
+            <a:schemeClr val="tx1"/>
+          </a:fontRef>
+        </p:style>
+      </p:cxnSp>
+      <p:cxnSp>
+        <p:nvCxnSpPr>
+          <p:cNvPr id="29" name="Straight Arrow Connector 28">
+            <a:extLst>
+              <a:ext uri="{FF2B5EF4-FFF2-40B4-BE49-F238E27FC236}">
+                <a16:creationId xmlns:a16="http://schemas.microsoft.com/office/drawing/2014/main" id="{62F5AD06-5584-4901-39A7-47350836676F}"/>
+              </a:ext>
+            </a:extLst>
+          </p:cNvPr>
+          <p:cNvCxnSpPr/>
+          <p:nvPr/>
+        </p:nvCxnSpPr>
+        <p:spPr>
+          <a:xfrm>
+            <a:off x="2532062" y="1983075"/>
+            <a:ext cx="223257" cy="605889"/>
+          </a:xfrm>
+          <a:prstGeom prst="straightConnector1">
+            <a:avLst/>
+          </a:prstGeom>
+          <a:ln w="38100">
+            <a:solidFill>
+              <a:srgbClr val="7030A0"/>
+            </a:solidFill>
+            <a:tailEnd type="triangle" w="lg" len="lg"/>
+          </a:ln>
+        </p:spPr>
+        <p:style>
+          <a:lnRef idx="1">
+            <a:schemeClr val="accent1"/>
+          </a:lnRef>
+          <a:fillRef idx="0">
+            <a:schemeClr val="accent1"/>
+          </a:fillRef>
+          <a:effectRef idx="0">
+            <a:schemeClr val="accent1"/>
+          </a:effectRef>
+          <a:fontRef idx="minor">
+            <a:schemeClr val="tx1"/>
+          </a:fontRef>
+        </p:style>
+      </p:cxnSp>
+      <p:cxnSp>
+        <p:nvCxnSpPr>
+          <p:cNvPr id="31" name="Straight Arrow Connector 30">
+            <a:extLst>
+              <a:ext uri="{FF2B5EF4-FFF2-40B4-BE49-F238E27FC236}">
+                <a16:creationId xmlns:a16="http://schemas.microsoft.com/office/drawing/2014/main" id="{6AA6C061-EDD7-57E9-3B16-FC3E5C6A83BA}"/>
+              </a:ext>
+            </a:extLst>
+          </p:cNvPr>
+          <p:cNvCxnSpPr/>
+          <p:nvPr/>
+        </p:nvCxnSpPr>
+        <p:spPr>
+          <a:xfrm flipH="1">
+            <a:off x="8506123" y="1983075"/>
+            <a:ext cx="599667" cy="561821"/>
+          </a:xfrm>
+          <a:prstGeom prst="straightConnector1">
+            <a:avLst/>
+          </a:prstGeom>
+          <a:ln w="38100">
+            <a:solidFill>
+              <a:srgbClr val="7030A0"/>
+            </a:solidFill>
+            <a:tailEnd type="triangle" w="lg" len="lg"/>
+          </a:ln>
+        </p:spPr>
+        <p:style>
+          <a:lnRef idx="1">
+            <a:schemeClr val="accent1"/>
+          </a:lnRef>
+          <a:fillRef idx="0">
+            <a:schemeClr val="accent1"/>
+          </a:fillRef>
+          <a:effectRef idx="0">
+            <a:schemeClr val="accent1"/>
+          </a:effectRef>
+          <a:fontRef idx="minor">
+            <a:schemeClr val="tx1"/>
+          </a:fontRef>
+        </p:style>
+      </p:cxnSp>
+      <p:cxnSp>
+        <p:nvCxnSpPr>
+          <p:cNvPr id="33" name="Straight Arrow Connector 32">
+            <a:extLst>
+              <a:ext uri="{FF2B5EF4-FFF2-40B4-BE49-F238E27FC236}">
+                <a16:creationId xmlns:a16="http://schemas.microsoft.com/office/drawing/2014/main" id="{5D23F927-309C-52C9-8BB0-09F007E67A32}"/>
+              </a:ext>
+            </a:extLst>
+          </p:cNvPr>
+          <p:cNvCxnSpPr>
+            <a:stCxn id="19" idx="1"/>
+          </p:cNvCxnSpPr>
+          <p:nvPr/>
+        </p:nvCxnSpPr>
+        <p:spPr>
+          <a:xfrm flipH="1">
+            <a:off x="8825613" y="1983076"/>
+            <a:ext cx="280177" cy="561820"/>
+          </a:xfrm>
+          <a:prstGeom prst="straightConnector1">
+            <a:avLst/>
+          </a:prstGeom>
+          <a:ln w="38100">
+            <a:solidFill>
+              <a:srgbClr val="7030A0"/>
+            </a:solidFill>
+            <a:tailEnd type="triangle" w="lg" len="lg"/>
+          </a:ln>
+        </p:spPr>
+        <p:style>
+          <a:lnRef idx="1">
+            <a:schemeClr val="accent1"/>
+          </a:lnRef>
+          <a:fillRef idx="0">
+            <a:schemeClr val="accent1"/>
+          </a:fillRef>
+          <a:effectRef idx="0">
+            <a:schemeClr val="accent1"/>
+          </a:effectRef>
+          <a:fontRef idx="minor">
+            <a:schemeClr val="tx1"/>
+          </a:fontRef>
+        </p:style>
+      </p:cxnSp>
+      <p:cxnSp>
+        <p:nvCxnSpPr>
+          <p:cNvPr id="35" name="Straight Connector 34">
+            <a:extLst>
+              <a:ext uri="{FF2B5EF4-FFF2-40B4-BE49-F238E27FC236}">
+                <a16:creationId xmlns:a16="http://schemas.microsoft.com/office/drawing/2014/main" id="{793191D0-0A28-D3D1-0BAE-C52BBF40E227}"/>
+              </a:ext>
+            </a:extLst>
+          </p:cNvPr>
+          <p:cNvCxnSpPr/>
+          <p:nvPr/>
+        </p:nvCxnSpPr>
+        <p:spPr>
+          <a:xfrm>
+            <a:off x="2847503" y="2732183"/>
+            <a:ext cx="0" cy="3132000"/>
+          </a:xfrm>
+          <a:prstGeom prst="line">
+            <a:avLst/>
+          </a:prstGeom>
+          <a:ln w="38100">
+            <a:solidFill>
+              <a:srgbClr val="FF0000"/>
+            </a:solidFill>
+            <a:headEnd type="oval"/>
+            <a:tailEnd type="oval"/>
+          </a:ln>
+        </p:spPr>
+        <p:style>
+          <a:lnRef idx="1">
+            <a:schemeClr val="accent1"/>
+          </a:lnRef>
+          <a:fillRef idx="0">
+            <a:schemeClr val="accent1"/>
+          </a:fillRef>
+          <a:effectRef idx="0">
+            <a:schemeClr val="accent1"/>
+          </a:effectRef>
+          <a:fontRef idx="minor">
+            <a:schemeClr val="tx1"/>
+          </a:fontRef>
+        </p:style>
+      </p:cxnSp>
+      <p:cxnSp>
+        <p:nvCxnSpPr>
+          <p:cNvPr id="36" name="Straight Connector 35">
+            <a:extLst>
+              <a:ext uri="{FF2B5EF4-FFF2-40B4-BE49-F238E27FC236}">
+                <a16:creationId xmlns:a16="http://schemas.microsoft.com/office/drawing/2014/main" id="{57E16337-AEB3-4728-15C1-59002B822E7A}"/>
+              </a:ext>
+            </a:extLst>
+          </p:cNvPr>
+          <p:cNvCxnSpPr/>
+          <p:nvPr/>
+        </p:nvCxnSpPr>
+        <p:spPr>
+          <a:xfrm>
+            <a:off x="8479119" y="2732183"/>
+            <a:ext cx="0" cy="3132000"/>
+          </a:xfrm>
+          <a:prstGeom prst="line">
+            <a:avLst/>
+          </a:prstGeom>
+          <a:ln w="38100">
+            <a:solidFill>
+              <a:srgbClr val="FF0000"/>
+            </a:solidFill>
+            <a:headEnd type="oval"/>
+            <a:tailEnd type="oval"/>
+          </a:ln>
+        </p:spPr>
+        <p:style>
+          <a:lnRef idx="1">
+            <a:schemeClr val="accent1"/>
+          </a:lnRef>
+          <a:fillRef idx="0">
+            <a:schemeClr val="accent1"/>
+          </a:fillRef>
+          <a:effectRef idx="0">
+            <a:schemeClr val="accent1"/>
+          </a:effectRef>
+          <a:fontRef idx="minor">
+            <a:schemeClr val="tx1"/>
+          </a:fontRef>
+        </p:style>
+      </p:cxnSp>
+      <p:cxnSp>
+        <p:nvCxnSpPr>
+          <p:cNvPr id="37" name="Straight Connector 36">
+            <a:extLst>
+              <a:ext uri="{FF2B5EF4-FFF2-40B4-BE49-F238E27FC236}">
+                <a16:creationId xmlns:a16="http://schemas.microsoft.com/office/drawing/2014/main" id="{39739D40-B1BA-0458-9F85-B9D5399057DE}"/>
+              </a:ext>
+            </a:extLst>
+          </p:cNvPr>
+          <p:cNvCxnSpPr>
+            <a:cxnSpLocks/>
+          </p:cNvCxnSpPr>
+          <p:nvPr/>
+        </p:nvCxnSpPr>
+        <p:spPr>
+          <a:xfrm>
+            <a:off x="4088359" y="3662357"/>
+            <a:ext cx="1260000" cy="0"/>
+          </a:xfrm>
+          <a:prstGeom prst="line">
+            <a:avLst/>
+          </a:prstGeom>
+          <a:ln w="38100">
+            <a:solidFill>
+              <a:srgbClr val="FFFF00"/>
+            </a:solidFill>
+            <a:headEnd type="oval"/>
+            <a:tailEnd type="oval"/>
+          </a:ln>
+        </p:spPr>
+        <p:style>
+          <a:lnRef idx="1">
+            <a:schemeClr val="accent1"/>
+          </a:lnRef>
+          <a:fillRef idx="0">
+            <a:schemeClr val="accent1"/>
+          </a:fillRef>
+          <a:effectRef idx="0">
+            <a:schemeClr val="accent1"/>
+          </a:effectRef>
+          <a:fontRef idx="minor">
+            <a:schemeClr val="tx1"/>
+          </a:fontRef>
+        </p:style>
+      </p:cxnSp>
+      <p:cxnSp>
+        <p:nvCxnSpPr>
+          <p:cNvPr id="41" name="Straight Connector 40">
+            <a:extLst>
+              <a:ext uri="{FF2B5EF4-FFF2-40B4-BE49-F238E27FC236}">
+                <a16:creationId xmlns:a16="http://schemas.microsoft.com/office/drawing/2014/main" id="{5F9D2E9D-BBE7-A711-C33C-EE360F44E68C}"/>
+              </a:ext>
+            </a:extLst>
+          </p:cNvPr>
+          <p:cNvCxnSpPr>
+            <a:cxnSpLocks/>
+          </p:cNvCxnSpPr>
+          <p:nvPr/>
+        </p:nvCxnSpPr>
+        <p:spPr>
+          <a:xfrm>
+            <a:off x="6278879" y="3662357"/>
+            <a:ext cx="1260000" cy="0"/>
+          </a:xfrm>
+          <a:prstGeom prst="line">
+            <a:avLst/>
+          </a:prstGeom>
+          <a:ln w="38100">
+            <a:solidFill>
+              <a:srgbClr val="FFFF00"/>
+            </a:solidFill>
+            <a:headEnd type="oval"/>
+            <a:tailEnd type="oval"/>
+          </a:ln>
+        </p:spPr>
+        <p:style>
+          <a:lnRef idx="1">
+            <a:schemeClr val="accent1"/>
+          </a:lnRef>
+          <a:fillRef idx="0">
+            <a:schemeClr val="accent1"/>
+          </a:fillRef>
+          <a:effectRef idx="0">
+            <a:schemeClr val="accent1"/>
+          </a:effectRef>
+          <a:fontRef idx="minor">
+            <a:schemeClr val="tx1"/>
+          </a:fontRef>
+        </p:style>
+      </p:cxnSp>
+      <p:cxnSp>
+        <p:nvCxnSpPr>
+          <p:cNvPr id="42" name="Straight Connector 41">
+            <a:extLst>
+              <a:ext uri="{FF2B5EF4-FFF2-40B4-BE49-F238E27FC236}">
+                <a16:creationId xmlns:a16="http://schemas.microsoft.com/office/drawing/2014/main" id="{0B208E1B-0527-DC0D-57BB-C43E8A23DD04}"/>
+              </a:ext>
+            </a:extLst>
+          </p:cNvPr>
+          <p:cNvCxnSpPr/>
+          <p:nvPr/>
+        </p:nvCxnSpPr>
+        <p:spPr>
+          <a:xfrm>
+            <a:off x="3157949" y="2726537"/>
+            <a:ext cx="0" cy="3132000"/>
+          </a:xfrm>
+          <a:prstGeom prst="line">
+            <a:avLst/>
+          </a:prstGeom>
+          <a:ln w="38100">
+            <a:solidFill>
+              <a:srgbClr val="0070C0"/>
+            </a:solidFill>
+            <a:headEnd type="oval"/>
+            <a:tailEnd type="oval"/>
+          </a:ln>
+        </p:spPr>
+        <p:style>
+          <a:lnRef idx="1">
+            <a:schemeClr val="accent1"/>
+          </a:lnRef>
+          <a:fillRef idx="0">
+            <a:schemeClr val="accent1"/>
+          </a:fillRef>
+          <a:effectRef idx="0">
+            <a:schemeClr val="accent1"/>
+          </a:effectRef>
+          <a:fontRef idx="minor">
+            <a:schemeClr val="tx1"/>
+          </a:fontRef>
+        </p:style>
+      </p:cxnSp>
+      <p:cxnSp>
+        <p:nvCxnSpPr>
+          <p:cNvPr id="43" name="Straight Connector 42">
+            <a:extLst>
+              <a:ext uri="{FF2B5EF4-FFF2-40B4-BE49-F238E27FC236}">
+                <a16:creationId xmlns:a16="http://schemas.microsoft.com/office/drawing/2014/main" id="{8C2AF33A-0389-03B5-30D3-46FD2F085991}"/>
+              </a:ext>
+            </a:extLst>
+          </p:cNvPr>
+          <p:cNvCxnSpPr/>
+          <p:nvPr/>
+        </p:nvCxnSpPr>
+        <p:spPr>
+          <a:xfrm>
+            <a:off x="8789565" y="2726537"/>
+            <a:ext cx="0" cy="3132000"/>
+          </a:xfrm>
+          <a:prstGeom prst="line">
+            <a:avLst/>
+          </a:prstGeom>
+          <a:ln w="38100">
+            <a:solidFill>
+              <a:srgbClr val="0070C0"/>
+            </a:solidFill>
+            <a:headEnd type="oval"/>
+            <a:tailEnd type="oval"/>
+          </a:ln>
+        </p:spPr>
+        <p:style>
+          <a:lnRef idx="1">
+            <a:schemeClr val="accent1"/>
+          </a:lnRef>
+          <a:fillRef idx="0">
+            <a:schemeClr val="accent1"/>
+          </a:fillRef>
+          <a:effectRef idx="0">
+            <a:schemeClr val="accent1"/>
+          </a:effectRef>
+          <a:fontRef idx="minor">
+            <a:schemeClr val="tx1"/>
+          </a:fontRef>
+        </p:style>
+      </p:cxnSp>
+      <p:cxnSp>
+        <p:nvCxnSpPr>
+          <p:cNvPr id="17" name="Straight Connector 16">
+            <a:extLst>
+              <a:ext uri="{FF2B5EF4-FFF2-40B4-BE49-F238E27FC236}">
+                <a16:creationId xmlns:a16="http://schemas.microsoft.com/office/drawing/2014/main" id="{1745DD4C-47FE-8AF8-C891-1D547C99F877}"/>
+              </a:ext>
+            </a:extLst>
+          </p:cNvPr>
+          <p:cNvCxnSpPr>
+            <a:cxnSpLocks/>
+          </p:cNvCxnSpPr>
+          <p:nvPr/>
+        </p:nvCxnSpPr>
+        <p:spPr>
+          <a:xfrm>
+            <a:off x="5821680" y="1453847"/>
+            <a:ext cx="0" cy="5040000"/>
+          </a:xfrm>
+          <a:prstGeom prst="line">
+            <a:avLst/>
+          </a:prstGeom>
+          <a:noFill/>
+          <a:ln w="57150">
+            <a:solidFill>
+              <a:srgbClr val="00B050"/>
+            </a:solidFill>
+            <a:prstDash val="dash"/>
+            <a:headEnd type="none" w="med" len="med"/>
+            <a:tailEnd type="none" w="med" len="med"/>
+          </a:ln>
+        </p:spPr>
+        <p:style>
+          <a:lnRef idx="1">
+            <a:schemeClr val="accent1"/>
+          </a:lnRef>
+          <a:fillRef idx="0">
+            <a:schemeClr val="accent1"/>
+          </a:fillRef>
+          <a:effectRef idx="0">
+            <a:schemeClr val="accent1"/>
+          </a:effectRef>
+          <a:fontRef idx="minor">
+            <a:schemeClr val="tx1"/>
+          </a:fontRef>
+        </p:style>
+      </p:cxnSp>
+      <p:sp>
+        <p:nvSpPr>
+          <p:cNvPr id="45" name="TextBox 44">
+            <a:extLst>
+              <a:ext uri="{FF2B5EF4-FFF2-40B4-BE49-F238E27FC236}">
+                <a16:creationId xmlns:a16="http://schemas.microsoft.com/office/drawing/2014/main" id="{31C602EB-A1D2-FABC-782F-C2898851137D}"/>
+              </a:ext>
+            </a:extLst>
+          </p:cNvPr>
+          <p:cNvSpPr txBox="1"/>
+          <p:nvPr/>
+        </p:nvSpPr>
+        <p:spPr>
+          <a:xfrm>
+            <a:off x="436697" y="4043929"/>
+            <a:ext cx="2123338" cy="1077218"/>
+          </a:xfrm>
+          <a:prstGeom prst="rect">
+            <a:avLst/>
+          </a:prstGeom>
+          <a:noFill/>
+        </p:spPr>
+        <p:txBody>
+          <a:bodyPr wrap="none" rtlCol="0">
+            <a:spAutoFit/>
+          </a:bodyPr>
+          <a:lstStyle/>
+          <a:p>
+            <a:pPr algn="r"/>
+            <a:r>
+              <a:rPr lang="en-GB" sz="3200" dirty="0">
+                <a:solidFill>
+                  <a:srgbClr val="7030A0"/>
+                </a:solidFill>
+              </a:rPr>
+              <a:t>Power rails:</a:t>
+            </a:r>
+          </a:p>
+          <a:p>
+            <a:pPr algn="r"/>
+            <a:r>
+              <a:rPr lang="en-GB" sz="3200" dirty="0">
+                <a:solidFill>
+                  <a:srgbClr val="7030A0"/>
+                </a:solidFill>
+              </a:rPr>
+              <a:t>Vertical ↕</a:t>
+            </a:r>
+          </a:p>
+        </p:txBody>
+      </p:sp>
+      <p:sp>
+        <p:nvSpPr>
+          <p:cNvPr id="46" name="TextBox 45">
+            <a:extLst>
+              <a:ext uri="{FF2B5EF4-FFF2-40B4-BE49-F238E27FC236}">
+                <a16:creationId xmlns:a16="http://schemas.microsoft.com/office/drawing/2014/main" id="{7CC697F6-BC4B-4BB4-493C-D42A08AE8218}"/>
+              </a:ext>
+            </a:extLst>
+          </p:cNvPr>
+          <p:cNvSpPr txBox="1"/>
+          <p:nvPr/>
+        </p:nvSpPr>
+        <p:spPr>
+          <a:xfrm>
+            <a:off x="9111298" y="4043929"/>
+            <a:ext cx="2735236" cy="1077218"/>
+          </a:xfrm>
+          <a:prstGeom prst="rect">
+            <a:avLst/>
+          </a:prstGeom>
+          <a:noFill/>
+        </p:spPr>
+        <p:txBody>
+          <a:bodyPr wrap="none" rtlCol="0">
+            <a:spAutoFit/>
+          </a:bodyPr>
+          <a:lstStyle/>
+          <a:p>
+            <a:pPr algn="r"/>
+            <a:r>
+              <a:rPr lang="en-GB" sz="3200" dirty="0">
+                <a:solidFill>
+                  <a:srgbClr val="7030A0"/>
+                </a:solidFill>
+              </a:rPr>
+              <a:t>Terminal strips:</a:t>
+            </a:r>
+          </a:p>
+          <a:p>
+            <a:pPr algn="r"/>
+            <a:r>
+              <a:rPr lang="en-GB" sz="3200" dirty="0">
+                <a:solidFill>
+                  <a:srgbClr val="7030A0"/>
+                </a:solidFill>
+              </a:rPr>
+              <a:t>Horizontal ↔</a:t>
+            </a:r>
+          </a:p>
+        </p:txBody>
+      </p:sp>
+    </p:spTree>
+    <p:extLst>
+      <p:ext uri="{BB962C8B-B14F-4D97-AF65-F5344CB8AC3E}">
+        <p14:creationId xmlns:p14="http://schemas.microsoft.com/office/powerpoint/2010/main" val="2927751501"/>
+      </p:ext>
+    </p:extLst>
+  </p:cSld>
+  <p:clrMapOvr>
+    <a:masterClrMapping/>
+  </p:clrMapOvr>
+  <p:timing>
+    <p:tnLst>
+      <p:par>
+        <p:cTn id="1" dur="indefinite" restart="never" nodeType="tmRoot">
+          <p:childTnLst>
+            <p:seq concurrent="1" nextAc="seek">
+              <p:cTn id="2" dur="indefinite" nodeType="mainSeq">
+                <p:childTnLst>
+                  <p:par>
+                    <p:cTn id="3" fill="hold">
+                      <p:stCondLst>
+                        <p:cond delay="indefinite"/>
+                      </p:stCondLst>
+                      <p:childTnLst>
+                        <p:par>
+                          <p:cTn id="4" fill="hold">
+                            <p:stCondLst>
+                              <p:cond delay="0"/>
+                            </p:stCondLst>
+                            <p:childTnLst>
+                              <p:par>
+                                <p:cTn id="5" presetID="22" presetClass="entr" presetSubtype="1" fill="hold" nodeType="clickEffect">
+                                  <p:stCondLst>
+                                    <p:cond delay="0"/>
+                                  </p:stCondLst>
+                                  <p:childTnLst>
+                                    <p:set>
+                                      <p:cBhvr>
+                                        <p:cTn id="6" dur="1" fill="hold">
+                                          <p:stCondLst>
+                                            <p:cond delay="0"/>
+                                          </p:stCondLst>
+                                        </p:cTn>
+                                        <p:tgtEl>
+                                          <p:spTgt spid="24"/>
+                                        </p:tgtEl>
+                                        <p:attrNameLst>
+                                          <p:attrName>style.visibility</p:attrName>
+                                        </p:attrNameLst>
+                                      </p:cBhvr>
+                                      <p:to>
+                                        <p:strVal val="visible"/>
+                                      </p:to>
+                                    </p:set>
+                                    <p:animEffect transition="in" filter="wipe(up)">
+                                      <p:cBhvr>
+                                        <p:cTn id="7" dur="1500"/>
+                                        <p:tgtEl>
+                                          <p:spTgt spid="24"/>
+                                        </p:tgtEl>
+                                      </p:cBhvr>
+                                    </p:animEffect>
+                                  </p:childTnLst>
+                                </p:cTn>
+                              </p:par>
+                              <p:par>
+                                <p:cTn id="8" presetID="22" presetClass="entr" presetSubtype="1" fill="hold" nodeType="withEffect">
+                                  <p:stCondLst>
+                                    <p:cond delay="0"/>
+                                  </p:stCondLst>
+                                  <p:childTnLst>
+                                    <p:set>
+                                      <p:cBhvr>
+                                        <p:cTn id="9" dur="1" fill="hold">
+                                          <p:stCondLst>
+                                            <p:cond delay="0"/>
+                                          </p:stCondLst>
+                                        </p:cTn>
+                                        <p:tgtEl>
+                                          <p:spTgt spid="25"/>
+                                        </p:tgtEl>
+                                        <p:attrNameLst>
+                                          <p:attrName>style.visibility</p:attrName>
+                                        </p:attrNameLst>
+                                      </p:cBhvr>
+                                      <p:to>
+                                        <p:strVal val="visible"/>
+                                      </p:to>
+                                    </p:set>
+                                    <p:animEffect transition="in" filter="wipe(up)">
+                                      <p:cBhvr>
+                                        <p:cTn id="10" dur="1500"/>
+                                        <p:tgtEl>
+                                          <p:spTgt spid="25"/>
+                                        </p:tgtEl>
+                                      </p:cBhvr>
+                                    </p:animEffect>
+                                  </p:childTnLst>
+                                </p:cTn>
+                              </p:par>
+                            </p:childTnLst>
+                          </p:cTn>
+                        </p:par>
+                      </p:childTnLst>
+                    </p:cTn>
+                  </p:par>
+                  <p:par>
+                    <p:cTn id="11" fill="hold">
+                      <p:stCondLst>
+                        <p:cond delay="indefinite"/>
+                      </p:stCondLst>
+                      <p:childTnLst>
+                        <p:par>
+                          <p:cTn id="12" fill="hold">
+                            <p:stCondLst>
+                              <p:cond delay="0"/>
+                            </p:stCondLst>
+                            <p:childTnLst>
+                              <p:par>
+                                <p:cTn id="13" presetID="22" presetClass="entr" presetSubtype="8" fill="hold" grpId="0" nodeType="clickEffect">
+                                  <p:stCondLst>
+                                    <p:cond delay="0"/>
+                                  </p:stCondLst>
+                                  <p:childTnLst>
+                                    <p:set>
+                                      <p:cBhvr>
+                                        <p:cTn id="14" dur="1" fill="hold">
+                                          <p:stCondLst>
+                                            <p:cond delay="0"/>
+                                          </p:stCondLst>
+                                        </p:cTn>
+                                        <p:tgtEl>
+                                          <p:spTgt spid="18"/>
+                                        </p:tgtEl>
+                                        <p:attrNameLst>
+                                          <p:attrName>style.visibility</p:attrName>
+                                        </p:attrNameLst>
+                                      </p:cBhvr>
+                                      <p:to>
+                                        <p:strVal val="visible"/>
+                                      </p:to>
+                                    </p:set>
+                                    <p:animEffect transition="in" filter="wipe(left)">
+                                      <p:cBhvr>
+                                        <p:cTn id="15" dur="1000"/>
+                                        <p:tgtEl>
+                                          <p:spTgt spid="18"/>
+                                        </p:tgtEl>
+                                      </p:cBhvr>
+                                    </p:animEffect>
+                                  </p:childTnLst>
+                                </p:cTn>
+                              </p:par>
+                              <p:par>
+                                <p:cTn id="16" presetID="22" presetClass="entr" presetSubtype="8" fill="hold" grpId="0" nodeType="withEffect">
+                                  <p:stCondLst>
+                                    <p:cond delay="0"/>
+                                  </p:stCondLst>
+                                  <p:childTnLst>
+                                    <p:set>
+                                      <p:cBhvr>
+                                        <p:cTn id="17" dur="1" fill="hold">
+                                          <p:stCondLst>
+                                            <p:cond delay="0"/>
+                                          </p:stCondLst>
+                                        </p:cTn>
+                                        <p:tgtEl>
+                                          <p:spTgt spid="19"/>
+                                        </p:tgtEl>
+                                        <p:attrNameLst>
+                                          <p:attrName>style.visibility</p:attrName>
+                                        </p:attrNameLst>
+                                      </p:cBhvr>
+                                      <p:to>
+                                        <p:strVal val="visible"/>
+                                      </p:to>
+                                    </p:set>
+                                    <p:animEffect transition="in" filter="wipe(left)">
+                                      <p:cBhvr>
+                                        <p:cTn id="18" dur="1000"/>
+                                        <p:tgtEl>
+                                          <p:spTgt spid="19"/>
+                                        </p:tgtEl>
+                                      </p:cBhvr>
+                                    </p:animEffect>
+                                  </p:childTnLst>
+                                </p:cTn>
+                              </p:par>
+                            </p:childTnLst>
+                          </p:cTn>
+                        </p:par>
+                      </p:childTnLst>
+                    </p:cTn>
+                  </p:par>
+                  <p:par>
+                    <p:cTn id="19" fill="hold">
+                      <p:stCondLst>
+                        <p:cond delay="indefinite"/>
+                      </p:stCondLst>
+                      <p:childTnLst>
+                        <p:par>
+                          <p:cTn id="20" fill="hold">
+                            <p:stCondLst>
+                              <p:cond delay="0"/>
+                            </p:stCondLst>
+                            <p:childTnLst>
+                              <p:par>
+                                <p:cTn id="21" presetID="22" presetClass="entr" presetSubtype="1" fill="hold" nodeType="clickEffect">
+                                  <p:stCondLst>
+                                    <p:cond delay="0"/>
+                                  </p:stCondLst>
+                                  <p:childTnLst>
+                                    <p:set>
+                                      <p:cBhvr>
+                                        <p:cTn id="22" dur="1" fill="hold">
+                                          <p:stCondLst>
+                                            <p:cond delay="0"/>
+                                          </p:stCondLst>
+                                        </p:cTn>
+                                        <p:tgtEl>
+                                          <p:spTgt spid="29"/>
+                                        </p:tgtEl>
+                                        <p:attrNameLst>
+                                          <p:attrName>style.visibility</p:attrName>
+                                        </p:attrNameLst>
+                                      </p:cBhvr>
+                                      <p:to>
+                                        <p:strVal val="visible"/>
+                                      </p:to>
+                                    </p:set>
+                                    <p:animEffect transition="in" filter="wipe(up)">
+                                      <p:cBhvr>
+                                        <p:cTn id="23" dur="750"/>
+                                        <p:tgtEl>
+                                          <p:spTgt spid="29"/>
+                                        </p:tgtEl>
+                                      </p:cBhvr>
+                                    </p:animEffect>
+                                  </p:childTnLst>
+                                </p:cTn>
+                              </p:par>
+                              <p:par>
+                                <p:cTn id="24" presetID="22" presetClass="entr" presetSubtype="1" fill="hold" nodeType="withEffect">
+                                  <p:stCondLst>
+                                    <p:cond delay="0"/>
+                                  </p:stCondLst>
+                                  <p:childTnLst>
+                                    <p:set>
+                                      <p:cBhvr>
+                                        <p:cTn id="25" dur="1" fill="hold">
+                                          <p:stCondLst>
+                                            <p:cond delay="0"/>
+                                          </p:stCondLst>
+                                        </p:cTn>
+                                        <p:tgtEl>
+                                          <p:spTgt spid="27"/>
+                                        </p:tgtEl>
+                                        <p:attrNameLst>
+                                          <p:attrName>style.visibility</p:attrName>
+                                        </p:attrNameLst>
+                                      </p:cBhvr>
+                                      <p:to>
+                                        <p:strVal val="visible"/>
+                                      </p:to>
+                                    </p:set>
+                                    <p:animEffect transition="in" filter="wipe(up)">
+                                      <p:cBhvr>
+                                        <p:cTn id="26" dur="750"/>
+                                        <p:tgtEl>
+                                          <p:spTgt spid="27"/>
+                                        </p:tgtEl>
+                                      </p:cBhvr>
+                                    </p:animEffect>
+                                  </p:childTnLst>
+                                </p:cTn>
+                              </p:par>
+                              <p:par>
+                                <p:cTn id="27" presetID="22" presetClass="entr" presetSubtype="1" fill="hold" nodeType="withEffect">
+                                  <p:stCondLst>
+                                    <p:cond delay="0"/>
+                                  </p:stCondLst>
+                                  <p:childTnLst>
+                                    <p:set>
+                                      <p:cBhvr>
+                                        <p:cTn id="28" dur="1" fill="hold">
+                                          <p:stCondLst>
+                                            <p:cond delay="0"/>
+                                          </p:stCondLst>
+                                        </p:cTn>
+                                        <p:tgtEl>
+                                          <p:spTgt spid="31"/>
+                                        </p:tgtEl>
+                                        <p:attrNameLst>
+                                          <p:attrName>style.visibility</p:attrName>
+                                        </p:attrNameLst>
+                                      </p:cBhvr>
+                                      <p:to>
+                                        <p:strVal val="visible"/>
+                                      </p:to>
+                                    </p:set>
+                                    <p:animEffect transition="in" filter="wipe(up)">
+                                      <p:cBhvr>
+                                        <p:cTn id="29" dur="750"/>
+                                        <p:tgtEl>
+                                          <p:spTgt spid="31"/>
+                                        </p:tgtEl>
+                                      </p:cBhvr>
+                                    </p:animEffect>
+                                  </p:childTnLst>
+                                </p:cTn>
+                              </p:par>
+                              <p:par>
+                                <p:cTn id="30" presetID="22" presetClass="entr" presetSubtype="1" fill="hold" nodeType="withEffect">
+                                  <p:stCondLst>
+                                    <p:cond delay="0"/>
+                                  </p:stCondLst>
+                                  <p:childTnLst>
+                                    <p:set>
+                                      <p:cBhvr>
+                                        <p:cTn id="31" dur="1" fill="hold">
+                                          <p:stCondLst>
+                                            <p:cond delay="0"/>
+                                          </p:stCondLst>
+                                        </p:cTn>
+                                        <p:tgtEl>
+                                          <p:spTgt spid="33"/>
+                                        </p:tgtEl>
+                                        <p:attrNameLst>
+                                          <p:attrName>style.visibility</p:attrName>
+                                        </p:attrNameLst>
+                                      </p:cBhvr>
+                                      <p:to>
+                                        <p:strVal val="visible"/>
+                                      </p:to>
+                                    </p:set>
+                                    <p:animEffect transition="in" filter="wipe(up)">
+                                      <p:cBhvr>
+                                        <p:cTn id="32" dur="750"/>
+                                        <p:tgtEl>
+                                          <p:spTgt spid="33"/>
+                                        </p:tgtEl>
+                                      </p:cBhvr>
+                                    </p:animEffect>
+                                  </p:childTnLst>
+                                </p:cTn>
+                              </p:par>
+                            </p:childTnLst>
+                          </p:cTn>
+                        </p:par>
+                      </p:childTnLst>
+                    </p:cTn>
+                  </p:par>
+                  <p:par>
+                    <p:cTn id="33" fill="hold">
+                      <p:stCondLst>
+                        <p:cond delay="indefinite"/>
+                      </p:stCondLst>
+                      <p:childTnLst>
+                        <p:par>
+                          <p:cTn id="34" fill="hold">
+                            <p:stCondLst>
+                              <p:cond delay="0"/>
+                            </p:stCondLst>
+                            <p:childTnLst>
+                              <p:par>
+                                <p:cTn id="35" presetID="22" presetClass="entr" presetSubtype="1" fill="hold" nodeType="clickEffect">
+                                  <p:stCondLst>
+                                    <p:cond delay="0"/>
+                                  </p:stCondLst>
+                                  <p:childTnLst>
+                                    <p:set>
+                                      <p:cBhvr>
+                                        <p:cTn id="36" dur="1" fill="hold">
+                                          <p:stCondLst>
+                                            <p:cond delay="0"/>
+                                          </p:stCondLst>
+                                        </p:cTn>
+                                        <p:tgtEl>
+                                          <p:spTgt spid="35"/>
+                                        </p:tgtEl>
+                                        <p:attrNameLst>
+                                          <p:attrName>style.visibility</p:attrName>
+                                        </p:attrNameLst>
+                                      </p:cBhvr>
+                                      <p:to>
+                                        <p:strVal val="visible"/>
+                                      </p:to>
+                                    </p:set>
+                                    <p:animEffect transition="in" filter="wipe(up)">
+                                      <p:cBhvr>
+                                        <p:cTn id="37" dur="1500"/>
+                                        <p:tgtEl>
+                                          <p:spTgt spid="35"/>
+                                        </p:tgtEl>
+                                      </p:cBhvr>
+                                    </p:animEffect>
+                                  </p:childTnLst>
+                                </p:cTn>
+                              </p:par>
+                              <p:par>
+                                <p:cTn id="38" presetID="22" presetClass="entr" presetSubtype="1" fill="hold" nodeType="withEffect">
+                                  <p:stCondLst>
+                                    <p:cond delay="0"/>
+                                  </p:stCondLst>
+                                  <p:childTnLst>
+                                    <p:set>
+                                      <p:cBhvr>
+                                        <p:cTn id="39" dur="1" fill="hold">
+                                          <p:stCondLst>
+                                            <p:cond delay="0"/>
+                                          </p:stCondLst>
+                                        </p:cTn>
+                                        <p:tgtEl>
+                                          <p:spTgt spid="36"/>
+                                        </p:tgtEl>
+                                        <p:attrNameLst>
+                                          <p:attrName>style.visibility</p:attrName>
+                                        </p:attrNameLst>
+                                      </p:cBhvr>
+                                      <p:to>
+                                        <p:strVal val="visible"/>
+                                      </p:to>
+                                    </p:set>
+                                    <p:animEffect transition="in" filter="wipe(up)">
+                                      <p:cBhvr>
+                                        <p:cTn id="40" dur="1500"/>
+                                        <p:tgtEl>
+                                          <p:spTgt spid="36"/>
+                                        </p:tgtEl>
+                                      </p:cBhvr>
+                                    </p:animEffect>
+                                  </p:childTnLst>
+                                </p:cTn>
+                              </p:par>
+                            </p:childTnLst>
+                          </p:cTn>
+                        </p:par>
+                      </p:childTnLst>
+                    </p:cTn>
+                  </p:par>
+                  <p:par>
+                    <p:cTn id="41" fill="hold">
+                      <p:stCondLst>
+                        <p:cond delay="indefinite"/>
+                      </p:stCondLst>
+                      <p:childTnLst>
+                        <p:par>
+                          <p:cTn id="42" fill="hold">
+                            <p:stCondLst>
+                              <p:cond delay="0"/>
+                            </p:stCondLst>
+                            <p:childTnLst>
+                              <p:par>
+                                <p:cTn id="43" presetID="22" presetClass="entr" presetSubtype="1" fill="hold" nodeType="clickEffect">
+                                  <p:stCondLst>
+                                    <p:cond delay="0"/>
+                                  </p:stCondLst>
+                                  <p:childTnLst>
+                                    <p:set>
+                                      <p:cBhvr>
+                                        <p:cTn id="44" dur="1" fill="hold">
+                                          <p:stCondLst>
+                                            <p:cond delay="0"/>
+                                          </p:stCondLst>
+                                        </p:cTn>
+                                        <p:tgtEl>
+                                          <p:spTgt spid="42"/>
+                                        </p:tgtEl>
+                                        <p:attrNameLst>
+                                          <p:attrName>style.visibility</p:attrName>
+                                        </p:attrNameLst>
+                                      </p:cBhvr>
+                                      <p:to>
+                                        <p:strVal val="visible"/>
+                                      </p:to>
+                                    </p:set>
+                                    <p:animEffect transition="in" filter="wipe(up)">
+                                      <p:cBhvr>
+                                        <p:cTn id="45" dur="1500"/>
+                                        <p:tgtEl>
+                                          <p:spTgt spid="42"/>
+                                        </p:tgtEl>
+                                      </p:cBhvr>
+                                    </p:animEffect>
+                                  </p:childTnLst>
+                                </p:cTn>
+                              </p:par>
+                              <p:par>
+                                <p:cTn id="46" presetID="22" presetClass="entr" presetSubtype="1" fill="hold" nodeType="withEffect">
+                                  <p:stCondLst>
+                                    <p:cond delay="0"/>
+                                  </p:stCondLst>
+                                  <p:childTnLst>
+                                    <p:set>
+                                      <p:cBhvr>
+                                        <p:cTn id="47" dur="1" fill="hold">
+                                          <p:stCondLst>
+                                            <p:cond delay="0"/>
+                                          </p:stCondLst>
+                                        </p:cTn>
+                                        <p:tgtEl>
+                                          <p:spTgt spid="43"/>
+                                        </p:tgtEl>
+                                        <p:attrNameLst>
+                                          <p:attrName>style.visibility</p:attrName>
+                                        </p:attrNameLst>
+                                      </p:cBhvr>
+                                      <p:to>
+                                        <p:strVal val="visible"/>
+                                      </p:to>
+                                    </p:set>
+                                    <p:animEffect transition="in" filter="wipe(up)">
+                                      <p:cBhvr>
+                                        <p:cTn id="48" dur="1500"/>
+                                        <p:tgtEl>
+                                          <p:spTgt spid="43"/>
+                                        </p:tgtEl>
+                                      </p:cBhvr>
+                                    </p:animEffect>
+                                  </p:childTnLst>
+                                </p:cTn>
+                              </p:par>
+                            </p:childTnLst>
+                          </p:cTn>
+                        </p:par>
+                      </p:childTnLst>
+                    </p:cTn>
+                  </p:par>
+                  <p:par>
+                    <p:cTn id="49" fill="hold">
+                      <p:stCondLst>
+                        <p:cond delay="indefinite"/>
+                      </p:stCondLst>
+                      <p:childTnLst>
+                        <p:par>
+                          <p:cTn id="50" fill="hold">
+                            <p:stCondLst>
+                              <p:cond delay="0"/>
+                            </p:stCondLst>
+                            <p:childTnLst>
+                              <p:par>
+                                <p:cTn id="51" presetID="22" presetClass="entr" presetSubtype="8" fill="hold" grpId="0" nodeType="clickEffect">
+                                  <p:stCondLst>
+                                    <p:cond delay="0"/>
+                                  </p:stCondLst>
+                                  <p:childTnLst>
+                                    <p:set>
+                                      <p:cBhvr>
+                                        <p:cTn id="52" dur="1" fill="hold">
+                                          <p:stCondLst>
+                                            <p:cond delay="0"/>
+                                          </p:stCondLst>
+                                        </p:cTn>
+                                        <p:tgtEl>
+                                          <p:spTgt spid="44"/>
+                                        </p:tgtEl>
+                                        <p:attrNameLst>
+                                          <p:attrName>style.visibility</p:attrName>
+                                        </p:attrNameLst>
+                                      </p:cBhvr>
+                                      <p:to>
+                                        <p:strVal val="visible"/>
+                                      </p:to>
+                                    </p:set>
+                                    <p:animEffect transition="in" filter="wipe(left)">
+                                      <p:cBhvr>
+                                        <p:cTn id="53" dur="1250"/>
+                                        <p:tgtEl>
+                                          <p:spTgt spid="44"/>
+                                        </p:tgtEl>
+                                      </p:cBhvr>
+                                    </p:animEffect>
+                                  </p:childTnLst>
+                                </p:cTn>
+                              </p:par>
+                            </p:childTnLst>
+                          </p:cTn>
+                        </p:par>
+                      </p:childTnLst>
+                    </p:cTn>
+                  </p:par>
+                  <p:par>
+                    <p:cTn id="54" fill="hold">
+                      <p:stCondLst>
+                        <p:cond delay="indefinite"/>
+                      </p:stCondLst>
+                      <p:childTnLst>
+                        <p:par>
+                          <p:cTn id="55" fill="hold">
+                            <p:stCondLst>
+                              <p:cond delay="0"/>
+                            </p:stCondLst>
+                            <p:childTnLst>
+                              <p:par>
+                                <p:cTn id="56" presetID="22" presetClass="entr" presetSubtype="1" fill="hold" nodeType="clickEffect">
+                                  <p:stCondLst>
+                                    <p:cond delay="0"/>
+                                  </p:stCondLst>
+                                  <p:childTnLst>
+                                    <p:set>
+                                      <p:cBhvr>
+                                        <p:cTn id="57" dur="1" fill="hold">
+                                          <p:stCondLst>
+                                            <p:cond delay="0"/>
+                                          </p:stCondLst>
+                                        </p:cTn>
+                                        <p:tgtEl>
+                                          <p:spTgt spid="17"/>
+                                        </p:tgtEl>
+                                        <p:attrNameLst>
+                                          <p:attrName>style.visibility</p:attrName>
+                                        </p:attrNameLst>
+                                      </p:cBhvr>
+                                      <p:to>
+                                        <p:strVal val="visible"/>
+                                      </p:to>
+                                    </p:set>
+                                    <p:animEffect transition="in" filter="wipe(up)">
+                                      <p:cBhvr>
+                                        <p:cTn id="58" dur="1500"/>
+                                        <p:tgtEl>
+                                          <p:spTgt spid="17"/>
+                                        </p:tgtEl>
+                                      </p:cBhvr>
+                                    </p:animEffect>
+                                  </p:childTnLst>
+                                </p:cTn>
+                              </p:par>
+                            </p:childTnLst>
+                          </p:cTn>
+                        </p:par>
+                      </p:childTnLst>
+                    </p:cTn>
+                  </p:par>
+                  <p:par>
+                    <p:cTn id="59" fill="hold">
+                      <p:stCondLst>
+                        <p:cond delay="indefinite"/>
+                      </p:stCondLst>
+                      <p:childTnLst>
+                        <p:par>
+                          <p:cTn id="60" fill="hold">
+                            <p:stCondLst>
+                              <p:cond delay="0"/>
+                            </p:stCondLst>
+                            <p:childTnLst>
+                              <p:par>
+                                <p:cTn id="61" presetID="22" presetClass="entr" presetSubtype="8" fill="hold" nodeType="clickEffect">
+                                  <p:stCondLst>
+                                    <p:cond delay="0"/>
+                                  </p:stCondLst>
+                                  <p:childTnLst>
+                                    <p:set>
+                                      <p:cBhvr>
+                                        <p:cTn id="62" dur="1" fill="hold">
+                                          <p:stCondLst>
+                                            <p:cond delay="0"/>
+                                          </p:stCondLst>
+                                        </p:cTn>
+                                        <p:tgtEl>
+                                          <p:spTgt spid="37"/>
+                                        </p:tgtEl>
+                                        <p:attrNameLst>
+                                          <p:attrName>style.visibility</p:attrName>
+                                        </p:attrNameLst>
+                                      </p:cBhvr>
+                                      <p:to>
+                                        <p:strVal val="visible"/>
+                                      </p:to>
+                                    </p:set>
+                                    <p:animEffect transition="in" filter="wipe(left)">
+                                      <p:cBhvr>
+                                        <p:cTn id="63" dur="750"/>
+                                        <p:tgtEl>
+                                          <p:spTgt spid="37"/>
+                                        </p:tgtEl>
+                                      </p:cBhvr>
+                                    </p:animEffect>
+                                  </p:childTnLst>
+                                </p:cTn>
+                              </p:par>
+                            </p:childTnLst>
+                          </p:cTn>
+                        </p:par>
+                        <p:par>
+                          <p:cTn id="64" fill="hold">
+                            <p:stCondLst>
+                              <p:cond delay="750"/>
+                            </p:stCondLst>
+                            <p:childTnLst>
+                              <p:par>
+                                <p:cTn id="65" presetID="22" presetClass="entr" presetSubtype="8" fill="hold" nodeType="afterEffect">
+                                  <p:stCondLst>
+                                    <p:cond delay="500"/>
+                                  </p:stCondLst>
+                                  <p:childTnLst>
+                                    <p:set>
+                                      <p:cBhvr>
+                                        <p:cTn id="66" dur="1" fill="hold">
+                                          <p:stCondLst>
+                                            <p:cond delay="0"/>
+                                          </p:stCondLst>
+                                        </p:cTn>
+                                        <p:tgtEl>
+                                          <p:spTgt spid="41"/>
+                                        </p:tgtEl>
+                                        <p:attrNameLst>
+                                          <p:attrName>style.visibility</p:attrName>
+                                        </p:attrNameLst>
+                                      </p:cBhvr>
+                                      <p:to>
+                                        <p:strVal val="visible"/>
+                                      </p:to>
+                                    </p:set>
+                                    <p:animEffect transition="in" filter="wipe(left)">
+                                      <p:cBhvr>
+                                        <p:cTn id="67" dur="750"/>
+                                        <p:tgtEl>
+                                          <p:spTgt spid="41"/>
+                                        </p:tgtEl>
+                                      </p:cBhvr>
+                                    </p:animEffect>
+                                  </p:childTnLst>
+                                </p:cTn>
+                              </p:par>
+                            </p:childTnLst>
+                          </p:cTn>
+                        </p:par>
+                      </p:childTnLst>
+                    </p:cTn>
+                  </p:par>
+                  <p:par>
+                    <p:cTn id="68" fill="hold">
+                      <p:stCondLst>
+                        <p:cond delay="indefinite"/>
+                      </p:stCondLst>
+                      <p:childTnLst>
+                        <p:par>
+                          <p:cTn id="69" fill="hold">
+                            <p:stCondLst>
+                              <p:cond delay="0"/>
+                            </p:stCondLst>
+                            <p:childTnLst>
+                              <p:par>
+                                <p:cTn id="70" presetID="22" presetClass="entr" presetSubtype="8" fill="hold" grpId="0" nodeType="clickEffect">
+                                  <p:stCondLst>
+                                    <p:cond delay="0"/>
+                                  </p:stCondLst>
+                                  <p:childTnLst>
+                                    <p:set>
+                                      <p:cBhvr>
+                                        <p:cTn id="71" dur="1" fill="hold">
+                                          <p:stCondLst>
+                                            <p:cond delay="0"/>
+                                          </p:stCondLst>
+                                        </p:cTn>
+                                        <p:tgtEl>
+                                          <p:spTgt spid="45"/>
+                                        </p:tgtEl>
+                                        <p:attrNameLst>
+                                          <p:attrName>style.visibility</p:attrName>
+                                        </p:attrNameLst>
+                                      </p:cBhvr>
+                                      <p:to>
+                                        <p:strVal val="visible"/>
+                                      </p:to>
+                                    </p:set>
+                                    <p:animEffect transition="in" filter="wipe(left)">
+                                      <p:cBhvr>
+                                        <p:cTn id="72" dur="1000"/>
+                                        <p:tgtEl>
+                                          <p:spTgt spid="45"/>
+                                        </p:tgtEl>
+                                      </p:cBhvr>
+                                    </p:animEffect>
+                                  </p:childTnLst>
+                                </p:cTn>
+                              </p:par>
+                            </p:childTnLst>
+                          </p:cTn>
+                        </p:par>
+                      </p:childTnLst>
+                    </p:cTn>
+                  </p:par>
+                  <p:par>
+                    <p:cTn id="73" fill="hold">
+                      <p:stCondLst>
+                        <p:cond delay="indefinite"/>
+                      </p:stCondLst>
+                      <p:childTnLst>
+                        <p:par>
+                          <p:cTn id="74" fill="hold">
+                            <p:stCondLst>
+                              <p:cond delay="0"/>
+                            </p:stCondLst>
+                            <p:childTnLst>
+                              <p:par>
+                                <p:cTn id="75" presetID="22" presetClass="entr" presetSubtype="8" fill="hold" grpId="0" nodeType="clickEffect">
+                                  <p:stCondLst>
+                                    <p:cond delay="0"/>
+                                  </p:stCondLst>
+                                  <p:childTnLst>
+                                    <p:set>
+                                      <p:cBhvr>
+                                        <p:cTn id="76" dur="1" fill="hold">
+                                          <p:stCondLst>
+                                            <p:cond delay="0"/>
+                                          </p:stCondLst>
+                                        </p:cTn>
+                                        <p:tgtEl>
+                                          <p:spTgt spid="46"/>
+                                        </p:tgtEl>
+                                        <p:attrNameLst>
+                                          <p:attrName>style.visibility</p:attrName>
+                                        </p:attrNameLst>
+                                      </p:cBhvr>
+                                      <p:to>
+                                        <p:strVal val="visible"/>
+                                      </p:to>
+                                    </p:set>
+                                    <p:animEffect transition="in" filter="wipe(left)">
+                                      <p:cBhvr>
+                                        <p:cTn id="77" dur="1000"/>
+                                        <p:tgtEl>
+                                          <p:spTgt spid="46"/>
+                                        </p:tgtEl>
+                                      </p:cBhvr>
+                                    </p:animEffect>
+                                  </p:childTnLst>
+                                </p:cTn>
+                              </p:par>
+                            </p:childTnLst>
+                          </p:cTn>
+                        </p:par>
+                      </p:childTnLst>
+                    </p:cTn>
+                  </p:par>
+                </p:childTnLst>
+              </p:cTn>
+              <p:prevCondLst>
+                <p:cond evt="onPrev" delay="0">
+                  <p:tgtEl>
+                    <p:sldTgt/>
+                  </p:tgtEl>
+                </p:cond>
+              </p:prevCondLst>
+              <p:nextCondLst>
+                <p:cond evt="onNext" delay="0">
+                  <p:tgtEl>
+                    <p:sldTgt/>
+                  </p:tgtEl>
+                </p:cond>
+              </p:nextCondLst>
+            </p:seq>
+          </p:childTnLst>
+        </p:cTn>
+      </p:par>
+    </p:tnLst>
+    <p:bldLst>
+      <p:bldP spid="18" grpId="0"/>
+      <p:bldP spid="19" grpId="0"/>
+      <p:bldP spid="44" grpId="0" animBg="1"/>
+      <p:bldP spid="45" grpId="0"/>
+      <p:bldP spid="46" grpId="0"/>
+    </p:bldLst>
+  </p:timing>
 </p:sld>
 </file>
 

--- a/physical/Physical Slides.pptx
+++ b/physical/Physical Slides.pptx
@@ -5,12 +5,15 @@
     <p:sldMasterId id="2147483648" r:id="rId1"/>
   </p:sldMasterIdLst>
   <p:notesMasterIdLst>
-    <p:notesMasterId r:id="rId5"/>
+    <p:notesMasterId r:id="rId8"/>
   </p:notesMasterIdLst>
   <p:sldIdLst>
     <p:sldId id="262" r:id="rId2"/>
     <p:sldId id="264" r:id="rId3"/>
     <p:sldId id="265" r:id="rId4"/>
+    <p:sldId id="269" r:id="rId5"/>
+    <p:sldId id="266" r:id="rId6"/>
+    <p:sldId id="267" r:id="rId7"/>
   </p:sldIdLst>
   <p:sldSz cx="12192000" cy="6858000"/>
   <p:notesSz cx="7102475" cy="10234613"/>
@@ -123,6 +126,13 @@
             <p14:sldId id="265"/>
           </p14:sldIdLst>
         </p14:section>
+        <p14:section name="Pico" id="{41887E03-74B7-437F-9D7B-0FA820461FC2}">
+          <p14:sldIdLst>
+            <p14:sldId id="269"/>
+            <p14:sldId id="266"/>
+            <p14:sldId id="267"/>
+          </p14:sldIdLst>
+        </p14:section>
       </p14:sectionLst>
     </p:ext>
     <p:ext uri="{EFAFB233-063F-42B5-8137-9DF3F51BA10A}">
@@ -157,7 +167,7 @@
 <file path=ppt/revisionInfo.xml><?xml version="1.0" encoding="utf-8"?>
 <p1510:revInfo xmlns:a="http://schemas.openxmlformats.org/drawingml/2006/main" xmlns:r="http://schemas.openxmlformats.org/officeDocument/2006/relationships" xmlns:p1510="http://schemas.microsoft.com/office/powerpoint/2015/10/main">
   <p1510:revLst>
-    <p1510:client id="{1B57B787-1504-474A-99AA-DAF31A274099}" v="134" dt="2025-05-23T16:04:23.900"/>
+    <p1510:client id="{1B57B787-1504-474A-99AA-DAF31A274099}" v="175" dt="2025-05-24T10:43:30.951"/>
   </p1510:revLst>
 </p1510:revInfo>
 </file>
@@ -244,7 +254,7 @@
           <a:p>
             <a:fld id="{0E35528A-819C-4AD3-BDC3-2CDCE7BEAF53}" type="datetimeFigureOut">
               <a:rPr lang="en-GB" smtClean="0"/>
-              <a:t>23/05/2025</a:t>
+              <a:t>24/05/2025</a:t>
             </a:fld>
             <a:endParaRPr lang="en-GB"/>
           </a:p>
@@ -613,6 +623,93 @@
 </p:notes>
 </file>
 
+<file path=ppt/notesSlides/notesSlide2.xml><?xml version="1.0" encoding="utf-8"?>
+<p:notes xmlns:a="http://schemas.openxmlformats.org/drawingml/2006/main" xmlns:r="http://schemas.openxmlformats.org/officeDocument/2006/relationships" xmlns:p="http://schemas.openxmlformats.org/presentationml/2006/main">
+  <p:cSld>
+    <p:spTree>
+      <p:nvGrpSpPr>
+        <p:cNvPr id="1" name=""/>
+        <p:cNvGrpSpPr/>
+        <p:nvPr/>
+      </p:nvGrpSpPr>
+      <p:grpSpPr>
+        <a:xfrm>
+          <a:off x="0" y="0"/>
+          <a:ext cx="0" cy="0"/>
+          <a:chOff x="0" y="0"/>
+          <a:chExt cx="0" cy="0"/>
+        </a:xfrm>
+      </p:grpSpPr>
+      <p:sp>
+        <p:nvSpPr>
+          <p:cNvPr id="2" name="Slide Image Placeholder 1"/>
+          <p:cNvSpPr>
+            <a:spLocks noGrp="1" noRot="1" noChangeAspect="1"/>
+          </p:cNvSpPr>
+          <p:nvPr>
+            <p:ph type="sldImg"/>
+          </p:nvPr>
+        </p:nvSpPr>
+        <p:spPr/>
+      </p:sp>
+      <p:sp>
+        <p:nvSpPr>
+          <p:cNvPr id="3" name="Notes Placeholder 2"/>
+          <p:cNvSpPr>
+            <a:spLocks noGrp="1"/>
+          </p:cNvSpPr>
+          <p:nvPr>
+            <p:ph type="body" idx="1"/>
+          </p:nvPr>
+        </p:nvSpPr>
+        <p:spPr/>
+        <p:txBody>
+          <a:bodyPr/>
+          <a:lstStyle/>
+          <a:p>
+            <a:r>
+              <a:rPr lang="en-GB" dirty="0"/>
+              <a:t>Power rails also known as bus strips</a:t>
+            </a:r>
+          </a:p>
+        </p:txBody>
+      </p:sp>
+      <p:sp>
+        <p:nvSpPr>
+          <p:cNvPr id="4" name="Slide Number Placeholder 3"/>
+          <p:cNvSpPr>
+            <a:spLocks noGrp="1"/>
+          </p:cNvSpPr>
+          <p:nvPr>
+            <p:ph type="sldNum" sz="quarter" idx="5"/>
+          </p:nvPr>
+        </p:nvSpPr>
+        <p:spPr/>
+        <p:txBody>
+          <a:bodyPr/>
+          <a:lstStyle/>
+          <a:p>
+            <a:fld id="{B71FE5B5-A979-4370-A255-218EAB36A5F4}" type="slidenum">
+              <a:rPr lang="en-GB" smtClean="0"/>
+              <a:t>3</a:t>
+            </a:fld>
+            <a:endParaRPr lang="en-GB"/>
+          </a:p>
+        </p:txBody>
+      </p:sp>
+    </p:spTree>
+    <p:extLst>
+      <p:ext uri="{BB962C8B-B14F-4D97-AF65-F5344CB8AC3E}">
+        <p14:creationId xmlns:p14="http://schemas.microsoft.com/office/powerpoint/2010/main" val="411164837"/>
+      </p:ext>
+    </p:extLst>
+  </p:cSld>
+  <p:clrMapOvr>
+    <a:masterClrMapping/>
+  </p:clrMapOvr>
+</p:notes>
+</file>
+
 <file path=ppt/slideLayouts/slideLayout1.xml><?xml version="1.0" encoding="utf-8"?>
 <p:sldLayout xmlns:a="http://schemas.openxmlformats.org/drawingml/2006/main" xmlns:r="http://schemas.openxmlformats.org/officeDocument/2006/relationships" xmlns:p="http://schemas.openxmlformats.org/presentationml/2006/main" type="title" preserve="1">
   <p:cSld name="Title Slide">
@@ -762,7 +859,7 @@
           <a:p>
             <a:fld id="{CBBB66F6-7471-47DA-8EED-C7BCCA53B015}" type="datetimeFigureOut">
               <a:rPr lang="en-GB" smtClean="0"/>
-              <a:t>23/05/2025</a:t>
+              <a:t>24/05/2025</a:t>
             </a:fld>
             <a:endParaRPr lang="en-GB"/>
           </a:p>
@@ -978,7 +1075,7 @@
           <a:p>
             <a:fld id="{CBBB66F6-7471-47DA-8EED-C7BCCA53B015}" type="datetimeFigureOut">
               <a:rPr lang="en-GB" smtClean="0"/>
-              <a:t>23/05/2025</a:t>
+              <a:t>24/05/2025</a:t>
             </a:fld>
             <a:endParaRPr lang="en-GB"/>
           </a:p>
@@ -1188,7 +1285,7 @@
           <a:p>
             <a:fld id="{CBBB66F6-7471-47DA-8EED-C7BCCA53B015}" type="datetimeFigureOut">
               <a:rPr lang="en-GB" smtClean="0"/>
-              <a:t>23/05/2025</a:t>
+              <a:t>24/05/2025</a:t>
             </a:fld>
             <a:endParaRPr lang="en-GB"/>
           </a:p>
@@ -1434,7 +1531,7 @@
           <a:p>
             <a:fld id="{CBBB66F6-7471-47DA-8EED-C7BCCA53B015}" type="datetimeFigureOut">
               <a:rPr lang="en-GB" smtClean="0"/>
-              <a:t>23/05/2025</a:t>
+              <a:t>24/05/2025</a:t>
             </a:fld>
             <a:endParaRPr lang="en-GB"/>
           </a:p>
@@ -1726,7 +1823,7 @@
           <a:p>
             <a:fld id="{CBBB66F6-7471-47DA-8EED-C7BCCA53B015}" type="datetimeFigureOut">
               <a:rPr lang="en-GB" smtClean="0"/>
-              <a:t>23/05/2025</a:t>
+              <a:t>24/05/2025</a:t>
             </a:fld>
             <a:endParaRPr lang="en-GB"/>
           </a:p>
@@ -2086,7 +2183,7 @@
           <a:p>
             <a:fld id="{CBBB66F6-7471-47DA-8EED-C7BCCA53B015}" type="datetimeFigureOut">
               <a:rPr lang="en-GB" smtClean="0"/>
-              <a:t>23/05/2025</a:t>
+              <a:t>24/05/2025</a:t>
             </a:fld>
             <a:endParaRPr lang="en-GB"/>
           </a:p>
@@ -2593,7 +2690,7 @@
           <a:p>
             <a:fld id="{CBBB66F6-7471-47DA-8EED-C7BCCA53B015}" type="datetimeFigureOut">
               <a:rPr lang="en-GB" smtClean="0"/>
-              <a:t>23/05/2025</a:t>
+              <a:t>24/05/2025</a:t>
             </a:fld>
             <a:endParaRPr lang="en-GB"/>
           </a:p>
@@ -2751,7 +2848,7 @@
           <a:p>
             <a:fld id="{CBBB66F6-7471-47DA-8EED-C7BCCA53B015}" type="datetimeFigureOut">
               <a:rPr lang="en-GB" smtClean="0"/>
-              <a:t>23/05/2025</a:t>
+              <a:t>24/05/2025</a:t>
             </a:fld>
             <a:endParaRPr lang="en-GB"/>
           </a:p>
@@ -2880,7 +2977,7 @@
           <a:p>
             <a:fld id="{CBBB66F6-7471-47DA-8EED-C7BCCA53B015}" type="datetimeFigureOut">
               <a:rPr lang="en-GB" smtClean="0"/>
-              <a:t>23/05/2025</a:t>
+              <a:t>24/05/2025</a:t>
             </a:fld>
             <a:endParaRPr lang="en-GB"/>
           </a:p>
@@ -3223,7 +3320,7 @@
           <a:p>
             <a:fld id="{CBBB66F6-7471-47DA-8EED-C7BCCA53B015}" type="datetimeFigureOut">
               <a:rPr lang="en-GB" smtClean="0"/>
-              <a:t>23/05/2025</a:t>
+              <a:t>24/05/2025</a:t>
             </a:fld>
             <a:endParaRPr lang="en-GB"/>
           </a:p>
@@ -3512,7 +3609,7 @@
           <a:p>
             <a:fld id="{CBBB66F6-7471-47DA-8EED-C7BCCA53B015}" type="datetimeFigureOut">
               <a:rPr lang="en-GB" smtClean="0"/>
-              <a:t>23/05/2025</a:t>
+              <a:t>24/05/2025</a:t>
             </a:fld>
             <a:endParaRPr lang="en-GB"/>
           </a:p>
@@ -3759,7 +3856,7 @@
           <a:p>
             <a:fld id="{CBBB66F6-7471-47DA-8EED-C7BCCA53B015}" type="datetimeFigureOut">
               <a:rPr lang="en-GB" noProof="0" smtClean="0"/>
-              <a:t>23/05/2025</a:t>
+              <a:t>24/05/2025</a:t>
             </a:fld>
             <a:endParaRPr lang="en-GB" noProof="0" dirty="0"/>
           </a:p>
@@ -4346,6 +4443,34 @@
           <a:chExt cx="0" cy="0"/>
         </a:xfrm>
       </p:grpSpPr>
+      <p:sp>
+        <p:nvSpPr>
+          <p:cNvPr id="2" name="Title 1">
+            <a:extLst>
+              <a:ext uri="{FF2B5EF4-FFF2-40B4-BE49-F238E27FC236}">
+                <a16:creationId xmlns:a16="http://schemas.microsoft.com/office/drawing/2014/main" id="{FBA76D3E-C4E1-F7F7-5992-4F6D90897A89}"/>
+              </a:ext>
+            </a:extLst>
+          </p:cNvPr>
+          <p:cNvSpPr>
+            <a:spLocks noGrp="1"/>
+          </p:cNvSpPr>
+          <p:nvPr>
+            <p:ph type="title"/>
+          </p:nvPr>
+        </p:nvSpPr>
+        <p:spPr/>
+        <p:txBody>
+          <a:bodyPr/>
+          <a:lstStyle/>
+          <a:p>
+            <a:r>
+              <a:rPr lang="en-GB" dirty="0"/>
+              <a:t>Breadboard</a:t>
+            </a:r>
+          </a:p>
+        </p:txBody>
+      </p:sp>
       <p:pic>
         <p:nvPicPr>
           <p:cNvPr id="23" name="Content Placeholder 22" descr="A close-up of a computer&#10;&#10;AI-generated content may be incorrect.">
@@ -4359,11 +4484,11 @@
             <a:picLocks noGrp="1" noChangeAspect="1"/>
           </p:cNvPicPr>
           <p:nvPr>
-            <p:ph idx="1"/>
+            <p:ph idx="4294967295"/>
           </p:nvPr>
         </p:nvPicPr>
         <p:blipFill>
-          <a:blip r:embed="rId2">
+          <a:blip r:embed="rId3">
             <a:extLst>
               <a:ext uri="{28A0092B-C50C-407E-A947-70E740481C1C}">
                 <a14:useLocalDpi xmlns:a14="http://schemas.microsoft.com/office/drawing/2010/main" val="0"/>
@@ -4376,39 +4501,11 @@
         </p:blipFill>
         <p:spPr>
           <a:xfrm>
-            <a:off x="2537570" y="1628052"/>
-            <a:ext cx="6568220" cy="4680000"/>
+            <a:off x="2532062" y="1635374"/>
+            <a:ext cx="6569075" cy="4679950"/>
           </a:xfrm>
         </p:spPr>
       </p:pic>
-      <p:sp>
-        <p:nvSpPr>
-          <p:cNvPr id="2" name="Title 1">
-            <a:extLst>
-              <a:ext uri="{FF2B5EF4-FFF2-40B4-BE49-F238E27FC236}">
-                <a16:creationId xmlns:a16="http://schemas.microsoft.com/office/drawing/2014/main" id="{FBA76D3E-C4E1-F7F7-5992-4F6D90897A89}"/>
-              </a:ext>
-            </a:extLst>
-          </p:cNvPr>
-          <p:cNvSpPr>
-            <a:spLocks noGrp="1"/>
-          </p:cNvSpPr>
-          <p:nvPr>
-            <p:ph type="title"/>
-          </p:nvPr>
-        </p:nvSpPr>
-        <p:spPr/>
-        <p:txBody>
-          <a:bodyPr/>
-          <a:lstStyle/>
-          <a:p>
-            <a:r>
-              <a:rPr lang="en-GB" dirty="0"/>
-              <a:t>Breadboard</a:t>
-            </a:r>
-          </a:p>
-        </p:txBody>
-      </p:sp>
       <p:sp>
         <p:nvSpPr>
           <p:cNvPr id="18" name="TextBox 17">
@@ -4851,7 +4948,7 @@
         </p:nvCxnSpPr>
         <p:spPr>
           <a:xfrm>
-            <a:off x="8479119" y="2732183"/>
+            <a:off x="8467689" y="2732183"/>
             <a:ext cx="0" cy="3132000"/>
           </a:xfrm>
           <a:prstGeom prst="line">
@@ -6074,6 +6171,1115 @@
 </p:sld>
 </file>
 
+<file path=ppt/slides/slide4.xml><?xml version="1.0" encoding="utf-8"?>
+<p:sld xmlns:a="http://schemas.openxmlformats.org/drawingml/2006/main" xmlns:r="http://schemas.openxmlformats.org/officeDocument/2006/relationships" xmlns:p="http://schemas.openxmlformats.org/presentationml/2006/main">
+  <p:cSld>
+    <p:spTree>
+      <p:nvGrpSpPr>
+        <p:cNvPr id="1" name="">
+          <a:extLst>
+            <a:ext uri="{FF2B5EF4-FFF2-40B4-BE49-F238E27FC236}">
+              <a16:creationId xmlns:a16="http://schemas.microsoft.com/office/drawing/2014/main" id="{85C6467C-E639-F5C7-D700-58FE0E9F7E12}"/>
+            </a:ext>
+          </a:extLst>
+        </p:cNvPr>
+        <p:cNvGrpSpPr/>
+        <p:nvPr/>
+      </p:nvGrpSpPr>
+      <p:grpSpPr>
+        <a:xfrm>
+          <a:off x="0" y="0"/>
+          <a:ext cx="0" cy="0"/>
+          <a:chOff x="0" y="0"/>
+          <a:chExt cx="0" cy="0"/>
+        </a:xfrm>
+      </p:grpSpPr>
+      <p:sp>
+        <p:nvSpPr>
+          <p:cNvPr id="2" name="Title 1">
+            <a:extLst>
+              <a:ext uri="{FF2B5EF4-FFF2-40B4-BE49-F238E27FC236}">
+                <a16:creationId xmlns:a16="http://schemas.microsoft.com/office/drawing/2014/main" id="{D283EE8A-6F4B-BA99-4B03-88D295A0E0E9}"/>
+              </a:ext>
+            </a:extLst>
+          </p:cNvPr>
+          <p:cNvSpPr>
+            <a:spLocks noGrp="1"/>
+          </p:cNvSpPr>
+          <p:nvPr>
+            <p:ph type="title"/>
+          </p:nvPr>
+        </p:nvSpPr>
+        <p:spPr/>
+        <p:txBody>
+          <a:bodyPr/>
+          <a:lstStyle/>
+          <a:p>
+            <a:r>
+              <a:rPr lang="en-GB" dirty="0"/>
+              <a:t>Raspberry Pi Pico</a:t>
+            </a:r>
+          </a:p>
+        </p:txBody>
+      </p:sp>
+      <p:sp>
+        <p:nvSpPr>
+          <p:cNvPr id="3" name="Text Placeholder 2">
+            <a:extLst>
+              <a:ext uri="{FF2B5EF4-FFF2-40B4-BE49-F238E27FC236}">
+                <a16:creationId xmlns:a16="http://schemas.microsoft.com/office/drawing/2014/main" id="{B74FF23B-E4F9-E722-BC07-60B353B1F32F}"/>
+              </a:ext>
+            </a:extLst>
+          </p:cNvPr>
+          <p:cNvSpPr>
+            <a:spLocks noGrp="1"/>
+          </p:cNvSpPr>
+          <p:nvPr>
+            <p:ph type="body" idx="1"/>
+          </p:nvPr>
+        </p:nvSpPr>
+        <p:spPr/>
+        <p:txBody>
+          <a:bodyPr/>
+          <a:lstStyle/>
+          <a:p>
+            <a:endParaRPr lang="en-GB"/>
+          </a:p>
+        </p:txBody>
+      </p:sp>
+    </p:spTree>
+    <p:extLst>
+      <p:ext uri="{BB962C8B-B14F-4D97-AF65-F5344CB8AC3E}">
+        <p14:creationId xmlns:p14="http://schemas.microsoft.com/office/powerpoint/2010/main" val="683587456"/>
+      </p:ext>
+    </p:extLst>
+  </p:cSld>
+  <p:clrMapOvr>
+    <a:masterClrMapping/>
+  </p:clrMapOvr>
+</p:sld>
+</file>
+
+<file path=ppt/slides/slide5.xml><?xml version="1.0" encoding="utf-8"?>
+<p:sld xmlns:a="http://schemas.openxmlformats.org/drawingml/2006/main" xmlns:r="http://schemas.openxmlformats.org/officeDocument/2006/relationships" xmlns:p="http://schemas.openxmlformats.org/presentationml/2006/main">
+  <p:cSld>
+    <p:spTree>
+      <p:nvGrpSpPr>
+        <p:cNvPr id="1" name="">
+          <a:extLst>
+            <a:ext uri="{FF2B5EF4-FFF2-40B4-BE49-F238E27FC236}">
+              <a16:creationId xmlns:a16="http://schemas.microsoft.com/office/drawing/2014/main" id="{146E1F86-C17C-730C-1B0A-BDA2D45BD37F}"/>
+            </a:ext>
+          </a:extLst>
+        </p:cNvPr>
+        <p:cNvGrpSpPr/>
+        <p:nvPr/>
+      </p:nvGrpSpPr>
+      <p:grpSpPr>
+        <a:xfrm>
+          <a:off x="0" y="0"/>
+          <a:ext cx="0" cy="0"/>
+          <a:chOff x="0" y="0"/>
+          <a:chExt cx="0" cy="0"/>
+        </a:xfrm>
+      </p:grpSpPr>
+      <p:sp>
+        <p:nvSpPr>
+          <p:cNvPr id="2" name="Title 1">
+            <a:extLst>
+              <a:ext uri="{FF2B5EF4-FFF2-40B4-BE49-F238E27FC236}">
+                <a16:creationId xmlns:a16="http://schemas.microsoft.com/office/drawing/2014/main" id="{B93EAA9A-9E85-E20F-FC56-AAAD80335233}"/>
+              </a:ext>
+            </a:extLst>
+          </p:cNvPr>
+          <p:cNvSpPr>
+            <a:spLocks noGrp="1"/>
+          </p:cNvSpPr>
+          <p:nvPr>
+            <p:ph type="title"/>
+          </p:nvPr>
+        </p:nvSpPr>
+        <p:spPr/>
+        <p:txBody>
+          <a:bodyPr/>
+          <a:lstStyle/>
+          <a:p>
+            <a:r>
+              <a:rPr lang="en-GB" dirty="0"/>
+              <a:t>Internal LED</a:t>
+            </a:r>
+          </a:p>
+        </p:txBody>
+      </p:sp>
+      <p:pic>
+        <p:nvPicPr>
+          <p:cNvPr id="14" name="Content Placeholder 13" descr="A green circuit board with many small holes&#10;&#10;AI-generated content may be incorrect.">
+            <a:extLst>
+              <a:ext uri="{FF2B5EF4-FFF2-40B4-BE49-F238E27FC236}">
+                <a16:creationId xmlns:a16="http://schemas.microsoft.com/office/drawing/2014/main" id="{7ABA07A7-B432-710F-7366-B09767D59746}"/>
+              </a:ext>
+            </a:extLst>
+          </p:cNvPr>
+          <p:cNvPicPr>
+            <a:picLocks noGrp="1" noChangeAspect="1"/>
+          </p:cNvPicPr>
+          <p:nvPr>
+            <p:ph idx="4294967295"/>
+          </p:nvPr>
+        </p:nvPicPr>
+        <p:blipFill>
+          <a:blip r:embed="rId2">
+            <a:extLst>
+              <a:ext uri="{28A0092B-C50C-407E-A947-70E740481C1C}">
+                <a14:useLocalDpi xmlns:a14="http://schemas.microsoft.com/office/drawing/2010/main" val="0"/>
+              </a:ext>
+            </a:extLst>
+          </a:blip>
+          <a:stretch>
+            <a:fillRect/>
+          </a:stretch>
+        </p:blipFill>
+        <p:spPr>
+          <a:xfrm>
+            <a:off x="2811000" y="1599583"/>
+            <a:ext cx="6570000" cy="4704483"/>
+          </a:xfrm>
+        </p:spPr>
+      </p:pic>
+      <p:sp>
+        <p:nvSpPr>
+          <p:cNvPr id="15" name="Callout: Bent Line with No Border 14">
+            <a:extLst>
+              <a:ext uri="{FF2B5EF4-FFF2-40B4-BE49-F238E27FC236}">
+                <a16:creationId xmlns:a16="http://schemas.microsoft.com/office/drawing/2014/main" id="{B817264A-E1B2-073E-F785-274FAE73958C}"/>
+              </a:ext>
+            </a:extLst>
+          </p:cNvPr>
+          <p:cNvSpPr/>
+          <p:nvPr/>
+        </p:nvSpPr>
+        <p:spPr>
+          <a:xfrm>
+            <a:off x="7407831" y="689967"/>
+            <a:ext cx="2641044" cy="584775"/>
+          </a:xfrm>
+          <a:prstGeom prst="callout2">
+            <a:avLst>
+              <a:gd name="adj1" fmla="val 50105"/>
+              <a:gd name="adj2" fmla="val -599"/>
+              <a:gd name="adj3" fmla="val 51501"/>
+              <a:gd name="adj4" fmla="val -27456"/>
+              <a:gd name="adj5" fmla="val 265111"/>
+              <a:gd name="adj6" fmla="val -51905"/>
+            </a:avLst>
+          </a:prstGeom>
+          <a:ln w="38100">
+            <a:solidFill>
+              <a:srgbClr val="7030A0"/>
+            </a:solidFill>
+            <a:tailEnd type="triangle" w="lg" len="lg"/>
+          </a:ln>
+        </p:spPr>
+        <p:style>
+          <a:lnRef idx="1">
+            <a:schemeClr val="accent1"/>
+          </a:lnRef>
+          <a:fillRef idx="0">
+            <a:schemeClr val="accent1"/>
+          </a:fillRef>
+          <a:effectRef idx="0">
+            <a:schemeClr val="accent1"/>
+          </a:effectRef>
+          <a:fontRef idx="minor">
+            <a:schemeClr val="tx1"/>
+          </a:fontRef>
+        </p:style>
+        <p:txBody>
+          <a:bodyPr wrap="none" rtlCol="0">
+            <a:spAutoFit/>
+          </a:bodyPr>
+          <a:lstStyle/>
+          <a:p>
+            <a:r>
+              <a:rPr lang="en-GB" sz="3200" dirty="0">
+                <a:solidFill>
+                  <a:srgbClr val="7030A0"/>
+                </a:solidFill>
+              </a:rPr>
+              <a:t>USB connector</a:t>
+            </a:r>
+          </a:p>
+        </p:txBody>
+      </p:sp>
+      <p:grpSp>
+        <p:nvGrpSpPr>
+          <p:cNvPr id="22" name="Group 21">
+            <a:extLst>
+              <a:ext uri="{FF2B5EF4-FFF2-40B4-BE49-F238E27FC236}">
+                <a16:creationId xmlns:a16="http://schemas.microsoft.com/office/drawing/2014/main" id="{DE3011A0-5CFD-AA2A-E84D-C48D89BADA76}"/>
+              </a:ext>
+            </a:extLst>
+          </p:cNvPr>
+          <p:cNvGrpSpPr/>
+          <p:nvPr/>
+        </p:nvGrpSpPr>
+        <p:grpSpPr>
+          <a:xfrm>
+            <a:off x="1681919" y="2340558"/>
+            <a:ext cx="3833206" cy="584775"/>
+            <a:chOff x="1681919" y="2340558"/>
+            <a:chExt cx="3833206" cy="584775"/>
+          </a:xfrm>
+        </p:grpSpPr>
+        <p:sp>
+          <p:nvSpPr>
+            <p:cNvPr id="45" name="TextBox 44">
+              <a:extLst>
+                <a:ext uri="{FF2B5EF4-FFF2-40B4-BE49-F238E27FC236}">
+                  <a16:creationId xmlns:a16="http://schemas.microsoft.com/office/drawing/2014/main" id="{A2720E41-B59A-8972-1011-986F074F43AC}"/>
+                </a:ext>
+              </a:extLst>
+            </p:cNvPr>
+            <p:cNvSpPr txBox="1"/>
+            <p:nvPr/>
+          </p:nvSpPr>
+          <p:spPr>
+            <a:xfrm>
+              <a:off x="1681919" y="2340558"/>
+              <a:ext cx="811441" cy="584775"/>
+            </a:xfrm>
+            <a:prstGeom prst="rect">
+              <a:avLst/>
+            </a:prstGeom>
+            <a:noFill/>
+          </p:spPr>
+          <p:txBody>
+            <a:bodyPr wrap="none" rtlCol="0">
+              <a:spAutoFit/>
+            </a:bodyPr>
+            <a:lstStyle/>
+            <a:p>
+              <a:pPr algn="r"/>
+              <a:r>
+                <a:rPr lang="en-GB" sz="3200" dirty="0">
+                  <a:solidFill>
+                    <a:srgbClr val="7030A0"/>
+                  </a:solidFill>
+                </a:rPr>
+                <a:t>LED</a:t>
+              </a:r>
+            </a:p>
+          </p:txBody>
+        </p:sp>
+        <p:sp>
+          <p:nvSpPr>
+            <p:cNvPr id="16" name="Oval 15">
+              <a:extLst>
+                <a:ext uri="{FF2B5EF4-FFF2-40B4-BE49-F238E27FC236}">
+                  <a16:creationId xmlns:a16="http://schemas.microsoft.com/office/drawing/2014/main" id="{5D5D351E-3627-F971-FA45-B17F5EA61015}"/>
+                </a:ext>
+              </a:extLst>
+            </p:cNvPr>
+            <p:cNvSpPr/>
+            <p:nvPr/>
+          </p:nvSpPr>
+          <p:spPr>
+            <a:xfrm>
+              <a:off x="5083125" y="2416946"/>
+              <a:ext cx="432000" cy="432000"/>
+            </a:xfrm>
+            <a:prstGeom prst="ellipse">
+              <a:avLst/>
+            </a:prstGeom>
+            <a:noFill/>
+            <a:ln w="38100">
+              <a:solidFill>
+                <a:srgbClr val="FF0000"/>
+              </a:solidFill>
+            </a:ln>
+          </p:spPr>
+          <p:style>
+            <a:lnRef idx="2">
+              <a:schemeClr val="accent1">
+                <a:shade val="15000"/>
+              </a:schemeClr>
+            </a:lnRef>
+            <a:fillRef idx="1">
+              <a:schemeClr val="accent1"/>
+            </a:fillRef>
+            <a:effectRef idx="0">
+              <a:schemeClr val="accent1"/>
+            </a:effectRef>
+            <a:fontRef idx="minor">
+              <a:schemeClr val="lt1"/>
+            </a:fontRef>
+          </p:style>
+          <p:txBody>
+            <a:bodyPr rtlCol="0" anchor="ctr"/>
+            <a:lstStyle/>
+            <a:p>
+              <a:pPr algn="ctr"/>
+              <a:endParaRPr lang="en-GB"/>
+            </a:p>
+          </p:txBody>
+        </p:sp>
+        <p:cxnSp>
+          <p:nvCxnSpPr>
+            <p:cNvPr id="21" name="Straight Arrow Connector 20">
+              <a:extLst>
+                <a:ext uri="{FF2B5EF4-FFF2-40B4-BE49-F238E27FC236}">
+                  <a16:creationId xmlns:a16="http://schemas.microsoft.com/office/drawing/2014/main" id="{77C9809D-B900-64F1-AE56-DCBCFBBDFD9A}"/>
+                </a:ext>
+              </a:extLst>
+            </p:cNvPr>
+            <p:cNvCxnSpPr>
+              <a:stCxn id="45" idx="3"/>
+              <a:endCxn id="16" idx="2"/>
+            </p:cNvCxnSpPr>
+            <p:nvPr/>
+          </p:nvCxnSpPr>
+          <p:spPr>
+            <a:xfrm>
+              <a:off x="2493360" y="2632946"/>
+              <a:ext cx="2589765" cy="0"/>
+            </a:xfrm>
+            <a:prstGeom prst="straightConnector1">
+              <a:avLst/>
+            </a:prstGeom>
+            <a:ln w="38100">
+              <a:solidFill>
+                <a:srgbClr val="FF0000"/>
+              </a:solidFill>
+              <a:tailEnd type="triangle" w="lg" len="lg"/>
+            </a:ln>
+          </p:spPr>
+          <p:style>
+            <a:lnRef idx="1">
+              <a:schemeClr val="accent1"/>
+            </a:lnRef>
+            <a:fillRef idx="0">
+              <a:schemeClr val="accent1"/>
+            </a:fillRef>
+            <a:effectRef idx="0">
+              <a:schemeClr val="accent1"/>
+            </a:effectRef>
+            <a:fontRef idx="minor">
+              <a:schemeClr val="tx1"/>
+            </a:fontRef>
+          </p:style>
+        </p:cxnSp>
+      </p:grpSp>
+    </p:spTree>
+    <p:extLst>
+      <p:ext uri="{BB962C8B-B14F-4D97-AF65-F5344CB8AC3E}">
+        <p14:creationId xmlns:p14="http://schemas.microsoft.com/office/powerpoint/2010/main" val="1235692966"/>
+      </p:ext>
+    </p:extLst>
+  </p:cSld>
+  <p:clrMapOvr>
+    <a:masterClrMapping/>
+  </p:clrMapOvr>
+  <p:timing>
+    <p:tnLst>
+      <p:par>
+        <p:cTn id="1" dur="indefinite" restart="never" nodeType="tmRoot">
+          <p:childTnLst>
+            <p:seq concurrent="1" nextAc="seek">
+              <p:cTn id="2" dur="indefinite" nodeType="mainSeq">
+                <p:childTnLst>
+                  <p:par>
+                    <p:cTn id="3" fill="hold">
+                      <p:stCondLst>
+                        <p:cond delay="indefinite"/>
+                      </p:stCondLst>
+                      <p:childTnLst>
+                        <p:par>
+                          <p:cTn id="4" fill="hold">
+                            <p:stCondLst>
+                              <p:cond delay="0"/>
+                            </p:stCondLst>
+                            <p:childTnLst>
+                              <p:par>
+                                <p:cTn id="5" presetID="22" presetClass="entr" presetSubtype="8" fill="hold" grpId="0" nodeType="clickEffect">
+                                  <p:stCondLst>
+                                    <p:cond delay="0"/>
+                                  </p:stCondLst>
+                                  <p:childTnLst>
+                                    <p:set>
+                                      <p:cBhvr>
+                                        <p:cTn id="6" dur="1" fill="hold">
+                                          <p:stCondLst>
+                                            <p:cond delay="0"/>
+                                          </p:stCondLst>
+                                        </p:cTn>
+                                        <p:tgtEl>
+                                          <p:spTgt spid="15"/>
+                                        </p:tgtEl>
+                                        <p:attrNameLst>
+                                          <p:attrName>style.visibility</p:attrName>
+                                        </p:attrNameLst>
+                                      </p:cBhvr>
+                                      <p:to>
+                                        <p:strVal val="visible"/>
+                                      </p:to>
+                                    </p:set>
+                                    <p:animEffect transition="in" filter="wipe(left)">
+                                      <p:cBhvr>
+                                        <p:cTn id="7" dur="1500"/>
+                                        <p:tgtEl>
+                                          <p:spTgt spid="15"/>
+                                        </p:tgtEl>
+                                      </p:cBhvr>
+                                    </p:animEffect>
+                                  </p:childTnLst>
+                                </p:cTn>
+                              </p:par>
+                            </p:childTnLst>
+                          </p:cTn>
+                        </p:par>
+                      </p:childTnLst>
+                    </p:cTn>
+                  </p:par>
+                  <p:par>
+                    <p:cTn id="8" fill="hold">
+                      <p:stCondLst>
+                        <p:cond delay="indefinite"/>
+                      </p:stCondLst>
+                      <p:childTnLst>
+                        <p:par>
+                          <p:cTn id="9" fill="hold">
+                            <p:stCondLst>
+                              <p:cond delay="0"/>
+                            </p:stCondLst>
+                            <p:childTnLst>
+                              <p:par>
+                                <p:cTn id="10" presetID="22" presetClass="entr" presetSubtype="8" fill="hold" nodeType="clickEffect">
+                                  <p:stCondLst>
+                                    <p:cond delay="0"/>
+                                  </p:stCondLst>
+                                  <p:childTnLst>
+                                    <p:set>
+                                      <p:cBhvr>
+                                        <p:cTn id="11" dur="1" fill="hold">
+                                          <p:stCondLst>
+                                            <p:cond delay="0"/>
+                                          </p:stCondLst>
+                                        </p:cTn>
+                                        <p:tgtEl>
+                                          <p:spTgt spid="22"/>
+                                        </p:tgtEl>
+                                        <p:attrNameLst>
+                                          <p:attrName>style.visibility</p:attrName>
+                                        </p:attrNameLst>
+                                      </p:cBhvr>
+                                      <p:to>
+                                        <p:strVal val="visible"/>
+                                      </p:to>
+                                    </p:set>
+                                    <p:animEffect transition="in" filter="wipe(left)">
+                                      <p:cBhvr>
+                                        <p:cTn id="12" dur="1500"/>
+                                        <p:tgtEl>
+                                          <p:spTgt spid="22"/>
+                                        </p:tgtEl>
+                                      </p:cBhvr>
+                                    </p:animEffect>
+                                  </p:childTnLst>
+                                </p:cTn>
+                              </p:par>
+                            </p:childTnLst>
+                          </p:cTn>
+                        </p:par>
+                      </p:childTnLst>
+                    </p:cTn>
+                  </p:par>
+                </p:childTnLst>
+              </p:cTn>
+              <p:prevCondLst>
+                <p:cond evt="onPrev" delay="0">
+                  <p:tgtEl>
+                    <p:sldTgt/>
+                  </p:tgtEl>
+                </p:cond>
+              </p:prevCondLst>
+              <p:nextCondLst>
+                <p:cond evt="onNext" delay="0">
+                  <p:tgtEl>
+                    <p:sldTgt/>
+                  </p:tgtEl>
+                </p:cond>
+              </p:nextCondLst>
+            </p:seq>
+          </p:childTnLst>
+        </p:cTn>
+      </p:par>
+    </p:tnLst>
+    <p:bldLst>
+      <p:bldP spid="15" grpId="0" animBg="1"/>
+    </p:bldLst>
+  </p:timing>
+</p:sld>
+</file>
+
+<file path=ppt/slides/slide6.xml><?xml version="1.0" encoding="utf-8"?>
+<p:sld xmlns:a="http://schemas.openxmlformats.org/drawingml/2006/main" xmlns:r="http://schemas.openxmlformats.org/officeDocument/2006/relationships" xmlns:p="http://schemas.openxmlformats.org/presentationml/2006/main">
+  <p:cSld>
+    <p:spTree>
+      <p:nvGrpSpPr>
+        <p:cNvPr id="1" name="">
+          <a:extLst>
+            <a:ext uri="{FF2B5EF4-FFF2-40B4-BE49-F238E27FC236}">
+              <a16:creationId xmlns:a16="http://schemas.microsoft.com/office/drawing/2014/main" id="{2BE03488-CC66-2774-AB21-5956D4358D14}"/>
+            </a:ext>
+          </a:extLst>
+        </p:cNvPr>
+        <p:cNvGrpSpPr/>
+        <p:nvPr/>
+      </p:nvGrpSpPr>
+      <p:grpSpPr>
+        <a:xfrm>
+          <a:off x="0" y="0"/>
+          <a:ext cx="0" cy="0"/>
+          <a:chOff x="0" y="0"/>
+          <a:chExt cx="0" cy="0"/>
+        </a:xfrm>
+      </p:grpSpPr>
+      <p:pic>
+        <p:nvPicPr>
+          <p:cNvPr id="4" name="Picture 3" descr="A screenshot of a computer&#10;&#10;AI-generated content may be incorrect.">
+            <a:extLst>
+              <a:ext uri="{FF2B5EF4-FFF2-40B4-BE49-F238E27FC236}">
+                <a16:creationId xmlns:a16="http://schemas.microsoft.com/office/drawing/2014/main" id="{6F4E0ABA-E907-2131-D775-61D8BE3A5897}"/>
+              </a:ext>
+            </a:extLst>
+          </p:cNvPr>
+          <p:cNvPicPr>
+            <a:picLocks noChangeAspect="1"/>
+          </p:cNvPicPr>
+          <p:nvPr/>
+        </p:nvPicPr>
+        <p:blipFill>
+          <a:blip r:embed="rId2">
+            <a:extLst>
+              <a:ext uri="{28A0092B-C50C-407E-A947-70E740481C1C}">
+                <a14:useLocalDpi xmlns:a14="http://schemas.microsoft.com/office/drawing/2010/main" val="0"/>
+              </a:ext>
+            </a:extLst>
+          </a:blip>
+          <a:stretch>
+            <a:fillRect/>
+          </a:stretch>
+        </p:blipFill>
+        <p:spPr>
+          <a:xfrm>
+            <a:off x="2811000" y="1599583"/>
+            <a:ext cx="6570000" cy="4704442"/>
+          </a:xfrm>
+          <a:prstGeom prst="rect">
+            <a:avLst/>
+          </a:prstGeom>
+        </p:spPr>
+      </p:pic>
+      <p:sp>
+        <p:nvSpPr>
+          <p:cNvPr id="2" name="Title 1">
+            <a:extLst>
+              <a:ext uri="{FF2B5EF4-FFF2-40B4-BE49-F238E27FC236}">
+                <a16:creationId xmlns:a16="http://schemas.microsoft.com/office/drawing/2014/main" id="{A790038B-252C-5542-4460-D1880DADB31A}"/>
+              </a:ext>
+            </a:extLst>
+          </p:cNvPr>
+          <p:cNvSpPr>
+            <a:spLocks noGrp="1"/>
+          </p:cNvSpPr>
+          <p:nvPr>
+            <p:ph type="title"/>
+          </p:nvPr>
+        </p:nvSpPr>
+        <p:spPr/>
+        <p:txBody>
+          <a:bodyPr/>
+          <a:lstStyle/>
+          <a:p>
+            <a:r>
+              <a:rPr lang="en-GB" dirty="0"/>
+              <a:t>External LED</a:t>
+            </a:r>
+          </a:p>
+        </p:txBody>
+      </p:sp>
+      <p:grpSp>
+        <p:nvGrpSpPr>
+          <p:cNvPr id="22" name="Group 21">
+            <a:extLst>
+              <a:ext uri="{FF2B5EF4-FFF2-40B4-BE49-F238E27FC236}">
+                <a16:creationId xmlns:a16="http://schemas.microsoft.com/office/drawing/2014/main" id="{9DC09BC3-7C21-06A6-4E7D-6D3347FD2414}"/>
+              </a:ext>
+            </a:extLst>
+          </p:cNvPr>
+          <p:cNvGrpSpPr/>
+          <p:nvPr/>
+        </p:nvGrpSpPr>
+        <p:grpSpPr>
+          <a:xfrm>
+            <a:off x="1553901" y="1599583"/>
+            <a:ext cx="3584034" cy="1443673"/>
+            <a:chOff x="1988241" y="1428133"/>
+            <a:chExt cx="3584034" cy="1443673"/>
+          </a:xfrm>
+        </p:grpSpPr>
+        <p:sp>
+          <p:nvSpPr>
+            <p:cNvPr id="45" name="TextBox 44">
+              <a:extLst>
+                <a:ext uri="{FF2B5EF4-FFF2-40B4-BE49-F238E27FC236}">
+                  <a16:creationId xmlns:a16="http://schemas.microsoft.com/office/drawing/2014/main" id="{784FF908-84B7-41BC-B090-198557D72080}"/>
+                </a:ext>
+              </a:extLst>
+            </p:cNvPr>
+            <p:cNvSpPr txBox="1"/>
+            <p:nvPr/>
+          </p:nvSpPr>
+          <p:spPr>
+            <a:xfrm>
+              <a:off x="1988241" y="1428133"/>
+              <a:ext cx="1072731" cy="584775"/>
+            </a:xfrm>
+            <a:prstGeom prst="rect">
+              <a:avLst/>
+            </a:prstGeom>
+            <a:noFill/>
+          </p:spPr>
+          <p:txBody>
+            <a:bodyPr wrap="none" rtlCol="0">
+              <a:spAutoFit/>
+            </a:bodyPr>
+            <a:lstStyle/>
+            <a:p>
+              <a:pPr algn="r"/>
+              <a:r>
+                <a:rPr lang="en-GB" sz="3200" dirty="0">
+                  <a:solidFill>
+                    <a:srgbClr val="7030A0"/>
+                  </a:solidFill>
+                </a:rPr>
+                <a:t>GP15</a:t>
+              </a:r>
+            </a:p>
+          </p:txBody>
+        </p:sp>
+        <p:sp>
+          <p:nvSpPr>
+            <p:cNvPr id="16" name="Oval 15">
+              <a:extLst>
+                <a:ext uri="{FF2B5EF4-FFF2-40B4-BE49-F238E27FC236}">
+                  <a16:creationId xmlns:a16="http://schemas.microsoft.com/office/drawing/2014/main" id="{0CF844F5-E22D-DEF2-EFDB-D893ECB55B54}"/>
+                </a:ext>
+              </a:extLst>
+            </p:cNvPr>
+            <p:cNvSpPr/>
+            <p:nvPr/>
+          </p:nvSpPr>
+          <p:spPr>
+            <a:xfrm>
+              <a:off x="5140275" y="2439806"/>
+              <a:ext cx="432000" cy="432000"/>
+            </a:xfrm>
+            <a:prstGeom prst="ellipse">
+              <a:avLst/>
+            </a:prstGeom>
+            <a:noFill/>
+            <a:ln w="38100">
+              <a:solidFill>
+                <a:srgbClr val="FF0000"/>
+              </a:solidFill>
+            </a:ln>
+          </p:spPr>
+          <p:style>
+            <a:lnRef idx="2">
+              <a:schemeClr val="accent1">
+                <a:shade val="15000"/>
+              </a:schemeClr>
+            </a:lnRef>
+            <a:fillRef idx="1">
+              <a:schemeClr val="accent1"/>
+            </a:fillRef>
+            <a:effectRef idx="0">
+              <a:schemeClr val="accent1"/>
+            </a:effectRef>
+            <a:fontRef idx="minor">
+              <a:schemeClr val="lt1"/>
+            </a:fontRef>
+          </p:style>
+          <p:txBody>
+            <a:bodyPr rtlCol="0" anchor="ctr"/>
+            <a:lstStyle/>
+            <a:p>
+              <a:pPr algn="ctr"/>
+              <a:endParaRPr lang="en-GB"/>
+            </a:p>
+          </p:txBody>
+        </p:sp>
+        <p:cxnSp>
+          <p:nvCxnSpPr>
+            <p:cNvPr id="21" name="Straight Arrow Connector 20">
+              <a:extLst>
+                <a:ext uri="{FF2B5EF4-FFF2-40B4-BE49-F238E27FC236}">
+                  <a16:creationId xmlns:a16="http://schemas.microsoft.com/office/drawing/2014/main" id="{50F67A19-68FB-AF69-E918-E32D166385C9}"/>
+                </a:ext>
+              </a:extLst>
+            </p:cNvPr>
+            <p:cNvCxnSpPr>
+              <a:cxnSpLocks/>
+              <a:stCxn id="45" idx="3"/>
+              <a:endCxn id="16" idx="2"/>
+            </p:cNvCxnSpPr>
+            <p:nvPr/>
+          </p:nvCxnSpPr>
+          <p:spPr>
+            <a:xfrm>
+              <a:off x="3060972" y="1720521"/>
+              <a:ext cx="2079303" cy="935285"/>
+            </a:xfrm>
+            <a:prstGeom prst="straightConnector1">
+              <a:avLst/>
+            </a:prstGeom>
+            <a:ln w="38100">
+              <a:solidFill>
+                <a:srgbClr val="FF0000"/>
+              </a:solidFill>
+              <a:tailEnd type="triangle" w="lg" len="lg"/>
+            </a:ln>
+          </p:spPr>
+          <p:style>
+            <a:lnRef idx="1">
+              <a:schemeClr val="accent1"/>
+            </a:lnRef>
+            <a:fillRef idx="0">
+              <a:schemeClr val="accent1"/>
+            </a:fillRef>
+            <a:effectRef idx="0">
+              <a:schemeClr val="accent1"/>
+            </a:effectRef>
+            <a:fontRef idx="minor">
+              <a:schemeClr val="tx1"/>
+            </a:fontRef>
+          </p:style>
+        </p:cxnSp>
+      </p:grpSp>
+      <p:grpSp>
+        <p:nvGrpSpPr>
+          <p:cNvPr id="5" name="Group 4">
+            <a:extLst>
+              <a:ext uri="{FF2B5EF4-FFF2-40B4-BE49-F238E27FC236}">
+                <a16:creationId xmlns:a16="http://schemas.microsoft.com/office/drawing/2014/main" id="{CF6965CC-3512-31B3-F4DB-2E92A983E53C}"/>
+              </a:ext>
+            </a:extLst>
+          </p:cNvPr>
+          <p:cNvGrpSpPr/>
+          <p:nvPr/>
+        </p:nvGrpSpPr>
+        <p:grpSpPr>
+          <a:xfrm flipH="1">
+            <a:off x="6897809" y="921388"/>
+            <a:ext cx="2483191" cy="1513202"/>
+            <a:chOff x="3386264" y="2571979"/>
+            <a:chExt cx="2483191" cy="1513202"/>
+          </a:xfrm>
+        </p:grpSpPr>
+        <p:sp>
+          <p:nvSpPr>
+            <p:cNvPr id="6" name="TextBox 5">
+              <a:extLst>
+                <a:ext uri="{FF2B5EF4-FFF2-40B4-BE49-F238E27FC236}">
+                  <a16:creationId xmlns:a16="http://schemas.microsoft.com/office/drawing/2014/main" id="{6511DDA2-5878-3833-DB17-E89F5B0B74BD}"/>
+                </a:ext>
+              </a:extLst>
+            </p:cNvPr>
+            <p:cNvSpPr txBox="1"/>
+            <p:nvPr/>
+          </p:nvSpPr>
+          <p:spPr>
+            <a:xfrm>
+              <a:off x="3386264" y="2571979"/>
+              <a:ext cx="962123" cy="584775"/>
+            </a:xfrm>
+            <a:prstGeom prst="rect">
+              <a:avLst/>
+            </a:prstGeom>
+            <a:noFill/>
+          </p:spPr>
+          <p:txBody>
+            <a:bodyPr wrap="none" rtlCol="0">
+              <a:spAutoFit/>
+            </a:bodyPr>
+            <a:lstStyle/>
+            <a:p>
+              <a:pPr algn="r"/>
+              <a:r>
+                <a:rPr lang="en-GB" sz="3200" dirty="0" err="1">
+                  <a:solidFill>
+                    <a:srgbClr val="7030A0"/>
+                  </a:solidFill>
+                </a:rPr>
+                <a:t>GND</a:t>
+              </a:r>
+              <a:endParaRPr lang="en-GB" sz="3200" dirty="0">
+                <a:solidFill>
+                  <a:srgbClr val="7030A0"/>
+                </a:solidFill>
+              </a:endParaRPr>
+            </a:p>
+          </p:txBody>
+        </p:sp>
+        <p:sp>
+          <p:nvSpPr>
+            <p:cNvPr id="7" name="Oval 6">
+              <a:extLst>
+                <a:ext uri="{FF2B5EF4-FFF2-40B4-BE49-F238E27FC236}">
+                  <a16:creationId xmlns:a16="http://schemas.microsoft.com/office/drawing/2014/main" id="{4C415C11-6ADD-F4CF-108B-BE1CF68249B6}"/>
+                </a:ext>
+              </a:extLst>
+            </p:cNvPr>
+            <p:cNvSpPr/>
+            <p:nvPr/>
+          </p:nvSpPr>
+          <p:spPr>
+            <a:xfrm>
+              <a:off x="5437455" y="3585563"/>
+              <a:ext cx="432000" cy="499618"/>
+            </a:xfrm>
+            <a:prstGeom prst="ellipse">
+              <a:avLst/>
+            </a:prstGeom>
+            <a:noFill/>
+            <a:ln w="38100">
+              <a:solidFill>
+                <a:srgbClr val="FF0000"/>
+              </a:solidFill>
+            </a:ln>
+          </p:spPr>
+          <p:style>
+            <a:lnRef idx="2">
+              <a:schemeClr val="accent1">
+                <a:shade val="15000"/>
+              </a:schemeClr>
+            </a:lnRef>
+            <a:fillRef idx="1">
+              <a:schemeClr val="accent1"/>
+            </a:fillRef>
+            <a:effectRef idx="0">
+              <a:schemeClr val="accent1"/>
+            </a:effectRef>
+            <a:fontRef idx="minor">
+              <a:schemeClr val="lt1"/>
+            </a:fontRef>
+          </p:style>
+          <p:txBody>
+            <a:bodyPr rtlCol="0" anchor="ctr"/>
+            <a:lstStyle/>
+            <a:p>
+              <a:pPr algn="ctr"/>
+              <a:endParaRPr lang="en-GB"/>
+            </a:p>
+          </p:txBody>
+        </p:sp>
+        <p:cxnSp>
+          <p:nvCxnSpPr>
+            <p:cNvPr id="8" name="Straight Arrow Connector 7">
+              <a:extLst>
+                <a:ext uri="{FF2B5EF4-FFF2-40B4-BE49-F238E27FC236}">
+                  <a16:creationId xmlns:a16="http://schemas.microsoft.com/office/drawing/2014/main" id="{E90F2D6A-CA43-948A-8A2D-5B1F92428F29}"/>
+                </a:ext>
+              </a:extLst>
+            </p:cNvPr>
+            <p:cNvCxnSpPr>
+              <a:cxnSpLocks/>
+              <a:stCxn id="6" idx="3"/>
+              <a:endCxn id="7" idx="1"/>
+            </p:cNvCxnSpPr>
+            <p:nvPr/>
+          </p:nvCxnSpPr>
+          <p:spPr>
+            <a:xfrm>
+              <a:off x="4348387" y="2864367"/>
+              <a:ext cx="1152333" cy="794363"/>
+            </a:xfrm>
+            <a:prstGeom prst="straightConnector1">
+              <a:avLst/>
+            </a:prstGeom>
+            <a:ln w="38100">
+              <a:solidFill>
+                <a:srgbClr val="FF0000"/>
+              </a:solidFill>
+              <a:tailEnd type="triangle" w="lg" len="lg"/>
+            </a:ln>
+          </p:spPr>
+          <p:style>
+            <a:lnRef idx="1">
+              <a:schemeClr val="accent1"/>
+            </a:lnRef>
+            <a:fillRef idx="0">
+              <a:schemeClr val="accent1"/>
+            </a:fillRef>
+            <a:effectRef idx="0">
+              <a:schemeClr val="accent1"/>
+            </a:effectRef>
+            <a:fontRef idx="minor">
+              <a:schemeClr val="tx1"/>
+            </a:fontRef>
+          </p:style>
+        </p:cxnSp>
+      </p:grpSp>
+    </p:spTree>
+    <p:extLst>
+      <p:ext uri="{BB962C8B-B14F-4D97-AF65-F5344CB8AC3E}">
+        <p14:creationId xmlns:p14="http://schemas.microsoft.com/office/powerpoint/2010/main" val="1676731826"/>
+      </p:ext>
+    </p:extLst>
+  </p:cSld>
+  <p:clrMapOvr>
+    <a:masterClrMapping/>
+  </p:clrMapOvr>
+  <p:timing>
+    <p:tnLst>
+      <p:par>
+        <p:cTn id="1" dur="indefinite" restart="never" nodeType="tmRoot">
+          <p:childTnLst>
+            <p:seq concurrent="1" nextAc="seek">
+              <p:cTn id="2" dur="indefinite" nodeType="mainSeq">
+                <p:childTnLst>
+                  <p:par>
+                    <p:cTn id="3" fill="hold">
+                      <p:stCondLst>
+                        <p:cond delay="indefinite"/>
+                      </p:stCondLst>
+                      <p:childTnLst>
+                        <p:par>
+                          <p:cTn id="4" fill="hold">
+                            <p:stCondLst>
+                              <p:cond delay="0"/>
+                            </p:stCondLst>
+                            <p:childTnLst>
+                              <p:par>
+                                <p:cTn id="5" presetID="22" presetClass="entr" presetSubtype="8" fill="hold" nodeType="clickEffect">
+                                  <p:stCondLst>
+                                    <p:cond delay="0"/>
+                                  </p:stCondLst>
+                                  <p:childTnLst>
+                                    <p:set>
+                                      <p:cBhvr>
+                                        <p:cTn id="6" dur="1" fill="hold">
+                                          <p:stCondLst>
+                                            <p:cond delay="0"/>
+                                          </p:stCondLst>
+                                        </p:cTn>
+                                        <p:tgtEl>
+                                          <p:spTgt spid="22"/>
+                                        </p:tgtEl>
+                                        <p:attrNameLst>
+                                          <p:attrName>style.visibility</p:attrName>
+                                        </p:attrNameLst>
+                                      </p:cBhvr>
+                                      <p:to>
+                                        <p:strVal val="visible"/>
+                                      </p:to>
+                                    </p:set>
+                                    <p:animEffect transition="in" filter="wipe(left)">
+                                      <p:cBhvr>
+                                        <p:cTn id="7" dur="1500"/>
+                                        <p:tgtEl>
+                                          <p:spTgt spid="22"/>
+                                        </p:tgtEl>
+                                      </p:cBhvr>
+                                    </p:animEffect>
+                                  </p:childTnLst>
+                                </p:cTn>
+                              </p:par>
+                            </p:childTnLst>
+                          </p:cTn>
+                        </p:par>
+                      </p:childTnLst>
+                    </p:cTn>
+                  </p:par>
+                  <p:par>
+                    <p:cTn id="8" fill="hold">
+                      <p:stCondLst>
+                        <p:cond delay="indefinite"/>
+                      </p:stCondLst>
+                      <p:childTnLst>
+                        <p:par>
+                          <p:cTn id="9" fill="hold">
+                            <p:stCondLst>
+                              <p:cond delay="0"/>
+                            </p:stCondLst>
+                            <p:childTnLst>
+                              <p:par>
+                                <p:cTn id="10" presetID="22" presetClass="entr" presetSubtype="8" fill="hold" nodeType="clickEffect">
+                                  <p:stCondLst>
+                                    <p:cond delay="0"/>
+                                  </p:stCondLst>
+                                  <p:childTnLst>
+                                    <p:set>
+                                      <p:cBhvr>
+                                        <p:cTn id="11" dur="1" fill="hold">
+                                          <p:stCondLst>
+                                            <p:cond delay="0"/>
+                                          </p:stCondLst>
+                                        </p:cTn>
+                                        <p:tgtEl>
+                                          <p:spTgt spid="5"/>
+                                        </p:tgtEl>
+                                        <p:attrNameLst>
+                                          <p:attrName>style.visibility</p:attrName>
+                                        </p:attrNameLst>
+                                      </p:cBhvr>
+                                      <p:to>
+                                        <p:strVal val="visible"/>
+                                      </p:to>
+                                    </p:set>
+                                    <p:animEffect transition="in" filter="wipe(left)">
+                                      <p:cBhvr>
+                                        <p:cTn id="12" dur="1500"/>
+                                        <p:tgtEl>
+                                          <p:spTgt spid="5"/>
+                                        </p:tgtEl>
+                                      </p:cBhvr>
+                                    </p:animEffect>
+                                  </p:childTnLst>
+                                </p:cTn>
+                              </p:par>
+                            </p:childTnLst>
+                          </p:cTn>
+                        </p:par>
+                      </p:childTnLst>
+                    </p:cTn>
+                  </p:par>
+                </p:childTnLst>
+              </p:cTn>
+              <p:prevCondLst>
+                <p:cond evt="onPrev" delay="0">
+                  <p:tgtEl>
+                    <p:sldTgt/>
+                  </p:tgtEl>
+                </p:cond>
+              </p:prevCondLst>
+              <p:nextCondLst>
+                <p:cond evt="onNext" delay="0">
+                  <p:tgtEl>
+                    <p:sldTgt/>
+                  </p:tgtEl>
+                </p:cond>
+              </p:nextCondLst>
+            </p:seq>
+          </p:childTnLst>
+        </p:cTn>
+      </p:par>
+    </p:tnLst>
+  </p:timing>
+</p:sld>
+</file>
+
 <file path=ppt/theme/theme1.xml><?xml version="1.0" encoding="utf-8"?>
 <a:theme xmlns:a="http://schemas.openxmlformats.org/drawingml/2006/main" name="Office Theme">
   <a:themeElements>

--- a/physical/Physical Slides.pptx
+++ b/physical/Physical Slides.pptx
@@ -5,7 +5,7 @@
     <p:sldMasterId id="2147483648" r:id="rId1"/>
   </p:sldMasterIdLst>
   <p:notesMasterIdLst>
-    <p:notesMasterId r:id="rId8"/>
+    <p:notesMasterId r:id="rId11"/>
   </p:notesMasterIdLst>
   <p:sldIdLst>
     <p:sldId id="262" r:id="rId2"/>
@@ -13,7 +13,10 @@
     <p:sldId id="265" r:id="rId4"/>
     <p:sldId id="269" r:id="rId5"/>
     <p:sldId id="266" r:id="rId6"/>
-    <p:sldId id="267" r:id="rId7"/>
+    <p:sldId id="271" r:id="rId7"/>
+    <p:sldId id="270" r:id="rId8"/>
+    <p:sldId id="272" r:id="rId9"/>
+    <p:sldId id="267" r:id="rId10"/>
   </p:sldIdLst>
   <p:sldSz cx="12192000" cy="6858000"/>
   <p:notesSz cx="7102475" cy="10234613"/>
@@ -126,10 +129,16 @@
             <p14:sldId id="265"/>
           </p14:sldIdLst>
         </p14:section>
+        <p14:section name="LED" id="{156CF123-EB59-4046-B33B-3A556C1EC2A7}">
+          <p14:sldIdLst/>
+        </p14:section>
         <p14:section name="Pico" id="{41887E03-74B7-437F-9D7B-0FA820461FC2}">
           <p14:sldIdLst>
             <p14:sldId id="269"/>
             <p14:sldId id="266"/>
+            <p14:sldId id="271"/>
+            <p14:sldId id="270"/>
+            <p14:sldId id="272"/>
             <p14:sldId id="267"/>
           </p14:sldIdLst>
         </p14:section>
@@ -142,12 +151,12 @@
             <a:srgbClr val="A4A3A4"/>
           </p15:clr>
         </p15:guide>
-        <p15:guide id="2" pos="3840" userDrawn="1">
+        <p15:guide id="2" pos="3863" userDrawn="1">
           <p15:clr>
             <a:srgbClr val="A4A3A4"/>
           </p15:clr>
         </p15:guide>
-        <p15:guide id="3" pos="3817" userDrawn="1">
+        <p15:guide id="3" pos="3840" userDrawn="1">
           <p15:clr>
             <a:srgbClr val="A4A3A4"/>
           </p15:clr>
@@ -167,9 +176,104 @@
 <file path=ppt/revisionInfo.xml><?xml version="1.0" encoding="utf-8"?>
 <p1510:revInfo xmlns:a="http://schemas.openxmlformats.org/drawingml/2006/main" xmlns:r="http://schemas.openxmlformats.org/officeDocument/2006/relationships" xmlns:p1510="http://schemas.microsoft.com/office/powerpoint/2015/10/main">
   <p1510:revLst>
-    <p1510:client id="{1B57B787-1504-474A-99AA-DAF31A274099}" v="175" dt="2025-05-24T10:43:30.951"/>
+    <p1510:client id="{1B57B787-1504-474A-99AA-DAF31A274099}" v="390" dt="2025-05-24T15:48:43.050"/>
   </p1510:revLst>
 </p1510:revInfo>
+</file>
+
+<file path=ppt/ink/ink1.xml><?xml version="1.0" encoding="utf-8"?>
+<inkml:ink xmlns:inkml="http://www.w3.org/2003/InkML">
+  <inkml:definitions>
+    <inkml:context xml:id="ctx0">
+      <inkml:inkSource xml:id="inkSrc0">
+        <inkml:traceFormat>
+          <inkml:channel name="X" type="integer" min="-2.14748E9" max="2.14748E9" units="cm"/>
+          <inkml:channel name="Y" type="integer" min="-2.14748E9" max="2.14748E9" units="cm"/>
+          <inkml:channel name="F" type="integer" max="32767" units="dev"/>
+          <inkml:channel name="OA" type="integer" max="360" units="deg"/>
+          <inkml:channel name="OE" type="integer" max="90" units="deg"/>
+        </inkml:traceFormat>
+        <inkml:channelProperties>
+          <inkml:channelProperty channel="X" name="resolution" value="1000" units="1/cm"/>
+          <inkml:channelProperty channel="Y" name="resolution" value="1000" units="1/cm"/>
+          <inkml:channelProperty channel="F" name="resolution" value="0" units="1/dev"/>
+          <inkml:channelProperty channel="OA" name="resolution" value="1000" units="1/deg"/>
+          <inkml:channelProperty channel="OE" name="resolution" value="1000" units="1/deg"/>
+        </inkml:channelProperties>
+      </inkml:inkSource>
+      <inkml:timestamp xml:id="ts0" timeString="2025-05-24T15:30:43.574"/>
+    </inkml:context>
+    <inkml:brush xml:id="br0">
+      <inkml:brushProperty name="width" value="0.10583" units="cm"/>
+      <inkml:brushProperty name="height" value="0.10583" units="cm"/>
+    </inkml:brush>
+  </inkml:definitions>
+  <inkml:trace contextRef="#ctx0" brushRef="#br0">709 1 312 0 0,'0'0'12204'0'0,"1"4"-12111"0"0,16 85 583 0 0,-16-83-568 0 0,0-1-68 0 0,5 53 154 0 0,-6-52-93 0 0,8 28 55 0 0,-7-29-114 0 0,18 80 429 0 0,-18-80-424 0 0,10 25 100 0 0,-9-26-104 0 0,10 18 108 0 0,2-1-1 0 0,23 31 1 0 0,-33-48-75 0 0,16 12 82 0 0,-16-13-119 0 0,12 16 68 0 0,-12-16-88 0 0,0 1 41 0 0,0 1-32 0 0,1 0 0 0 0,0 0-1 0 0,0-1 1 0 0,0 0 0 0 0,0 0-1 0 0,7 3 1 0 0,-2-1-4 0 0,85 54 354 0 0,-90-57-340 0 0,43 15 213 0 0,-36-12-177 0 0,-6-4-45 0 0,18 7 57 0 0,-19-7-11 0 0,42 19 418 0 0,-43-19-221 0 0,46 14 4 0 0,-45-15 96 0 0,1-1-279 0 0,17 2 12 0 0,-17-1-12 0 0,-1 0-25 0 0,16 3 29 0 0,-16-3 72 0 0,1 0-72 0 0,17 3-34 0 0,-17-2 159 0 0,-1-2-167 0 0,18 0 8 0 0,-17 0-27 0 0,-1 1 16 0 0,53 7 218 0 0,-52-7-144 0 0,-4 0-117 0 0,0 0 0 0 0,0 0 0 0 0,0 0 0 0 0,0-1 0 0 0,0 1 0 0 0,0-1 0 0 0,0 1 0 0 0,1-1 0 0 0,-1 0 0 0 0,0 0 0 0 0,0 0 0 0 0,3-1 0 0 0,-4 1 4 0 0,5 1 34 0 0,23-1-16 0 0,-23 0-17 0 0,0 1 13 0 0,17 2 29 0 0,-18-3 0 0 0,1 1-24 0 0,112 7 109 0 0,-112-8-91 0 0,-1 2-21 0 0,17 2-63 0 0,-17-3 104 0 0,1-1-38 0 0,17 0-39 0 0,-17 0 73 0 0,0 1-21 0 0,19 1 5 0 0,-19-1-8 0 0,-1-1 10 0 0,16 2 0 0 0,-16-2-7 0 0,2 0-20 0 0,53 3-15 0 0,-51 0-8 0 0,-2-2 19 0 0,0 0-2 0 0,21 3 4 0 0,12 4 31 0 0,-34-7-38 0 0,1 0-25 0 0,20 4 4 0 0,48 10 91 0 0,-69-14-99 0 0,-1 0-3 0 0,17 2 28 0 0,0 2 0 0 0,34 11 0 0 0,-34-8 11 0 0,-16-7 0 0 0,-1 1-3 0 0,142 64 30 0 0,-85-38 161 0 0,110 74 0 0 0,-114-70-199 0 0,-36-21 30 0 0,20 7 35 0 0,-35-13-55 0 0,1 1 6 0 0,86 59 6 0 0,-91-62-33 0 0,2 0-1 0 0,40 30-34 0 0,-15-9 45 0 0,-1 2 0 0 0,28 31 0 0 0,-23-22-88 0 0,-15-14 63 0 0,-1 1 1 0 0,-1 1-1 0 0,21 35 1 0 0,-15-21 17 0 0,-2-2-10 0 0,-2 1-1 0 0,-1 1 1 0 0,-1 1-1 0 0,14 48 0 0 0,-14-39 32 0 0,46 112-18 0 0,12 33-16 0 0,-45-94 15 0 0,-29-91 12 0 0,0 0-26 0 0,10 62-14 0 0,-10-62 22 0 0,-1 1-13 0 0,5 121-20 0 0,-1-5 14 0 0,-5-2 65 0 0,-4-22-9 0 0,1-29 22 0 0,-3 23 146 0 0,2-41-186 0 0,-9 57 64 0 0,14-100-69 0 0,-13 61 26 0 0,9-46-17 0 0,-1 0 0 0 0,-1 0 0 0 0,-1-1 0 0 0,0 0 0 0 0,-2-1 0 0 0,-1 0 0 0 0,0 0 0 0 0,-1-2 0 0 0,-1 1 1 0 0,-1-2-1 0 0,0 0 0 0 0,-1 0 0 0 0,-1-2 0 0 0,-1 0 0 0 0,-24 22 0 0 0,-15 5-29 0 0,45-37-12 0 0,-258 196 24 0 0,165-128 48 0 0,41-29-45 0 0,-112 63 1 0 0,114-80 0 0 0,-1-4 0 0 0,-103 28 0 0 0,72-26-7 0 0,-36 8 27 0 0,-32 1 9 0 0,50-22-39 0 0,26-3-30 0 0,-150-3-1 0 0,95-9-62 0 0,-118-9-199 0 0,201 1 80 0 0,-77-23-1 0 0,59 12 56 0 0,-12 1 63 0 0,78 17 61 0 0,2-1 14 0 0,-18-4-18 0 0,18 5 36 0 0,0-2 8 0 0,-17-5-10 0 0,17 6-42 0 0,0 0 72 0 0,-19-5-24 0 0,19 5 8 0 0,1 0-17 0 0,-48-12-54 0 0,47 13 17 0 0,-20-8 28 0 0,2 4 3 0 0,19 4 24 0 0,-24-8-57 0 0,23 7-16 0 0,1 1 8 0 0,-16-3 68 0 0,16 3-10 0 0,-1 0-66 0 0,-17-2 24 0 0,18 3-22 0 0,-1-1 47 0 0,-50-10-144 0 0,51 10 104 0 0,-2 1-36 0 0,-19 0 72 0 0,19 0-49 0 0,2-1 42 0 0,-17-4 6 0 0,17 4-13 0 0,-1 1-29 0 0,-19-2 25 0 0,19 2 54 0 0,1-1-53 0 0,-17-2 18 0 0,17 3-45 0 0,-1-1-66 0 0,-17 0 124 0 0,18 0-98 0 0,-1 2 15 0 0,-17 0 19 0 0,17 0 108 0 0,1-2-62 0 0,-80-8-56 0 0,80 8 139 0 0,0 2-50 0 0,-2 0-236 0 0,-3 1 257 0 0</inkml:trace>
+</inkml:ink>
+</file>
+
+<file path=ppt/ink/ink2.xml><?xml version="1.0" encoding="utf-8"?>
+<inkml:ink xmlns:inkml="http://www.w3.org/2003/InkML">
+  <inkml:definitions>
+    <inkml:context xml:id="ctx0">
+      <inkml:inkSource xml:id="inkSrc0">
+        <inkml:traceFormat>
+          <inkml:channel name="X" type="integer" min="-2.14748E9" max="2.14748E9" units="cm"/>
+          <inkml:channel name="Y" type="integer" min="-2.14748E9" max="2.14748E9" units="cm"/>
+          <inkml:channel name="F" type="integer" max="32767" units="dev"/>
+          <inkml:channel name="OA" type="integer" max="360" units="deg"/>
+          <inkml:channel name="OE" type="integer" max="90" units="deg"/>
+        </inkml:traceFormat>
+        <inkml:channelProperties>
+          <inkml:channelProperty channel="X" name="resolution" value="1000" units="1/cm"/>
+          <inkml:channelProperty channel="Y" name="resolution" value="1000" units="1/cm"/>
+          <inkml:channelProperty channel="F" name="resolution" value="0" units="1/dev"/>
+          <inkml:channelProperty channel="OA" name="resolution" value="1000" units="1/deg"/>
+          <inkml:channelProperty channel="OE" name="resolution" value="1000" units="1/deg"/>
+        </inkml:channelProperties>
+      </inkml:inkSource>
+      <inkml:timestamp xml:id="ts0" timeString="2025-05-24T15:33:13.579"/>
+    </inkml:context>
+    <inkml:brush xml:id="br0">
+      <inkml:brushProperty name="width" value="0.10583" units="cm"/>
+      <inkml:brushProperty name="height" value="0.10583" units="cm"/>
+      <inkml:brushProperty name="color" value="#008C3A"/>
+    </inkml:brush>
+  </inkml:definitions>
+  <inkml:trace contextRef="#ctx0" brushRef="#br0">0 40 292 0 0,'0'0'16878'0'0,"45"-5"-14606"0"0,-17 6-2152 0 0,-26-1-28 0 0,49 1 995 0 0,54-7-700 0 0,-102 6-354 0 0,51 2-22 0 0,41 3 62 0 0,-92-5-69 0 0,17 0 9 0 0,79 7 211 0 0,-96-7-237 0 0,63 8 83 0 0,113 10-42 0 0,-177-18-14 0 0,53 5-20 0 0,179 9 63 0 0,-132-11-83 0 0,107 18 1 0 0,-26-2 79 0 0,-119-14 17 0 0,103 19 1 0 0,-82-6 20 0 0,67 17 209 0 0,103 29 574 0 0,-219-54-766 0 0,-8-2 10 0 0,121 37-116 0 0,-146-44 16 0 0,37 15-82 0 0,-34-12 74 0 0,-4-3-4 0 0,35 25-53 0 0,40 15 135 0 0,3-4 0 0 0,140 49 0 0 0,-158-64-75 0 0,87 25 218 0 0,331 99 548 0 0,-400-123-542 0 0,73 15 74 0 0,-147-36-320 0 0,118 30 263 0 0,-21-8-75 0 0,-57-12-100 0 0,203 41 129 0 0,-247-52-196 0 0,1-1-2 0 0,9 3-2 0 0,88 7 52 0 0,-97-10-41 0 0,37 0-33 0 0,56-5 67 0 0,-90 4-53 0 0,-3 1-5 0 0,0 0 10 0 0,1 0 0 0 0,0 1 0 0 0,-1-1 0 0 0,1-1 0 0 0,0 1 1 0 0,-1 0-1 0 0,1-1 0 0 0,-1 1 0 0 0,1-1 0 0 0,5-2 0 0 0,15-2 13 0 0,37-7-7 0 0,-58 12 5 0 0,47-16 22 0 0,-48 15-47 0 0,41-13 324 0 0,-39 13-253 0 0,24-9 338 0 0,0-2-1 0 0,30-15 0 0 0,-56 25-334 0 0,41-23 654 0 0,-35 20-632 0 0,9-5 204 0 0,0-1 0 0 0,28-23-1 0 0,-44 33-271 0 0,2-1 10 0 0,0 1 0 0 0,0-1 0 0 0,-1 0 0 0 0,1 1 0 0 0,-1-1 0 0 0,1 0 0 0 0,-1 0 0 0 0,0 0 0 0 0,0-1 0 0 0,3-3 0 0 0,6-6 68 0 0,32-27 158 0 0,-42 38-200 0 0,31-34 612 0 0,-31 33-630 0 0,44-45 59 0 0,-13 9-97 0 0,-31 36 12 0 0,21-42-324 0 0,0-8 146 0 0,-22 50 145 0 0,9-52-799 0 0,-10-4 435 0 0,1 56 368 0 0,-4-50-96 0 0,-6 8 144 0 0,10 42-17 0 0,-10-32-176 0 0,9 25 152 0 0,0-1 0 0 0,1 1 0 0 0,0-1-1 0 0,2-11 1 0 0,-2 19 43 0 0,3-37-11 0 0,8-27 6 0 0,-11 64-42 0 0,0-25-67 0 0,-1 19 73 0 0,0 6 47 0 0,2 0-207 0 0,0-6 158 0 0,-1 6 1196 0 0,-3-3 533 0 0,1 3-3249 0 0</inkml:trace>
+</inkml:ink>
+</file>
+
+<file path=ppt/ink/ink3.xml><?xml version="1.0" encoding="utf-8"?>
+<inkml:ink xmlns:inkml="http://www.w3.org/2003/InkML">
+  <inkml:definitions>
+    <inkml:context xml:id="ctx0">
+      <inkml:inkSource xml:id="inkSrc0">
+        <inkml:traceFormat>
+          <inkml:channel name="X" type="integer" min="-2.14748E9" max="2.14748E9" units="cm"/>
+          <inkml:channel name="Y" type="integer" min="-2.14748E9" max="2.14748E9" units="cm"/>
+          <inkml:channel name="F" type="integer" max="32767" units="dev"/>
+          <inkml:channel name="OA" type="integer" max="360" units="deg"/>
+          <inkml:channel name="OE" type="integer" max="90" units="deg"/>
+        </inkml:traceFormat>
+        <inkml:channelProperties>
+          <inkml:channelProperty channel="X" name="resolution" value="1000" units="1/cm"/>
+          <inkml:channelProperty channel="Y" name="resolution" value="1000" units="1/cm"/>
+          <inkml:channelProperty channel="F" name="resolution" value="0" units="1/dev"/>
+          <inkml:channelProperty channel="OA" name="resolution" value="1000" units="1/deg"/>
+          <inkml:channelProperty channel="OE" name="resolution" value="1000" units="1/deg"/>
+        </inkml:channelProperties>
+      </inkml:inkSource>
+      <inkml:timestamp xml:id="ts0" timeString="2025-05-24T15:34:23.316"/>
+    </inkml:context>
+    <inkml:brush xml:id="br0">
+      <inkml:brushProperty name="width" value="0.10583" units="cm"/>
+      <inkml:brushProperty name="height" value="0.10583" units="cm"/>
+      <inkml:brushProperty name="color" value="#E71224"/>
+    </inkml:brush>
+  </inkml:definitions>
+  <inkml:trace contextRef="#ctx0" brushRef="#br0">9801 3232 216 0 0,'0'0'20369'0'0,"-50"4"-19676"0"0,-79 11-214 0 0,92-11-439 0 0,-82 19-36 0 0,70-12 13 0 0,-53 4 0 0 0,-78 15-25 0 0,177-29 0 0 0,-77 10-130 0 0,16-8-127 0 0,62-3 208 0 0,-67 5-322 0 0,66-5 316 0 0,-70 3-176 0 0,-46-3 238 0 0,-286-58 12 0 0,140 15 47 0 0,163 29-106 0 0,-460-50 69 0 0,74 31-109 0 0,65 11 26 0 0,175 12 158 0 0,-686-4-326 0 0,728 14 138 0 0,-7-6 100 0 0,-83 1-120 0 0,-56 1-130 0 0,285 2 265 0 0,-247-4-44 0 0,-209 4 31 0 0,104-6-642 0 0,-25 5 12 0 0,272 4 682 0 0,149-1-99 0 0,-205-7 53 0 0,226 7 51 0 0,-25-5 18 0 0,-29 6-56 0 0,0-3 1 0 0,0-2 0 0 0,-88-19-1 0 0,-89-30 611 0 0,186 42-344 0 0,0-3 0 0 0,0-1 0 0 0,1-3-1 0 0,1-2 1 0 0,-84-51 0 0 0,84 38-60 0 0,18 12-139 0 0,0 1 0 0 0,-2 2 0 0 0,-36-18 0 0 0,33 19 189 0 0,0-1 0 0 0,1-2 0 0 0,1-1-1 0 0,1-1 1 0 0,0-2 0 0 0,2-1 0 0 0,-41-48 0 0 0,39 32 98 0 0,28 39-344 0 0,-22-38 274 0 0,22 39-242 0 0,-22-50 177 0 0,-68-113-29 0 0,76 132-149 0 0,-73-141 418 0 0,38 79-34 0 0,-64-167-1 0 0,35 71-455 0 0,7 23-23 0 0,63 144 9 0 0,1 1 0 0 0,-9-43 0 0 0,17 62 57 0 0,-11-63 74 0 0,13 8-173 0 0,-2 56 51 0 0,10-55-117 0 0,19-33-51 0 0,22-36-78 0 0,-50 125 256 0 0,1-2-17 0 0,86-177-326 0 0,-87 178 331 0 0,24-50-15 0 0,-24 50 12 0 0,30-37-51 0 0,6-3-345 0 0,-36 40 395 0 0,31-27-353 0 0,16-7 58 0 0,-46 35 266 0 0,41-24 54 0 0,-42 24-4 0 0,62-30-5 0 0,-13 9-171 0 0,-48 22 114 0 0,47-23-195 0 0,5 1 78 0 0,-52 21 146 0 0,53-21-6 0 0,51-6-93 0 0,-103 27 133 0 0,58-12 60 0 0,-8 1-113 0 0,-50 11 37 0 0,-1 1 15 0 0,8-2-32 0 0,81-22-240 0 0,-89 24 223 0 0,15-5-142 0 0,40-6-17 0 0,-55 10 168 0 0,44-7 29 0 0,29-2-43 0 0,-73 10 106 0 0,64-4-83 0 0,17 1 38 0 0,-80 3-26 0 0,17 0 58 0 0,64 4-70 0 0,-81-4 29 0 0,67 0-9 0 0,33-6 11 0 0,-101 5 19 0 0,46-6 5 0 0,3-4 6 0 0,-49 10 6 0 0,27-4-119 0 0,-21 3 84 0 0,-6 1 8 0 0,55-11-56 0 0,67-9 133 0 0,-121 21-81 0 0,52-12 328 0 0,-34 9-338 0 0,0 2-1 0 0,35 0 1 0 0,-54 1 44 0 0,3-1-80 0 0,0 0 36 0 0,-1 1-1 0 0,1-1 1 0 0,-1 1 0 0 0,1 0 0 0 0,0 0-1 0 0,0 0 1 0 0,-1 1 0 0 0,8 1-1 0 0,14 1-36 0 0,58 5 117 0 0,-82-8-28 0 0,1 0-76 0 0,7-2 18 0 0,-8 2 11 0 0,46-16 2873 0 0</inkml:trace>
+</inkml:ink>
 </file>
 
 <file path=ppt/notesMasters/notesMaster1.xml><?xml version="1.0" encoding="utf-8"?>
@@ -701,6 +805,218 @@
     <p:extLst>
       <p:ext uri="{BB962C8B-B14F-4D97-AF65-F5344CB8AC3E}">
         <p14:creationId xmlns:p14="http://schemas.microsoft.com/office/powerpoint/2010/main" val="411164837"/>
+      </p:ext>
+    </p:extLst>
+  </p:cSld>
+  <p:clrMapOvr>
+    <a:masterClrMapping/>
+  </p:clrMapOvr>
+</p:notes>
+</file>
+
+<file path=ppt/notesSlides/notesSlide3.xml><?xml version="1.0" encoding="utf-8"?>
+<p:notes xmlns:a="http://schemas.openxmlformats.org/drawingml/2006/main" xmlns:r="http://schemas.openxmlformats.org/officeDocument/2006/relationships" xmlns:p="http://schemas.openxmlformats.org/presentationml/2006/main">
+  <p:cSld>
+    <p:spTree>
+      <p:nvGrpSpPr>
+        <p:cNvPr id="1" name=""/>
+        <p:cNvGrpSpPr/>
+        <p:nvPr/>
+      </p:nvGrpSpPr>
+      <p:grpSpPr>
+        <a:xfrm>
+          <a:off x="0" y="0"/>
+          <a:ext cx="0" cy="0"/>
+          <a:chOff x="0" y="0"/>
+          <a:chExt cx="0" cy="0"/>
+        </a:xfrm>
+      </p:grpSpPr>
+      <p:sp>
+        <p:nvSpPr>
+          <p:cNvPr id="2" name="Slide Image Placeholder 1"/>
+          <p:cNvSpPr>
+            <a:spLocks noGrp="1" noRot="1" noChangeAspect="1"/>
+          </p:cNvSpPr>
+          <p:nvPr>
+            <p:ph type="sldImg"/>
+          </p:nvPr>
+        </p:nvSpPr>
+        <p:spPr/>
+      </p:sp>
+      <p:sp>
+        <p:nvSpPr>
+          <p:cNvPr id="3" name="Notes Placeholder 2"/>
+          <p:cNvSpPr>
+            <a:spLocks noGrp="1"/>
+          </p:cNvSpPr>
+          <p:nvPr>
+            <p:ph type="body" idx="1"/>
+          </p:nvPr>
+        </p:nvSpPr>
+        <p:spPr/>
+        <p:txBody>
+          <a:bodyPr/>
+          <a:lstStyle/>
+          <a:p>
+            <a:endParaRPr lang="en-GB" dirty="0"/>
+          </a:p>
+        </p:txBody>
+      </p:sp>
+      <p:sp>
+        <p:nvSpPr>
+          <p:cNvPr id="4" name="Slide Number Placeholder 3"/>
+          <p:cNvSpPr>
+            <a:spLocks noGrp="1"/>
+          </p:cNvSpPr>
+          <p:nvPr>
+            <p:ph type="sldNum" sz="quarter" idx="5"/>
+          </p:nvPr>
+        </p:nvSpPr>
+        <p:spPr/>
+        <p:txBody>
+          <a:bodyPr/>
+          <a:lstStyle/>
+          <a:p>
+            <a:fld id="{B71FE5B5-A979-4370-A255-218EAB36A5F4}" type="slidenum">
+              <a:rPr lang="en-GB" smtClean="0"/>
+              <a:t>7</a:t>
+            </a:fld>
+            <a:endParaRPr lang="en-GB"/>
+          </a:p>
+        </p:txBody>
+      </p:sp>
+    </p:spTree>
+    <p:extLst>
+      <p:ext uri="{BB962C8B-B14F-4D97-AF65-F5344CB8AC3E}">
+        <p14:creationId xmlns:p14="http://schemas.microsoft.com/office/powerpoint/2010/main" val="901958066"/>
+      </p:ext>
+    </p:extLst>
+  </p:cSld>
+  <p:clrMapOvr>
+    <a:masterClrMapping/>
+  </p:clrMapOvr>
+</p:notes>
+</file>
+
+<file path=ppt/notesSlides/notesSlide4.xml><?xml version="1.0" encoding="utf-8"?>
+<p:notes xmlns:a="http://schemas.openxmlformats.org/drawingml/2006/main" xmlns:r="http://schemas.openxmlformats.org/officeDocument/2006/relationships" xmlns:p="http://schemas.openxmlformats.org/presentationml/2006/main">
+  <p:cSld>
+    <p:spTree>
+      <p:nvGrpSpPr>
+        <p:cNvPr id="1" name="">
+          <a:extLst>
+            <a:ext uri="{FF2B5EF4-FFF2-40B4-BE49-F238E27FC236}">
+              <a16:creationId xmlns:a16="http://schemas.microsoft.com/office/drawing/2014/main" id="{B3156075-4B1F-8988-09B9-F003B1ECE444}"/>
+            </a:ext>
+          </a:extLst>
+        </p:cNvPr>
+        <p:cNvGrpSpPr/>
+        <p:nvPr/>
+      </p:nvGrpSpPr>
+      <p:grpSpPr>
+        <a:xfrm>
+          <a:off x="0" y="0"/>
+          <a:ext cx="0" cy="0"/>
+          <a:chOff x="0" y="0"/>
+          <a:chExt cx="0" cy="0"/>
+        </a:xfrm>
+      </p:grpSpPr>
+      <p:sp>
+        <p:nvSpPr>
+          <p:cNvPr id="2" name="Slide Image Placeholder 1">
+            <a:extLst>
+              <a:ext uri="{FF2B5EF4-FFF2-40B4-BE49-F238E27FC236}">
+                <a16:creationId xmlns:a16="http://schemas.microsoft.com/office/drawing/2014/main" id="{152632D4-5E5D-5188-E05C-D2ACD5925DF1}"/>
+              </a:ext>
+            </a:extLst>
+          </p:cNvPr>
+          <p:cNvSpPr>
+            <a:spLocks noGrp="1" noRot="1" noChangeAspect="1"/>
+          </p:cNvSpPr>
+          <p:nvPr>
+            <p:ph type="sldImg"/>
+          </p:nvPr>
+        </p:nvSpPr>
+        <p:spPr/>
+      </p:sp>
+      <p:sp>
+        <p:nvSpPr>
+          <p:cNvPr id="3" name="Notes Placeholder 2">
+            <a:extLst>
+              <a:ext uri="{FF2B5EF4-FFF2-40B4-BE49-F238E27FC236}">
+                <a16:creationId xmlns:a16="http://schemas.microsoft.com/office/drawing/2014/main" id="{FFBF8133-9EBF-B642-18C3-1D2C5B09F6D3}"/>
+              </a:ext>
+            </a:extLst>
+          </p:cNvPr>
+          <p:cNvSpPr>
+            <a:spLocks noGrp="1"/>
+          </p:cNvSpPr>
+          <p:nvPr>
+            <p:ph type="body" idx="1"/>
+          </p:nvPr>
+        </p:nvSpPr>
+        <p:spPr/>
+        <p:txBody>
+          <a:bodyPr/>
+          <a:lstStyle/>
+          <a:p>
+            <a:r>
+              <a:rPr lang="en-GB" dirty="0"/>
+              <a:t>Resistor = (Supply voltage – LED Forward voltage) / LED Forward current</a:t>
+            </a:r>
+          </a:p>
+          <a:p>
+            <a:endParaRPr lang="en-GB" dirty="0"/>
+          </a:p>
+          <a:p>
+            <a:r>
+              <a:rPr lang="en-GB" dirty="0"/>
+              <a:t>Resistor can be larger, not smaller, then </a:t>
+            </a:r>
+            <a:r>
+              <a:rPr lang="en-GB"/>
+              <a:t>calculated size</a:t>
+            </a:r>
+            <a:endParaRPr lang="en-GB" dirty="0"/>
+          </a:p>
+          <a:p>
+            <a:endParaRPr lang="en-GB" dirty="0"/>
+          </a:p>
+        </p:txBody>
+      </p:sp>
+      <p:sp>
+        <p:nvSpPr>
+          <p:cNvPr id="4" name="Slide Number Placeholder 3">
+            <a:extLst>
+              <a:ext uri="{FF2B5EF4-FFF2-40B4-BE49-F238E27FC236}">
+                <a16:creationId xmlns:a16="http://schemas.microsoft.com/office/drawing/2014/main" id="{82990332-08AC-E532-01DB-1602218D9390}"/>
+              </a:ext>
+            </a:extLst>
+          </p:cNvPr>
+          <p:cNvSpPr>
+            <a:spLocks noGrp="1"/>
+          </p:cNvSpPr>
+          <p:nvPr>
+            <p:ph type="sldNum" sz="quarter" idx="5"/>
+          </p:nvPr>
+        </p:nvSpPr>
+        <p:spPr/>
+        <p:txBody>
+          <a:bodyPr/>
+          <a:lstStyle/>
+          <a:p>
+            <a:fld id="{B71FE5B5-A979-4370-A255-218EAB36A5F4}" type="slidenum">
+              <a:rPr lang="en-GB" smtClean="0"/>
+              <a:t>8</a:t>
+            </a:fld>
+            <a:endParaRPr lang="en-GB"/>
+          </a:p>
+        </p:txBody>
+      </p:sp>
+    </p:spTree>
+    <p:extLst>
+      <p:ext uri="{BB962C8B-B14F-4D97-AF65-F5344CB8AC3E}">
+        <p14:creationId xmlns:p14="http://schemas.microsoft.com/office/powerpoint/2010/main" val="4180035116"/>
       </p:ext>
     </p:extLst>
   </p:cSld>
@@ -6306,7 +6622,7 @@
           <a:p>
             <a:r>
               <a:rPr lang="en-GB" dirty="0"/>
-              <a:t>Internal LED</a:t>
+              <a:t>Pico Internal LED</a:t>
             </a:r>
           </a:p>
         </p:txBody>
@@ -6726,6 +7042,2755 @@
   <p:cSld>
     <p:spTree>
       <p:nvGrpSpPr>
+        <p:cNvPr id="1" name=""/>
+        <p:cNvGrpSpPr/>
+        <p:nvPr/>
+      </p:nvGrpSpPr>
+      <p:grpSpPr>
+        <a:xfrm>
+          <a:off x="0" y="0"/>
+          <a:ext cx="0" cy="0"/>
+          <a:chOff x="0" y="0"/>
+          <a:chExt cx="0" cy="0"/>
+        </a:xfrm>
+      </p:grpSpPr>
+      <p:sp>
+        <p:nvSpPr>
+          <p:cNvPr id="3" name="Title 2">
+            <a:extLst>
+              <a:ext uri="{FF2B5EF4-FFF2-40B4-BE49-F238E27FC236}">
+                <a16:creationId xmlns:a16="http://schemas.microsoft.com/office/drawing/2014/main" id="{5D7E3B1F-88B3-B51F-A383-B6528752FE94}"/>
+              </a:ext>
+            </a:extLst>
+          </p:cNvPr>
+          <p:cNvSpPr>
+            <a:spLocks noGrp="1"/>
+          </p:cNvSpPr>
+          <p:nvPr>
+            <p:ph type="title"/>
+          </p:nvPr>
+        </p:nvSpPr>
+        <p:spPr/>
+        <p:txBody>
+          <a:bodyPr/>
+          <a:lstStyle/>
+          <a:p>
+            <a:r>
+              <a:rPr lang="en-GB" dirty="0"/>
+              <a:t>Light Emitting Diode</a:t>
+            </a:r>
+          </a:p>
+        </p:txBody>
+      </p:sp>
+      <p:sp>
+        <p:nvSpPr>
+          <p:cNvPr id="4" name="Text Placeholder 3">
+            <a:extLst>
+              <a:ext uri="{FF2B5EF4-FFF2-40B4-BE49-F238E27FC236}">
+                <a16:creationId xmlns:a16="http://schemas.microsoft.com/office/drawing/2014/main" id="{8AB27EB0-7711-999C-F74B-1449BAAEF86E}"/>
+              </a:ext>
+            </a:extLst>
+          </p:cNvPr>
+          <p:cNvSpPr>
+            <a:spLocks noGrp="1"/>
+          </p:cNvSpPr>
+          <p:nvPr>
+            <p:ph type="body" idx="1"/>
+          </p:nvPr>
+        </p:nvSpPr>
+        <p:spPr/>
+        <p:txBody>
+          <a:bodyPr/>
+          <a:lstStyle/>
+          <a:p>
+            <a:endParaRPr lang="en-GB"/>
+          </a:p>
+        </p:txBody>
+      </p:sp>
+    </p:spTree>
+    <p:extLst>
+      <p:ext uri="{BB962C8B-B14F-4D97-AF65-F5344CB8AC3E}">
+        <p14:creationId xmlns:p14="http://schemas.microsoft.com/office/powerpoint/2010/main" val="1305490531"/>
+      </p:ext>
+    </p:extLst>
+  </p:cSld>
+  <p:clrMapOvr>
+    <a:masterClrMapping/>
+  </p:clrMapOvr>
+</p:sld>
+</file>
+
+<file path=ppt/slides/slide7.xml><?xml version="1.0" encoding="utf-8"?>
+<p:sld xmlns:a="http://schemas.openxmlformats.org/drawingml/2006/main" xmlns:r="http://schemas.openxmlformats.org/officeDocument/2006/relationships" xmlns:p="http://schemas.openxmlformats.org/presentationml/2006/main">
+  <p:cSld>
+    <p:spTree>
+      <p:nvGrpSpPr>
+        <p:cNvPr id="1" name=""/>
+        <p:cNvGrpSpPr/>
+        <p:nvPr/>
+      </p:nvGrpSpPr>
+      <p:grpSpPr>
+        <a:xfrm>
+          <a:off x="0" y="0"/>
+          <a:ext cx="0" cy="0"/>
+          <a:chOff x="0" y="0"/>
+          <a:chExt cx="0" cy="0"/>
+        </a:xfrm>
+      </p:grpSpPr>
+      <p:sp>
+        <p:nvSpPr>
+          <p:cNvPr id="3" name="Title 2">
+            <a:extLst>
+              <a:ext uri="{FF2B5EF4-FFF2-40B4-BE49-F238E27FC236}">
+                <a16:creationId xmlns:a16="http://schemas.microsoft.com/office/drawing/2014/main" id="{10F4F819-D0E9-2E37-B7E0-8EA057B15ACB}"/>
+              </a:ext>
+            </a:extLst>
+          </p:cNvPr>
+          <p:cNvSpPr>
+            <a:spLocks noGrp="1"/>
+          </p:cNvSpPr>
+          <p:nvPr>
+            <p:ph type="title"/>
+          </p:nvPr>
+        </p:nvSpPr>
+        <p:spPr/>
+        <p:txBody>
+          <a:bodyPr/>
+          <a:lstStyle/>
+          <a:p>
+            <a:r>
+              <a:rPr lang="en-GB" dirty="0"/>
+              <a:t>LED</a:t>
+            </a:r>
+          </a:p>
+        </p:txBody>
+      </p:sp>
+      <p:pic>
+        <p:nvPicPr>
+          <p:cNvPr id="4" name="Picture 3" descr="A red and black flag&#10;&#10;AI-generated content may be incorrect.">
+            <a:extLst>
+              <a:ext uri="{FF2B5EF4-FFF2-40B4-BE49-F238E27FC236}">
+                <a16:creationId xmlns:a16="http://schemas.microsoft.com/office/drawing/2014/main" id="{4C1B90E1-5DAD-9157-744D-1A79A46C16BD}"/>
+              </a:ext>
+            </a:extLst>
+          </p:cNvPr>
+          <p:cNvPicPr>
+            <a:picLocks noChangeAspect="1"/>
+          </p:cNvPicPr>
+          <p:nvPr/>
+        </p:nvPicPr>
+        <p:blipFill>
+          <a:blip r:embed="rId3">
+            <a:extLst>
+              <a:ext uri="{28A0092B-C50C-407E-A947-70E740481C1C}">
+                <a14:useLocalDpi xmlns:a14="http://schemas.microsoft.com/office/drawing/2010/main" val="0"/>
+              </a:ext>
+            </a:extLst>
+          </a:blip>
+          <a:stretch>
+            <a:fillRect/>
+          </a:stretch>
+        </p:blipFill>
+        <p:spPr>
+          <a:xfrm>
+            <a:off x="5158861" y="499170"/>
+            <a:ext cx="1874279" cy="5337810"/>
+          </a:xfrm>
+          <a:prstGeom prst="rect">
+            <a:avLst/>
+          </a:prstGeom>
+        </p:spPr>
+      </p:pic>
+      <p:sp>
+        <p:nvSpPr>
+          <p:cNvPr id="5" name="Callout: Bent Line with No Border 4">
+            <a:extLst>
+              <a:ext uri="{FF2B5EF4-FFF2-40B4-BE49-F238E27FC236}">
+                <a16:creationId xmlns:a16="http://schemas.microsoft.com/office/drawing/2014/main" id="{C72443AB-1161-FDEE-7237-56AA4B4CA5E5}"/>
+              </a:ext>
+            </a:extLst>
+          </p:cNvPr>
+          <p:cNvSpPr/>
+          <p:nvPr/>
+        </p:nvSpPr>
+        <p:spPr>
+          <a:xfrm>
+            <a:off x="8402241" y="3962057"/>
+            <a:ext cx="1922321" cy="1077218"/>
+          </a:xfrm>
+          <a:prstGeom prst="callout2">
+            <a:avLst>
+              <a:gd name="adj1" fmla="val 50105"/>
+              <a:gd name="adj2" fmla="val -599"/>
+              <a:gd name="adj3" fmla="val 50175"/>
+              <a:gd name="adj4" fmla="val -27456"/>
+              <a:gd name="adj5" fmla="val 50069"/>
+              <a:gd name="adj6" fmla="val -72121"/>
+            </a:avLst>
+          </a:prstGeom>
+          <a:ln w="38100">
+            <a:solidFill>
+              <a:srgbClr val="7030A0"/>
+            </a:solidFill>
+            <a:tailEnd type="triangle" w="lg" len="lg"/>
+          </a:ln>
+        </p:spPr>
+        <p:style>
+          <a:lnRef idx="1">
+            <a:schemeClr val="accent1"/>
+          </a:lnRef>
+          <a:fillRef idx="0">
+            <a:schemeClr val="accent1"/>
+          </a:fillRef>
+          <a:effectRef idx="0">
+            <a:schemeClr val="accent1"/>
+          </a:effectRef>
+          <a:fontRef idx="minor">
+            <a:schemeClr val="tx1"/>
+          </a:fontRef>
+        </p:style>
+        <p:txBody>
+          <a:bodyPr wrap="none" rtlCol="0">
+            <a:spAutoFit/>
+          </a:bodyPr>
+          <a:lstStyle/>
+          <a:p>
+            <a:r>
+              <a:rPr lang="en-GB" sz="3200" dirty="0">
+                <a:solidFill>
+                  <a:srgbClr val="7030A0"/>
+                </a:solidFill>
+              </a:rPr>
+              <a:t>Cathode</a:t>
+            </a:r>
+          </a:p>
+          <a:p>
+            <a:r>
+              <a:rPr lang="en-GB" sz="3200" dirty="0">
+                <a:solidFill>
+                  <a:srgbClr val="7030A0"/>
+                </a:solidFill>
+              </a:rPr>
+              <a:t>(Short leg)</a:t>
+            </a:r>
+          </a:p>
+        </p:txBody>
+      </p:sp>
+      <p:sp>
+        <p:nvSpPr>
+          <p:cNvPr id="6" name="Callout: Bent Line with No Border 5">
+            <a:extLst>
+              <a:ext uri="{FF2B5EF4-FFF2-40B4-BE49-F238E27FC236}">
+                <a16:creationId xmlns:a16="http://schemas.microsoft.com/office/drawing/2014/main" id="{4AB7B321-DCD3-2BD7-216B-6225887147DF}"/>
+              </a:ext>
+            </a:extLst>
+          </p:cNvPr>
+          <p:cNvSpPr/>
+          <p:nvPr/>
+        </p:nvSpPr>
+        <p:spPr>
+          <a:xfrm flipH="1">
+            <a:off x="2313861" y="3962057"/>
+            <a:ext cx="1819729" cy="1077218"/>
+          </a:xfrm>
+          <a:prstGeom prst="callout2">
+            <a:avLst>
+              <a:gd name="adj1" fmla="val 50105"/>
+              <a:gd name="adj2" fmla="val -599"/>
+              <a:gd name="adj3" fmla="val 50440"/>
+              <a:gd name="adj4" fmla="val -29340"/>
+              <a:gd name="adj5" fmla="val 50953"/>
+              <a:gd name="adj6" fmla="val -71231"/>
+            </a:avLst>
+          </a:prstGeom>
+          <a:ln w="38100">
+            <a:solidFill>
+              <a:srgbClr val="7030A0"/>
+            </a:solidFill>
+            <a:tailEnd type="triangle" w="lg" len="lg"/>
+          </a:ln>
+        </p:spPr>
+        <p:style>
+          <a:lnRef idx="1">
+            <a:schemeClr val="accent1"/>
+          </a:lnRef>
+          <a:fillRef idx="0">
+            <a:schemeClr val="accent1"/>
+          </a:fillRef>
+          <a:effectRef idx="0">
+            <a:schemeClr val="accent1"/>
+          </a:effectRef>
+          <a:fontRef idx="minor">
+            <a:schemeClr val="tx1"/>
+          </a:fontRef>
+        </p:style>
+        <p:txBody>
+          <a:bodyPr wrap="none" rtlCol="0">
+            <a:spAutoFit/>
+          </a:bodyPr>
+          <a:lstStyle/>
+          <a:p>
+            <a:r>
+              <a:rPr lang="en-GB" sz="3200" dirty="0">
+                <a:solidFill>
+                  <a:srgbClr val="7030A0"/>
+                </a:solidFill>
+              </a:rPr>
+              <a:t>Anode</a:t>
+            </a:r>
+          </a:p>
+          <a:p>
+            <a:r>
+              <a:rPr lang="en-GB" sz="3200" dirty="0">
+                <a:solidFill>
+                  <a:srgbClr val="7030A0"/>
+                </a:solidFill>
+              </a:rPr>
+              <a:t>(Long leg)</a:t>
+            </a:r>
+          </a:p>
+        </p:txBody>
+      </p:sp>
+      <p:sp>
+        <p:nvSpPr>
+          <p:cNvPr id="7" name="Callout: Bent Line with No Border 6">
+            <a:extLst>
+              <a:ext uri="{FF2B5EF4-FFF2-40B4-BE49-F238E27FC236}">
+                <a16:creationId xmlns:a16="http://schemas.microsoft.com/office/drawing/2014/main" id="{2EF928D0-1269-E3C5-CE31-FBD55B756976}"/>
+              </a:ext>
+            </a:extLst>
+          </p:cNvPr>
+          <p:cNvSpPr/>
+          <p:nvPr/>
+        </p:nvSpPr>
+        <p:spPr>
+          <a:xfrm>
+            <a:off x="8163512" y="2719954"/>
+            <a:ext cx="1567480" cy="584775"/>
+          </a:xfrm>
+          <a:prstGeom prst="callout2">
+            <a:avLst>
+              <a:gd name="adj1" fmla="val 50105"/>
+              <a:gd name="adj2" fmla="val -599"/>
+              <a:gd name="adj3" fmla="val 51501"/>
+              <a:gd name="adj4" fmla="val -27456"/>
+              <a:gd name="adj5" fmla="val 51837"/>
+              <a:gd name="adj6" fmla="val -72121"/>
+            </a:avLst>
+          </a:prstGeom>
+          <a:ln w="38100">
+            <a:solidFill>
+              <a:srgbClr val="7030A0"/>
+            </a:solidFill>
+            <a:tailEnd type="triangle" w="lg" len="lg"/>
+          </a:ln>
+        </p:spPr>
+        <p:style>
+          <a:lnRef idx="1">
+            <a:schemeClr val="accent1"/>
+          </a:lnRef>
+          <a:fillRef idx="0">
+            <a:schemeClr val="accent1"/>
+          </a:fillRef>
+          <a:effectRef idx="0">
+            <a:schemeClr val="accent1"/>
+          </a:effectRef>
+          <a:fontRef idx="minor">
+            <a:schemeClr val="tx1"/>
+          </a:fontRef>
+        </p:style>
+        <p:txBody>
+          <a:bodyPr wrap="none" rtlCol="0">
+            <a:spAutoFit/>
+          </a:bodyPr>
+          <a:lstStyle/>
+          <a:p>
+            <a:r>
+              <a:rPr lang="en-GB" sz="3200" dirty="0">
+                <a:solidFill>
+                  <a:srgbClr val="7030A0"/>
+                </a:solidFill>
+              </a:rPr>
+              <a:t>Flat side</a:t>
+            </a:r>
+          </a:p>
+        </p:txBody>
+      </p:sp>
+      <p:sp>
+        <p:nvSpPr>
+          <p:cNvPr id="8" name="TextBox 7">
+            <a:extLst>
+              <a:ext uri="{FF2B5EF4-FFF2-40B4-BE49-F238E27FC236}">
+                <a16:creationId xmlns:a16="http://schemas.microsoft.com/office/drawing/2014/main" id="{57A6C7E6-8669-31BD-5693-3C5C86249D77}"/>
+              </a:ext>
+            </a:extLst>
+          </p:cNvPr>
+          <p:cNvSpPr txBox="1"/>
+          <p:nvPr/>
+        </p:nvSpPr>
+        <p:spPr>
+          <a:xfrm>
+            <a:off x="5159516" y="5824524"/>
+            <a:ext cx="805413" cy="954107"/>
+          </a:xfrm>
+          <a:prstGeom prst="rect">
+            <a:avLst/>
+          </a:prstGeom>
+          <a:ln w="38100">
+            <a:noFill/>
+            <a:tailEnd type="triangle" w="lg" len="lg"/>
+          </a:ln>
+        </p:spPr>
+        <p:style>
+          <a:lnRef idx="1">
+            <a:schemeClr val="accent1"/>
+          </a:lnRef>
+          <a:fillRef idx="0">
+            <a:schemeClr val="accent1"/>
+          </a:fillRef>
+          <a:effectRef idx="0">
+            <a:schemeClr val="accent1"/>
+          </a:effectRef>
+          <a:fontRef idx="minor">
+            <a:schemeClr val="tx1"/>
+          </a:fontRef>
+        </p:style>
+        <p:txBody>
+          <a:bodyPr wrap="none" rtlCol="0">
+            <a:spAutoFit/>
+          </a:bodyPr>
+          <a:lstStyle>
+            <a:defPPr>
+              <a:defRPr lang="en-US"/>
+            </a:defPPr>
+            <a:lvl1pPr>
+              <a:defRPr sz="3200">
+                <a:solidFill>
+                  <a:srgbClr val="7030A0"/>
+                </a:solidFill>
+              </a:defRPr>
+            </a:lvl1pPr>
+          </a:lstStyle>
+          <a:p>
+            <a:pPr algn="ctr"/>
+            <a:r>
+              <a:rPr lang="en-GB" dirty="0"/>
+              <a:t>+Ve</a:t>
+            </a:r>
+          </a:p>
+          <a:p>
+            <a:pPr algn="ctr"/>
+            <a:r>
+              <a:rPr lang="en-GB" sz="2400" dirty="0"/>
+              <a:t>(</a:t>
+            </a:r>
+            <a:r>
+              <a:rPr lang="en-GB" sz="2400" i="1" dirty="0"/>
+              <a:t>5V</a:t>
+            </a:r>
+            <a:r>
+              <a:rPr lang="en-GB" sz="2400" dirty="0"/>
+              <a:t>)</a:t>
+            </a:r>
+          </a:p>
+        </p:txBody>
+      </p:sp>
+      <p:sp>
+        <p:nvSpPr>
+          <p:cNvPr id="9" name="TextBox 8">
+            <a:extLst>
+              <a:ext uri="{FF2B5EF4-FFF2-40B4-BE49-F238E27FC236}">
+                <a16:creationId xmlns:a16="http://schemas.microsoft.com/office/drawing/2014/main" id="{74C2C3EB-0759-9408-6749-935B8E71D114}"/>
+              </a:ext>
+            </a:extLst>
+          </p:cNvPr>
+          <p:cNvSpPr txBox="1"/>
+          <p:nvPr/>
+        </p:nvSpPr>
+        <p:spPr>
+          <a:xfrm>
+            <a:off x="6499082" y="5358507"/>
+            <a:ext cx="725262" cy="954107"/>
+          </a:xfrm>
+          <a:prstGeom prst="rect">
+            <a:avLst/>
+          </a:prstGeom>
+          <a:ln w="38100">
+            <a:noFill/>
+            <a:tailEnd type="triangle" w="lg" len="lg"/>
+          </a:ln>
+        </p:spPr>
+        <p:style>
+          <a:lnRef idx="1">
+            <a:schemeClr val="accent1"/>
+          </a:lnRef>
+          <a:fillRef idx="0">
+            <a:schemeClr val="accent1"/>
+          </a:fillRef>
+          <a:effectRef idx="0">
+            <a:schemeClr val="accent1"/>
+          </a:effectRef>
+          <a:fontRef idx="minor">
+            <a:schemeClr val="tx1"/>
+          </a:fontRef>
+        </p:style>
+        <p:txBody>
+          <a:bodyPr wrap="none" rtlCol="0">
+            <a:spAutoFit/>
+          </a:bodyPr>
+          <a:lstStyle>
+            <a:defPPr>
+              <a:defRPr lang="en-US"/>
+            </a:defPPr>
+            <a:lvl1pPr>
+              <a:defRPr sz="3200">
+                <a:solidFill>
+                  <a:srgbClr val="7030A0"/>
+                </a:solidFill>
+              </a:defRPr>
+            </a:lvl1pPr>
+          </a:lstStyle>
+          <a:p>
+            <a:pPr algn="ctr"/>
+            <a:r>
+              <a:rPr lang="en-GB" dirty="0"/>
+              <a:t>-Ve</a:t>
+            </a:r>
+          </a:p>
+          <a:p>
+            <a:pPr algn="ctr"/>
+            <a:r>
+              <a:rPr lang="en-GB" sz="2400" dirty="0"/>
+              <a:t>(</a:t>
+            </a:r>
+            <a:r>
+              <a:rPr lang="en-GB" sz="2400" i="1" dirty="0"/>
+              <a:t>0V</a:t>
+            </a:r>
+            <a:r>
+              <a:rPr lang="en-GB" sz="2400" dirty="0"/>
+              <a:t>)</a:t>
+            </a:r>
+          </a:p>
+        </p:txBody>
+      </p:sp>
+    </p:spTree>
+    <p:extLst>
+      <p:ext uri="{BB962C8B-B14F-4D97-AF65-F5344CB8AC3E}">
+        <p14:creationId xmlns:p14="http://schemas.microsoft.com/office/powerpoint/2010/main" val="2196791307"/>
+      </p:ext>
+    </p:extLst>
+  </p:cSld>
+  <p:clrMapOvr>
+    <a:masterClrMapping/>
+  </p:clrMapOvr>
+  <p:timing>
+    <p:tnLst>
+      <p:par>
+        <p:cTn id="1" dur="indefinite" restart="never" nodeType="tmRoot">
+          <p:childTnLst>
+            <p:seq concurrent="1" nextAc="seek">
+              <p:cTn id="2" dur="indefinite" nodeType="mainSeq">
+                <p:childTnLst>
+                  <p:par>
+                    <p:cTn id="3" fill="hold">
+                      <p:stCondLst>
+                        <p:cond delay="indefinite"/>
+                      </p:stCondLst>
+                      <p:childTnLst>
+                        <p:par>
+                          <p:cTn id="4" fill="hold">
+                            <p:stCondLst>
+                              <p:cond delay="0"/>
+                            </p:stCondLst>
+                            <p:childTnLst>
+                              <p:par>
+                                <p:cTn id="5" presetID="22" presetClass="entr" presetSubtype="8" fill="hold" grpId="0" nodeType="clickEffect">
+                                  <p:stCondLst>
+                                    <p:cond delay="0"/>
+                                  </p:stCondLst>
+                                  <p:childTnLst>
+                                    <p:set>
+                                      <p:cBhvr>
+                                        <p:cTn id="6" dur="1" fill="hold">
+                                          <p:stCondLst>
+                                            <p:cond delay="0"/>
+                                          </p:stCondLst>
+                                        </p:cTn>
+                                        <p:tgtEl>
+                                          <p:spTgt spid="6"/>
+                                        </p:tgtEl>
+                                        <p:attrNameLst>
+                                          <p:attrName>style.visibility</p:attrName>
+                                        </p:attrNameLst>
+                                      </p:cBhvr>
+                                      <p:to>
+                                        <p:strVal val="visible"/>
+                                      </p:to>
+                                    </p:set>
+                                    <p:animEffect transition="in" filter="wipe(left)">
+                                      <p:cBhvr>
+                                        <p:cTn id="7" dur="1500"/>
+                                        <p:tgtEl>
+                                          <p:spTgt spid="6"/>
+                                        </p:tgtEl>
+                                      </p:cBhvr>
+                                    </p:animEffect>
+                                  </p:childTnLst>
+                                </p:cTn>
+                              </p:par>
+                            </p:childTnLst>
+                          </p:cTn>
+                        </p:par>
+                      </p:childTnLst>
+                    </p:cTn>
+                  </p:par>
+                  <p:par>
+                    <p:cTn id="8" fill="hold">
+                      <p:stCondLst>
+                        <p:cond delay="indefinite"/>
+                      </p:stCondLst>
+                      <p:childTnLst>
+                        <p:par>
+                          <p:cTn id="9" fill="hold">
+                            <p:stCondLst>
+                              <p:cond delay="0"/>
+                            </p:stCondLst>
+                            <p:childTnLst>
+                              <p:par>
+                                <p:cTn id="10" presetID="22" presetClass="entr" presetSubtype="8" fill="hold" grpId="0" nodeType="clickEffect">
+                                  <p:stCondLst>
+                                    <p:cond delay="0"/>
+                                  </p:stCondLst>
+                                  <p:childTnLst>
+                                    <p:set>
+                                      <p:cBhvr>
+                                        <p:cTn id="11" dur="1" fill="hold">
+                                          <p:stCondLst>
+                                            <p:cond delay="0"/>
+                                          </p:stCondLst>
+                                        </p:cTn>
+                                        <p:tgtEl>
+                                          <p:spTgt spid="5"/>
+                                        </p:tgtEl>
+                                        <p:attrNameLst>
+                                          <p:attrName>style.visibility</p:attrName>
+                                        </p:attrNameLst>
+                                      </p:cBhvr>
+                                      <p:to>
+                                        <p:strVal val="visible"/>
+                                      </p:to>
+                                    </p:set>
+                                    <p:animEffect transition="in" filter="wipe(left)">
+                                      <p:cBhvr>
+                                        <p:cTn id="12" dur="1500"/>
+                                        <p:tgtEl>
+                                          <p:spTgt spid="5"/>
+                                        </p:tgtEl>
+                                      </p:cBhvr>
+                                    </p:animEffect>
+                                  </p:childTnLst>
+                                </p:cTn>
+                              </p:par>
+                            </p:childTnLst>
+                          </p:cTn>
+                        </p:par>
+                      </p:childTnLst>
+                    </p:cTn>
+                  </p:par>
+                  <p:par>
+                    <p:cTn id="13" fill="hold">
+                      <p:stCondLst>
+                        <p:cond delay="indefinite"/>
+                      </p:stCondLst>
+                      <p:childTnLst>
+                        <p:par>
+                          <p:cTn id="14" fill="hold">
+                            <p:stCondLst>
+                              <p:cond delay="0"/>
+                            </p:stCondLst>
+                            <p:childTnLst>
+                              <p:par>
+                                <p:cTn id="15" presetID="22" presetClass="entr" presetSubtype="8" fill="hold" grpId="0" nodeType="clickEffect">
+                                  <p:stCondLst>
+                                    <p:cond delay="0"/>
+                                  </p:stCondLst>
+                                  <p:childTnLst>
+                                    <p:set>
+                                      <p:cBhvr>
+                                        <p:cTn id="16" dur="1" fill="hold">
+                                          <p:stCondLst>
+                                            <p:cond delay="0"/>
+                                          </p:stCondLst>
+                                        </p:cTn>
+                                        <p:tgtEl>
+                                          <p:spTgt spid="7"/>
+                                        </p:tgtEl>
+                                        <p:attrNameLst>
+                                          <p:attrName>style.visibility</p:attrName>
+                                        </p:attrNameLst>
+                                      </p:cBhvr>
+                                      <p:to>
+                                        <p:strVal val="visible"/>
+                                      </p:to>
+                                    </p:set>
+                                    <p:animEffect transition="in" filter="wipe(left)">
+                                      <p:cBhvr>
+                                        <p:cTn id="17" dur="1500"/>
+                                        <p:tgtEl>
+                                          <p:spTgt spid="7"/>
+                                        </p:tgtEl>
+                                      </p:cBhvr>
+                                    </p:animEffect>
+                                  </p:childTnLst>
+                                </p:cTn>
+                              </p:par>
+                            </p:childTnLst>
+                          </p:cTn>
+                        </p:par>
+                      </p:childTnLst>
+                    </p:cTn>
+                  </p:par>
+                  <p:par>
+                    <p:cTn id="18" fill="hold">
+                      <p:stCondLst>
+                        <p:cond delay="indefinite"/>
+                      </p:stCondLst>
+                      <p:childTnLst>
+                        <p:par>
+                          <p:cTn id="19" fill="hold">
+                            <p:stCondLst>
+                              <p:cond delay="0"/>
+                            </p:stCondLst>
+                            <p:childTnLst>
+                              <p:par>
+                                <p:cTn id="20" presetID="22" presetClass="entr" presetSubtype="1" fill="hold" grpId="0" nodeType="clickEffect">
+                                  <p:stCondLst>
+                                    <p:cond delay="0"/>
+                                  </p:stCondLst>
+                                  <p:childTnLst>
+                                    <p:set>
+                                      <p:cBhvr>
+                                        <p:cTn id="21" dur="1" fill="hold">
+                                          <p:stCondLst>
+                                            <p:cond delay="0"/>
+                                          </p:stCondLst>
+                                        </p:cTn>
+                                        <p:tgtEl>
+                                          <p:spTgt spid="8"/>
+                                        </p:tgtEl>
+                                        <p:attrNameLst>
+                                          <p:attrName>style.visibility</p:attrName>
+                                        </p:attrNameLst>
+                                      </p:cBhvr>
+                                      <p:to>
+                                        <p:strVal val="visible"/>
+                                      </p:to>
+                                    </p:set>
+                                    <p:animEffect transition="in" filter="wipe(up)">
+                                      <p:cBhvr>
+                                        <p:cTn id="22" dur="1000"/>
+                                        <p:tgtEl>
+                                          <p:spTgt spid="8"/>
+                                        </p:tgtEl>
+                                      </p:cBhvr>
+                                    </p:animEffect>
+                                  </p:childTnLst>
+                                </p:cTn>
+                              </p:par>
+                            </p:childTnLst>
+                          </p:cTn>
+                        </p:par>
+                      </p:childTnLst>
+                    </p:cTn>
+                  </p:par>
+                  <p:par>
+                    <p:cTn id="23" fill="hold">
+                      <p:stCondLst>
+                        <p:cond delay="indefinite"/>
+                      </p:stCondLst>
+                      <p:childTnLst>
+                        <p:par>
+                          <p:cTn id="24" fill="hold">
+                            <p:stCondLst>
+                              <p:cond delay="0"/>
+                            </p:stCondLst>
+                            <p:childTnLst>
+                              <p:par>
+                                <p:cTn id="25" presetID="22" presetClass="entr" presetSubtype="1" fill="hold" grpId="0" nodeType="clickEffect">
+                                  <p:stCondLst>
+                                    <p:cond delay="0"/>
+                                  </p:stCondLst>
+                                  <p:childTnLst>
+                                    <p:set>
+                                      <p:cBhvr>
+                                        <p:cTn id="26" dur="1" fill="hold">
+                                          <p:stCondLst>
+                                            <p:cond delay="0"/>
+                                          </p:stCondLst>
+                                        </p:cTn>
+                                        <p:tgtEl>
+                                          <p:spTgt spid="9"/>
+                                        </p:tgtEl>
+                                        <p:attrNameLst>
+                                          <p:attrName>style.visibility</p:attrName>
+                                        </p:attrNameLst>
+                                      </p:cBhvr>
+                                      <p:to>
+                                        <p:strVal val="visible"/>
+                                      </p:to>
+                                    </p:set>
+                                    <p:animEffect transition="in" filter="wipe(up)">
+                                      <p:cBhvr>
+                                        <p:cTn id="27" dur="1000"/>
+                                        <p:tgtEl>
+                                          <p:spTgt spid="9"/>
+                                        </p:tgtEl>
+                                      </p:cBhvr>
+                                    </p:animEffect>
+                                  </p:childTnLst>
+                                </p:cTn>
+                              </p:par>
+                            </p:childTnLst>
+                          </p:cTn>
+                        </p:par>
+                      </p:childTnLst>
+                    </p:cTn>
+                  </p:par>
+                </p:childTnLst>
+              </p:cTn>
+              <p:prevCondLst>
+                <p:cond evt="onPrev" delay="0">
+                  <p:tgtEl>
+                    <p:sldTgt/>
+                  </p:tgtEl>
+                </p:cond>
+              </p:prevCondLst>
+              <p:nextCondLst>
+                <p:cond evt="onNext" delay="0">
+                  <p:tgtEl>
+                    <p:sldTgt/>
+                  </p:tgtEl>
+                </p:cond>
+              </p:nextCondLst>
+            </p:seq>
+          </p:childTnLst>
+        </p:cTn>
+      </p:par>
+    </p:tnLst>
+    <p:bldLst>
+      <p:bldP spid="5" grpId="0" animBg="1"/>
+      <p:bldP spid="6" grpId="0" animBg="1"/>
+      <p:bldP spid="7" grpId="0" animBg="1"/>
+      <p:bldP spid="8" grpId="0"/>
+      <p:bldP spid="9" grpId="0"/>
+    </p:bldLst>
+  </p:timing>
+</p:sld>
+</file>
+
+<file path=ppt/slides/slide8.xml><?xml version="1.0" encoding="utf-8"?>
+<p:sld xmlns:a="http://schemas.openxmlformats.org/drawingml/2006/main" xmlns:r="http://schemas.openxmlformats.org/officeDocument/2006/relationships" xmlns:p="http://schemas.openxmlformats.org/presentationml/2006/main">
+  <p:cSld>
+    <p:spTree>
+      <p:nvGrpSpPr>
+        <p:cNvPr id="1" name="">
+          <a:extLst>
+            <a:ext uri="{FF2B5EF4-FFF2-40B4-BE49-F238E27FC236}">
+              <a16:creationId xmlns:a16="http://schemas.microsoft.com/office/drawing/2014/main" id="{3DCC2D77-C4E9-B298-9984-3CCBD5E3288D}"/>
+            </a:ext>
+          </a:extLst>
+        </p:cNvPr>
+        <p:cNvGrpSpPr/>
+        <p:nvPr/>
+      </p:nvGrpSpPr>
+      <p:grpSpPr>
+        <a:xfrm>
+          <a:off x="0" y="0"/>
+          <a:ext cx="0" cy="0"/>
+          <a:chOff x="0" y="0"/>
+          <a:chExt cx="0" cy="0"/>
+        </a:xfrm>
+      </p:grpSpPr>
+      <p:sp>
+        <p:nvSpPr>
+          <p:cNvPr id="3" name="Title 2">
+            <a:extLst>
+              <a:ext uri="{FF2B5EF4-FFF2-40B4-BE49-F238E27FC236}">
+                <a16:creationId xmlns:a16="http://schemas.microsoft.com/office/drawing/2014/main" id="{C2306A00-9521-BB13-3B48-796657AA36F0}"/>
+              </a:ext>
+            </a:extLst>
+          </p:cNvPr>
+          <p:cNvSpPr>
+            <a:spLocks noGrp="1"/>
+          </p:cNvSpPr>
+          <p:nvPr>
+            <p:ph type="title"/>
+          </p:nvPr>
+        </p:nvSpPr>
+        <p:spPr/>
+        <p:txBody>
+          <a:bodyPr/>
+          <a:lstStyle/>
+          <a:p>
+            <a:r>
+              <a:rPr lang="en-GB" dirty="0"/>
+              <a:t>LED Circuit</a:t>
+            </a:r>
+          </a:p>
+        </p:txBody>
+      </p:sp>
+      <p:pic>
+        <p:nvPicPr>
+          <p:cNvPr id="4" name="Picture 3" descr="A red and black flag&#10;&#10;AI-generated content may be incorrect.">
+            <a:extLst>
+              <a:ext uri="{FF2B5EF4-FFF2-40B4-BE49-F238E27FC236}">
+                <a16:creationId xmlns:a16="http://schemas.microsoft.com/office/drawing/2014/main" id="{0F2F5552-2399-BFBB-F03E-31ABBE74C991}"/>
+              </a:ext>
+            </a:extLst>
+          </p:cNvPr>
+          <p:cNvPicPr>
+            <a:picLocks noChangeAspect="1"/>
+          </p:cNvPicPr>
+          <p:nvPr/>
+        </p:nvPicPr>
+        <p:blipFill>
+          <a:blip r:embed="rId3">
+            <a:extLst>
+              <a:ext uri="{28A0092B-C50C-407E-A947-70E740481C1C}">
+                <a14:useLocalDpi xmlns:a14="http://schemas.microsoft.com/office/drawing/2010/main" val="0"/>
+              </a:ext>
+            </a:extLst>
+          </a:blip>
+          <a:stretch>
+            <a:fillRect/>
+          </a:stretch>
+        </p:blipFill>
+        <p:spPr>
+          <a:xfrm>
+            <a:off x="6096000" y="918502"/>
+            <a:ext cx="1148758" cy="3271580"/>
+          </a:xfrm>
+          <a:prstGeom prst="rect">
+            <a:avLst/>
+          </a:prstGeom>
+        </p:spPr>
+      </p:pic>
+      <p:sp>
+        <p:nvSpPr>
+          <p:cNvPr id="6" name="Callout: Bent Line with No Border 5">
+            <a:extLst>
+              <a:ext uri="{FF2B5EF4-FFF2-40B4-BE49-F238E27FC236}">
+                <a16:creationId xmlns:a16="http://schemas.microsoft.com/office/drawing/2014/main" id="{41F25380-E8A0-10D4-E5D1-288224048EBD}"/>
+              </a:ext>
+            </a:extLst>
+          </p:cNvPr>
+          <p:cNvSpPr/>
+          <p:nvPr/>
+        </p:nvSpPr>
+        <p:spPr>
+          <a:xfrm flipH="1">
+            <a:off x="4252836" y="2661995"/>
+            <a:ext cx="828000" cy="584775"/>
+          </a:xfrm>
+          <a:prstGeom prst="callout2">
+            <a:avLst>
+              <a:gd name="adj1" fmla="val 50105"/>
+              <a:gd name="adj2" fmla="val -599"/>
+              <a:gd name="adj3" fmla="val 50576"/>
+              <a:gd name="adj4" fmla="val -79503"/>
+              <a:gd name="adj5" fmla="val 131309"/>
+              <a:gd name="adj6" fmla="val -137303"/>
+            </a:avLst>
+          </a:prstGeom>
+          <a:ln w="38100">
+            <a:solidFill>
+              <a:srgbClr val="7030A0"/>
+            </a:solidFill>
+            <a:tailEnd type="triangle" w="lg" len="lg"/>
+          </a:ln>
+        </p:spPr>
+        <p:style>
+          <a:lnRef idx="1">
+            <a:schemeClr val="accent1"/>
+          </a:lnRef>
+          <a:fillRef idx="0">
+            <a:schemeClr val="accent1"/>
+          </a:fillRef>
+          <a:effectRef idx="0">
+            <a:schemeClr val="accent1"/>
+          </a:effectRef>
+          <a:fontRef idx="minor">
+            <a:schemeClr val="tx1"/>
+          </a:fontRef>
+        </p:style>
+        <p:txBody>
+          <a:bodyPr wrap="none" rtlCol="0">
+            <a:spAutoFit/>
+          </a:bodyPr>
+          <a:lstStyle/>
+          <a:p>
+            <a:r>
+              <a:rPr lang="en-GB" sz="3200" dirty="0">
+                <a:solidFill>
+                  <a:srgbClr val="7030A0"/>
+                </a:solidFill>
+              </a:rPr>
+              <a:t>+Ve</a:t>
+            </a:r>
+          </a:p>
+        </p:txBody>
+      </p:sp>
+      <p:sp>
+        <p:nvSpPr>
+          <p:cNvPr id="7" name="Callout: Bent Line with No Border 6">
+            <a:extLst>
+              <a:ext uri="{FF2B5EF4-FFF2-40B4-BE49-F238E27FC236}">
+                <a16:creationId xmlns:a16="http://schemas.microsoft.com/office/drawing/2014/main" id="{53E79F13-89FD-18A0-8304-771892C8D96D}"/>
+              </a:ext>
+            </a:extLst>
+          </p:cNvPr>
+          <p:cNvSpPr/>
+          <p:nvPr/>
+        </p:nvSpPr>
+        <p:spPr>
+          <a:xfrm>
+            <a:off x="8404204" y="1779595"/>
+            <a:ext cx="1567480" cy="584775"/>
+          </a:xfrm>
+          <a:prstGeom prst="callout2">
+            <a:avLst>
+              <a:gd name="adj1" fmla="val 50105"/>
+              <a:gd name="adj2" fmla="val -599"/>
+              <a:gd name="adj3" fmla="val 51501"/>
+              <a:gd name="adj4" fmla="val -27456"/>
+              <a:gd name="adj5" fmla="val 128066"/>
+              <a:gd name="adj6" fmla="val -70663"/>
+            </a:avLst>
+          </a:prstGeom>
+          <a:ln w="38100">
+            <a:solidFill>
+              <a:srgbClr val="7030A0"/>
+            </a:solidFill>
+            <a:tailEnd type="triangle" w="lg" len="lg"/>
+          </a:ln>
+        </p:spPr>
+        <p:style>
+          <a:lnRef idx="1">
+            <a:schemeClr val="accent1"/>
+          </a:lnRef>
+          <a:fillRef idx="0">
+            <a:schemeClr val="accent1"/>
+          </a:fillRef>
+          <a:effectRef idx="0">
+            <a:schemeClr val="accent1"/>
+          </a:effectRef>
+          <a:fontRef idx="minor">
+            <a:schemeClr val="tx1"/>
+          </a:fontRef>
+        </p:style>
+        <p:txBody>
+          <a:bodyPr wrap="none" rtlCol="0">
+            <a:spAutoFit/>
+          </a:bodyPr>
+          <a:lstStyle/>
+          <a:p>
+            <a:r>
+              <a:rPr lang="en-GB" sz="3200" dirty="0">
+                <a:solidFill>
+                  <a:srgbClr val="7030A0"/>
+                </a:solidFill>
+              </a:rPr>
+              <a:t>Flat side</a:t>
+            </a:r>
+          </a:p>
+        </p:txBody>
+      </p:sp>
+      <p:sp>
+        <p:nvSpPr>
+          <p:cNvPr id="8" name="TextBox 7">
+            <a:extLst>
+              <a:ext uri="{FF2B5EF4-FFF2-40B4-BE49-F238E27FC236}">
+                <a16:creationId xmlns:a16="http://schemas.microsoft.com/office/drawing/2014/main" id="{23D7F587-2C09-B918-1D8E-276EB799362D}"/>
+              </a:ext>
+            </a:extLst>
+          </p:cNvPr>
+          <p:cNvSpPr txBox="1"/>
+          <p:nvPr/>
+        </p:nvSpPr>
+        <p:spPr>
+          <a:xfrm>
+            <a:off x="4289031" y="5742005"/>
+            <a:ext cx="805412" cy="584775"/>
+          </a:xfrm>
+          <a:prstGeom prst="rect">
+            <a:avLst/>
+          </a:prstGeom>
+          <a:ln w="38100">
+            <a:noFill/>
+            <a:tailEnd type="triangle" w="lg" len="lg"/>
+          </a:ln>
+        </p:spPr>
+        <p:style>
+          <a:lnRef idx="1">
+            <a:schemeClr val="accent1"/>
+          </a:lnRef>
+          <a:fillRef idx="0">
+            <a:schemeClr val="accent1"/>
+          </a:fillRef>
+          <a:effectRef idx="0">
+            <a:schemeClr val="accent1"/>
+          </a:effectRef>
+          <a:fontRef idx="minor">
+            <a:schemeClr val="tx1"/>
+          </a:fontRef>
+        </p:style>
+        <p:txBody>
+          <a:bodyPr wrap="none" rtlCol="0">
+            <a:spAutoFit/>
+          </a:bodyPr>
+          <a:lstStyle>
+            <a:defPPr>
+              <a:defRPr lang="en-US"/>
+            </a:defPPr>
+            <a:lvl1pPr>
+              <a:defRPr sz="3200">
+                <a:solidFill>
+                  <a:srgbClr val="7030A0"/>
+                </a:solidFill>
+              </a:defRPr>
+            </a:lvl1pPr>
+          </a:lstStyle>
+          <a:p>
+            <a:pPr algn="ctr"/>
+            <a:r>
+              <a:rPr lang="en-GB" dirty="0"/>
+              <a:t>+Ve</a:t>
+            </a:r>
+          </a:p>
+        </p:txBody>
+      </p:sp>
+      <p:sp>
+        <p:nvSpPr>
+          <p:cNvPr id="9" name="TextBox 8">
+            <a:extLst>
+              <a:ext uri="{FF2B5EF4-FFF2-40B4-BE49-F238E27FC236}">
+                <a16:creationId xmlns:a16="http://schemas.microsoft.com/office/drawing/2014/main" id="{E698D9A0-8A95-2415-132C-6175250895B8}"/>
+              </a:ext>
+            </a:extLst>
+          </p:cNvPr>
+          <p:cNvSpPr txBox="1"/>
+          <p:nvPr/>
+        </p:nvSpPr>
+        <p:spPr>
+          <a:xfrm>
+            <a:off x="6894443" y="5742005"/>
+            <a:ext cx="725262" cy="584775"/>
+          </a:xfrm>
+          <a:prstGeom prst="rect">
+            <a:avLst/>
+          </a:prstGeom>
+          <a:ln w="38100">
+            <a:noFill/>
+            <a:tailEnd type="triangle" w="lg" len="lg"/>
+          </a:ln>
+        </p:spPr>
+        <p:style>
+          <a:lnRef idx="1">
+            <a:schemeClr val="accent1"/>
+          </a:lnRef>
+          <a:fillRef idx="0">
+            <a:schemeClr val="accent1"/>
+          </a:fillRef>
+          <a:effectRef idx="0">
+            <a:schemeClr val="accent1"/>
+          </a:effectRef>
+          <a:fontRef idx="minor">
+            <a:schemeClr val="tx1"/>
+          </a:fontRef>
+        </p:style>
+        <p:txBody>
+          <a:bodyPr wrap="none" rtlCol="0">
+            <a:spAutoFit/>
+          </a:bodyPr>
+          <a:lstStyle>
+            <a:defPPr>
+              <a:defRPr lang="en-US"/>
+            </a:defPPr>
+            <a:lvl1pPr>
+              <a:defRPr sz="3200">
+                <a:solidFill>
+                  <a:srgbClr val="7030A0"/>
+                </a:solidFill>
+              </a:defRPr>
+            </a:lvl1pPr>
+          </a:lstStyle>
+          <a:p>
+            <a:pPr algn="ctr"/>
+            <a:r>
+              <a:rPr lang="en-GB" dirty="0"/>
+              <a:t>-Ve</a:t>
+            </a:r>
+          </a:p>
+        </p:txBody>
+      </p:sp>
+      <p:grpSp>
+        <p:nvGrpSpPr>
+          <p:cNvPr id="22" name="Group 21">
+            <a:extLst>
+              <a:ext uri="{FF2B5EF4-FFF2-40B4-BE49-F238E27FC236}">
+                <a16:creationId xmlns:a16="http://schemas.microsoft.com/office/drawing/2014/main" id="{CA4B8720-4F1C-F915-2C7E-6321CBEAC19E}"/>
+              </a:ext>
+            </a:extLst>
+          </p:cNvPr>
+          <p:cNvGrpSpPr/>
+          <p:nvPr/>
+        </p:nvGrpSpPr>
+        <p:grpSpPr>
+          <a:xfrm>
+            <a:off x="2281387" y="3920082"/>
+            <a:ext cx="2160000" cy="540000"/>
+            <a:chOff x="2384257" y="4956421"/>
+            <a:chExt cx="2160000" cy="540000"/>
+          </a:xfrm>
+        </p:grpSpPr>
+        <p:grpSp>
+          <p:nvGrpSpPr>
+            <p:cNvPr id="14" name="Group 13">
+              <a:extLst>
+                <a:ext uri="{FF2B5EF4-FFF2-40B4-BE49-F238E27FC236}">
+                  <a16:creationId xmlns:a16="http://schemas.microsoft.com/office/drawing/2014/main" id="{EFF72533-75C2-A228-6F0D-DCC04A1B719A}"/>
+                </a:ext>
+              </a:extLst>
+            </p:cNvPr>
+            <p:cNvGrpSpPr/>
+            <p:nvPr/>
+          </p:nvGrpSpPr>
+          <p:grpSpPr>
+            <a:xfrm>
+              <a:off x="2744257" y="4956421"/>
+              <a:ext cx="1440000" cy="540000"/>
+              <a:chOff x="2209800" y="4686299"/>
+              <a:chExt cx="1440000" cy="540000"/>
+            </a:xfrm>
+          </p:grpSpPr>
+          <p:sp>
+            <p:nvSpPr>
+              <p:cNvPr id="2" name="Rectangle 1">
+                <a:extLst>
+                  <a:ext uri="{FF2B5EF4-FFF2-40B4-BE49-F238E27FC236}">
+                    <a16:creationId xmlns:a16="http://schemas.microsoft.com/office/drawing/2014/main" id="{94CD6A86-083F-F56F-B288-50EDD13D8A66}"/>
+                  </a:ext>
+                </a:extLst>
+              </p:cNvPr>
+              <p:cNvSpPr/>
+              <p:nvPr/>
+            </p:nvSpPr>
+            <p:spPr>
+              <a:xfrm>
+                <a:off x="2209800" y="4686299"/>
+                <a:ext cx="1440000" cy="540000"/>
+              </a:xfrm>
+              <a:prstGeom prst="rect">
+                <a:avLst/>
+              </a:prstGeom>
+              <a:solidFill>
+                <a:schemeClr val="accent2">
+                  <a:lumMod val="40000"/>
+                  <a:lumOff val="60000"/>
+                </a:schemeClr>
+              </a:solidFill>
+            </p:spPr>
+            <p:style>
+              <a:lnRef idx="2">
+                <a:schemeClr val="accent1">
+                  <a:shade val="15000"/>
+                </a:schemeClr>
+              </a:lnRef>
+              <a:fillRef idx="1">
+                <a:schemeClr val="accent1"/>
+              </a:fillRef>
+              <a:effectRef idx="0">
+                <a:schemeClr val="accent1"/>
+              </a:effectRef>
+              <a:fontRef idx="minor">
+                <a:schemeClr val="lt1"/>
+              </a:fontRef>
+            </p:style>
+            <p:txBody>
+              <a:bodyPr rtlCol="0" anchor="ctr"/>
+              <a:lstStyle/>
+              <a:p>
+                <a:pPr algn="ctr"/>
+                <a:endParaRPr lang="en-GB"/>
+              </a:p>
+            </p:txBody>
+          </p:sp>
+          <p:sp>
+            <p:nvSpPr>
+              <p:cNvPr id="11" name="Rectangle 10">
+                <a:extLst>
+                  <a:ext uri="{FF2B5EF4-FFF2-40B4-BE49-F238E27FC236}">
+                    <a16:creationId xmlns:a16="http://schemas.microsoft.com/office/drawing/2014/main" id="{9D317879-F8DA-21FE-A74B-EFF389C3F07A}"/>
+                  </a:ext>
+                </a:extLst>
+              </p:cNvPr>
+              <p:cNvSpPr/>
+              <p:nvPr/>
+            </p:nvSpPr>
+            <p:spPr>
+              <a:xfrm>
+                <a:off x="2678412" y="4686299"/>
+                <a:ext cx="108000" cy="540000"/>
+              </a:xfrm>
+              <a:prstGeom prst="rect">
+                <a:avLst/>
+              </a:prstGeom>
+              <a:solidFill>
+                <a:srgbClr val="FF0000"/>
+              </a:solidFill>
+              <a:ln>
+                <a:solidFill>
+                  <a:srgbClr val="FF0000"/>
+                </a:solidFill>
+              </a:ln>
+            </p:spPr>
+            <p:style>
+              <a:lnRef idx="2">
+                <a:schemeClr val="accent1">
+                  <a:shade val="15000"/>
+                </a:schemeClr>
+              </a:lnRef>
+              <a:fillRef idx="1">
+                <a:schemeClr val="accent1"/>
+              </a:fillRef>
+              <a:effectRef idx="0">
+                <a:schemeClr val="accent1"/>
+              </a:effectRef>
+              <a:fontRef idx="minor">
+                <a:schemeClr val="lt1"/>
+              </a:fontRef>
+            </p:style>
+            <p:txBody>
+              <a:bodyPr rtlCol="0" anchor="ctr"/>
+              <a:lstStyle/>
+              <a:p>
+                <a:pPr algn="ctr"/>
+                <a:endParaRPr lang="en-GB"/>
+              </a:p>
+            </p:txBody>
+          </p:sp>
+          <p:sp>
+            <p:nvSpPr>
+              <p:cNvPr id="12" name="Rectangle 11">
+                <a:extLst>
+                  <a:ext uri="{FF2B5EF4-FFF2-40B4-BE49-F238E27FC236}">
+                    <a16:creationId xmlns:a16="http://schemas.microsoft.com/office/drawing/2014/main" id="{636C1DDA-1D3A-5047-ECAB-800CF8424199}"/>
+                  </a:ext>
+                </a:extLst>
+              </p:cNvPr>
+              <p:cNvSpPr/>
+              <p:nvPr/>
+            </p:nvSpPr>
+            <p:spPr>
+              <a:xfrm>
+                <a:off x="2957015" y="4686299"/>
+                <a:ext cx="108000" cy="540000"/>
+              </a:xfrm>
+              <a:prstGeom prst="rect">
+                <a:avLst/>
+              </a:prstGeom>
+              <a:solidFill>
+                <a:srgbClr val="FF0000"/>
+              </a:solidFill>
+              <a:ln>
+                <a:solidFill>
+                  <a:srgbClr val="FF0000"/>
+                </a:solidFill>
+              </a:ln>
+            </p:spPr>
+            <p:style>
+              <a:lnRef idx="2">
+                <a:schemeClr val="accent1">
+                  <a:shade val="15000"/>
+                </a:schemeClr>
+              </a:lnRef>
+              <a:fillRef idx="1">
+                <a:schemeClr val="accent1"/>
+              </a:fillRef>
+              <a:effectRef idx="0">
+                <a:schemeClr val="accent1"/>
+              </a:effectRef>
+              <a:fontRef idx="minor">
+                <a:schemeClr val="lt1"/>
+              </a:fontRef>
+            </p:style>
+            <p:txBody>
+              <a:bodyPr rtlCol="0" anchor="ctr"/>
+              <a:lstStyle/>
+              <a:p>
+                <a:pPr algn="ctr"/>
+                <a:endParaRPr lang="en-GB"/>
+              </a:p>
+            </p:txBody>
+          </p:sp>
+          <p:sp>
+            <p:nvSpPr>
+              <p:cNvPr id="13" name="Rectangle 12">
+                <a:extLst>
+                  <a:ext uri="{FF2B5EF4-FFF2-40B4-BE49-F238E27FC236}">
+                    <a16:creationId xmlns:a16="http://schemas.microsoft.com/office/drawing/2014/main" id="{C4339F09-900C-AFC0-009B-245359899834}"/>
+                  </a:ext>
+                </a:extLst>
+              </p:cNvPr>
+              <p:cNvSpPr/>
+              <p:nvPr/>
+            </p:nvSpPr>
+            <p:spPr>
+              <a:xfrm>
+                <a:off x="3235618" y="4686299"/>
+                <a:ext cx="108000" cy="540000"/>
+              </a:xfrm>
+              <a:prstGeom prst="rect">
+                <a:avLst/>
+              </a:prstGeom>
+              <a:solidFill>
+                <a:schemeClr val="accent2">
+                  <a:lumMod val="50000"/>
+                </a:schemeClr>
+              </a:solidFill>
+              <a:ln>
+                <a:solidFill>
+                  <a:schemeClr val="accent2">
+                    <a:lumMod val="50000"/>
+                  </a:schemeClr>
+                </a:solidFill>
+              </a:ln>
+            </p:spPr>
+            <p:style>
+              <a:lnRef idx="2">
+                <a:schemeClr val="accent1">
+                  <a:shade val="15000"/>
+                </a:schemeClr>
+              </a:lnRef>
+              <a:fillRef idx="1">
+                <a:schemeClr val="accent1"/>
+              </a:fillRef>
+              <a:effectRef idx="0">
+                <a:schemeClr val="accent1"/>
+              </a:effectRef>
+              <a:fontRef idx="minor">
+                <a:schemeClr val="lt1"/>
+              </a:fontRef>
+            </p:style>
+            <p:txBody>
+              <a:bodyPr rtlCol="0" anchor="ctr"/>
+              <a:lstStyle/>
+              <a:p>
+                <a:pPr algn="ctr"/>
+                <a:endParaRPr lang="en-GB"/>
+              </a:p>
+            </p:txBody>
+          </p:sp>
+        </p:grpSp>
+        <p:cxnSp>
+          <p:nvCxnSpPr>
+            <p:cNvPr id="16" name="Straight Connector 15">
+              <a:extLst>
+                <a:ext uri="{FF2B5EF4-FFF2-40B4-BE49-F238E27FC236}">
+                  <a16:creationId xmlns:a16="http://schemas.microsoft.com/office/drawing/2014/main" id="{D094A9B6-79EE-8093-B2A0-838891C5653B}"/>
+                </a:ext>
+              </a:extLst>
+            </p:cNvPr>
+            <p:cNvCxnSpPr>
+              <a:stCxn id="2" idx="3"/>
+            </p:cNvCxnSpPr>
+            <p:nvPr/>
+          </p:nvCxnSpPr>
+          <p:spPr>
+            <a:xfrm>
+              <a:off x="4184257" y="5226421"/>
+              <a:ext cx="360000" cy="0"/>
+            </a:xfrm>
+            <a:prstGeom prst="line">
+              <a:avLst/>
+            </a:prstGeom>
+            <a:ln w="57150">
+              <a:solidFill>
+                <a:schemeClr val="tx1"/>
+              </a:solidFill>
+              <a:headEnd type="none" w="med" len="med"/>
+              <a:tailEnd type="none" w="med" len="med"/>
+            </a:ln>
+          </p:spPr>
+          <p:style>
+            <a:lnRef idx="1">
+              <a:schemeClr val="accent1"/>
+            </a:lnRef>
+            <a:fillRef idx="0">
+              <a:schemeClr val="accent1"/>
+            </a:fillRef>
+            <a:effectRef idx="0">
+              <a:schemeClr val="accent1"/>
+            </a:effectRef>
+            <a:fontRef idx="minor">
+              <a:schemeClr val="tx1"/>
+            </a:fontRef>
+          </p:style>
+        </p:cxnSp>
+        <p:cxnSp>
+          <p:nvCxnSpPr>
+            <p:cNvPr id="17" name="Straight Connector 16">
+              <a:extLst>
+                <a:ext uri="{FF2B5EF4-FFF2-40B4-BE49-F238E27FC236}">
+                  <a16:creationId xmlns:a16="http://schemas.microsoft.com/office/drawing/2014/main" id="{82EFCBC7-DD97-CF59-58A8-CD9A38BC0F21}"/>
+                </a:ext>
+              </a:extLst>
+            </p:cNvPr>
+            <p:cNvCxnSpPr>
+              <a:cxnSpLocks/>
+            </p:cNvCxnSpPr>
+            <p:nvPr/>
+          </p:nvCxnSpPr>
+          <p:spPr>
+            <a:xfrm flipH="1">
+              <a:off x="2384257" y="5226421"/>
+              <a:ext cx="360000" cy="0"/>
+            </a:xfrm>
+            <a:prstGeom prst="line">
+              <a:avLst/>
+            </a:prstGeom>
+            <a:ln w="57150">
+              <a:solidFill>
+                <a:schemeClr val="tx1"/>
+              </a:solidFill>
+              <a:headEnd type="none" w="med" len="med"/>
+              <a:tailEnd type="none" w="med" len="med"/>
+            </a:ln>
+          </p:spPr>
+          <p:style>
+            <a:lnRef idx="1">
+              <a:schemeClr val="accent1"/>
+            </a:lnRef>
+            <a:fillRef idx="0">
+              <a:schemeClr val="accent1"/>
+            </a:fillRef>
+            <a:effectRef idx="0">
+              <a:schemeClr val="accent1"/>
+            </a:effectRef>
+            <a:fontRef idx="minor">
+              <a:schemeClr val="tx1"/>
+            </a:fontRef>
+          </p:style>
+        </p:cxnSp>
+      </p:grpSp>
+      <p:grpSp>
+        <p:nvGrpSpPr>
+          <p:cNvPr id="25" name="Group 24">
+            <a:extLst>
+              <a:ext uri="{FF2B5EF4-FFF2-40B4-BE49-F238E27FC236}">
+                <a16:creationId xmlns:a16="http://schemas.microsoft.com/office/drawing/2014/main" id="{15C438EF-4F76-D88C-7F4E-F471E540AA75}"/>
+              </a:ext>
+            </a:extLst>
+          </p:cNvPr>
+          <p:cNvGrpSpPr/>
+          <p:nvPr/>
+        </p:nvGrpSpPr>
+        <p:grpSpPr>
+          <a:xfrm rot="16200000">
+            <a:off x="5566951" y="4395065"/>
+            <a:ext cx="720000" cy="1934984"/>
+            <a:chOff x="5333131" y="5250714"/>
+            <a:chExt cx="418327" cy="1548183"/>
+          </a:xfrm>
+        </p:grpSpPr>
+        <p:sp>
+          <p:nvSpPr>
+            <p:cNvPr id="23" name="Rectangle 22">
+              <a:extLst>
+                <a:ext uri="{FF2B5EF4-FFF2-40B4-BE49-F238E27FC236}">
+                  <a16:creationId xmlns:a16="http://schemas.microsoft.com/office/drawing/2014/main" id="{0B9B4F48-73EC-56E8-7FC0-709D1C1B4B3E}"/>
+                </a:ext>
+              </a:extLst>
+            </p:cNvPr>
+            <p:cNvSpPr/>
+            <p:nvPr/>
+          </p:nvSpPr>
+          <p:spPr>
+            <a:xfrm rot="5400000">
+              <a:off x="4822204" y="5869642"/>
+              <a:ext cx="1440182" cy="418327"/>
+            </a:xfrm>
+            <a:prstGeom prst="rect">
+              <a:avLst/>
+            </a:prstGeom>
+          </p:spPr>
+          <p:style>
+            <a:lnRef idx="2">
+              <a:schemeClr val="dk1">
+                <a:shade val="15000"/>
+              </a:schemeClr>
+            </a:lnRef>
+            <a:fillRef idx="1">
+              <a:schemeClr val="dk1"/>
+            </a:fillRef>
+            <a:effectRef idx="0">
+              <a:schemeClr val="dk1"/>
+            </a:effectRef>
+            <a:fontRef idx="minor">
+              <a:schemeClr val="lt1"/>
+            </a:fontRef>
+          </p:style>
+          <p:txBody>
+            <a:bodyPr rtlCol="0" anchor="ctr"/>
+            <a:lstStyle/>
+            <a:p>
+              <a:pPr algn="ctr"/>
+              <a:r>
+                <a:rPr lang="en-GB" sz="3200" b="1" dirty="0"/>
+                <a:t>Power</a:t>
+              </a:r>
+              <a:endParaRPr lang="en-GB" b="1" dirty="0"/>
+            </a:p>
+          </p:txBody>
+        </p:sp>
+        <p:sp>
+          <p:nvSpPr>
+            <p:cNvPr id="24" name="Rectangle 23">
+              <a:extLst>
+                <a:ext uri="{FF2B5EF4-FFF2-40B4-BE49-F238E27FC236}">
+                  <a16:creationId xmlns:a16="http://schemas.microsoft.com/office/drawing/2014/main" id="{80208ECD-1E01-26CC-C5E5-CFECD8E95F0B}"/>
+                </a:ext>
+              </a:extLst>
+            </p:cNvPr>
+            <p:cNvSpPr/>
+            <p:nvPr/>
+          </p:nvSpPr>
+          <p:spPr>
+            <a:xfrm>
+              <a:off x="5385422" y="5250714"/>
+              <a:ext cx="313745" cy="108000"/>
+            </a:xfrm>
+            <a:prstGeom prst="rect">
+              <a:avLst/>
+            </a:prstGeom>
+            <a:solidFill>
+              <a:schemeClr val="bg1">
+                <a:lumMod val="65000"/>
+              </a:schemeClr>
+            </a:solidFill>
+            <a:ln>
+              <a:noFill/>
+            </a:ln>
+          </p:spPr>
+          <p:style>
+            <a:lnRef idx="2">
+              <a:schemeClr val="accent1">
+                <a:shade val="15000"/>
+              </a:schemeClr>
+            </a:lnRef>
+            <a:fillRef idx="1">
+              <a:schemeClr val="accent1"/>
+            </a:fillRef>
+            <a:effectRef idx="0">
+              <a:schemeClr val="accent1"/>
+            </a:effectRef>
+            <a:fontRef idx="minor">
+              <a:schemeClr val="lt1"/>
+            </a:fontRef>
+          </p:style>
+          <p:txBody>
+            <a:bodyPr rtlCol="0" anchor="ctr"/>
+            <a:lstStyle/>
+            <a:p>
+              <a:pPr algn="ctr"/>
+              <a:endParaRPr lang="en-GB"/>
+            </a:p>
+          </p:txBody>
+        </p:sp>
+      </p:grpSp>
+      <mc:AlternateContent xmlns:mc="http://schemas.openxmlformats.org/markup-compatibility/2006">
+        <mc:Choice xmlns:p14="http://schemas.microsoft.com/office/powerpoint/2010/main" Requires="p14">
+          <p:contentPart p14:bwMode="auto" r:id="rId4">
+            <p14:nvContentPartPr>
+              <p14:cNvPr id="28" name="Ink 27">
+                <a:extLst>
+                  <a:ext uri="{FF2B5EF4-FFF2-40B4-BE49-F238E27FC236}">
+                    <a16:creationId xmlns:a16="http://schemas.microsoft.com/office/drawing/2014/main" id="{AA411AC1-C9B5-C894-B587-6A820021DF05}"/>
+                  </a:ext>
+                </a:extLst>
+              </p14:cNvPr>
+              <p14:cNvContentPartPr/>
+              <p14:nvPr/>
+            </p14:nvContentPartPr>
+            <p14:xfrm>
+              <a:off x="6908400" y="3906734"/>
+              <a:ext cx="1252800" cy="1542944"/>
+            </p14:xfrm>
+          </p:contentPart>
+        </mc:Choice>
+        <mc:Fallback>
+          <p:pic>
+            <p:nvPicPr>
+              <p:cNvPr id="28" name="Ink 27">
+                <a:extLst>
+                  <a:ext uri="{FF2B5EF4-FFF2-40B4-BE49-F238E27FC236}">
+                    <a16:creationId xmlns:a16="http://schemas.microsoft.com/office/drawing/2014/main" id="{AA411AC1-C9B5-C894-B587-6A820021DF05}"/>
+                  </a:ext>
+                </a:extLst>
+              </p:cNvPr>
+              <p:cNvPicPr/>
+              <p:nvPr/>
+            </p:nvPicPr>
+            <p:blipFill>
+              <a:blip r:embed="rId5"/>
+              <a:stretch>
+                <a:fillRect/>
+              </a:stretch>
+            </p:blipFill>
+            <p:spPr>
+              <a:xfrm>
+                <a:off x="6889680" y="3887654"/>
+                <a:ext cx="1290600" cy="1580384"/>
+              </a:xfrm>
+              <a:prstGeom prst="rect">
+                <a:avLst/>
+              </a:prstGeom>
+            </p:spPr>
+          </p:pic>
+        </mc:Fallback>
+      </mc:AlternateContent>
+      <mc:AlternateContent xmlns:mc="http://schemas.openxmlformats.org/markup-compatibility/2006">
+        <mc:Choice xmlns:p14="http://schemas.microsoft.com/office/powerpoint/2010/main" Requires="p14">
+          <p:contentPart p14:bwMode="auto" r:id="rId6">
+            <p14:nvContentPartPr>
+              <p14:cNvPr id="32" name="Ink 31">
+                <a:extLst>
+                  <a:ext uri="{FF2B5EF4-FFF2-40B4-BE49-F238E27FC236}">
+                    <a16:creationId xmlns:a16="http://schemas.microsoft.com/office/drawing/2014/main" id="{A44F0AF7-90AE-E515-BEE1-2766C9D7A9F0}"/>
+                  </a:ext>
+                </a:extLst>
+              </p14:cNvPr>
+              <p14:cNvContentPartPr/>
+              <p14:nvPr/>
+            </p14:nvContentPartPr>
+            <p14:xfrm>
+              <a:off x="4441387" y="4185923"/>
+              <a:ext cx="1938683" cy="348120"/>
+            </p14:xfrm>
+          </p:contentPart>
+        </mc:Choice>
+        <mc:Fallback>
+          <p:pic>
+            <p:nvPicPr>
+              <p:cNvPr id="32" name="Ink 31">
+                <a:extLst>
+                  <a:ext uri="{FF2B5EF4-FFF2-40B4-BE49-F238E27FC236}">
+                    <a16:creationId xmlns:a16="http://schemas.microsoft.com/office/drawing/2014/main" id="{A44F0AF7-90AE-E515-BEE1-2766C9D7A9F0}"/>
+                  </a:ext>
+                </a:extLst>
+              </p:cNvPr>
+              <p:cNvPicPr/>
+              <p:nvPr/>
+            </p:nvPicPr>
+            <p:blipFill>
+              <a:blip r:embed="rId7"/>
+              <a:stretch>
+                <a:fillRect/>
+              </a:stretch>
+            </p:blipFill>
+            <p:spPr>
+              <a:xfrm>
+                <a:off x="4422306" y="4167203"/>
+                <a:ext cx="1976485" cy="385920"/>
+              </a:xfrm>
+              <a:prstGeom prst="rect">
+                <a:avLst/>
+              </a:prstGeom>
+            </p:spPr>
+          </p:pic>
+        </mc:Fallback>
+      </mc:AlternateContent>
+      <mc:AlternateContent xmlns:mc="http://schemas.openxmlformats.org/markup-compatibility/2006">
+        <mc:Choice xmlns:p14="http://schemas.microsoft.com/office/powerpoint/2010/main" Requires="p14">
+          <p:contentPart p14:bwMode="auto" r:id="rId8">
+            <p14:nvContentPartPr>
+              <p14:cNvPr id="35" name="Ink 34">
+                <a:extLst>
+                  <a:ext uri="{FF2B5EF4-FFF2-40B4-BE49-F238E27FC236}">
+                    <a16:creationId xmlns:a16="http://schemas.microsoft.com/office/drawing/2014/main" id="{FD96E391-8EC6-3D0E-46DE-2C73FFF3A487}"/>
+                  </a:ext>
+                </a:extLst>
+              </p14:cNvPr>
+              <p14:cNvContentPartPr/>
+              <p14:nvPr/>
+            </p14:nvContentPartPr>
+            <p14:xfrm>
+              <a:off x="1428750" y="4195687"/>
+              <a:ext cx="3528600" cy="1208717"/>
+            </p14:xfrm>
+          </p:contentPart>
+        </mc:Choice>
+        <mc:Fallback>
+          <p:pic>
+            <p:nvPicPr>
+              <p:cNvPr id="35" name="Ink 34">
+                <a:extLst>
+                  <a:ext uri="{FF2B5EF4-FFF2-40B4-BE49-F238E27FC236}">
+                    <a16:creationId xmlns:a16="http://schemas.microsoft.com/office/drawing/2014/main" id="{FD96E391-8EC6-3D0E-46DE-2C73FFF3A487}"/>
+                  </a:ext>
+                </a:extLst>
+              </p:cNvPr>
+              <p:cNvPicPr/>
+              <p:nvPr/>
+            </p:nvPicPr>
+            <p:blipFill>
+              <a:blip r:embed="rId9"/>
+              <a:stretch>
+                <a:fillRect/>
+              </a:stretch>
+            </p:blipFill>
+            <p:spPr>
+              <a:xfrm>
+                <a:off x="1410031" y="4176610"/>
+                <a:ext cx="3566039" cy="1246512"/>
+              </a:xfrm>
+              <a:prstGeom prst="rect">
+                <a:avLst/>
+              </a:prstGeom>
+            </p:spPr>
+          </p:pic>
+        </mc:Fallback>
+      </mc:AlternateContent>
+      <p:sp>
+        <p:nvSpPr>
+          <p:cNvPr id="36" name="TextBox 35">
+            <a:extLst>
+              <a:ext uri="{FF2B5EF4-FFF2-40B4-BE49-F238E27FC236}">
+                <a16:creationId xmlns:a16="http://schemas.microsoft.com/office/drawing/2014/main" id="{90085C35-7FC7-B581-E6FE-C3110D42DA48}"/>
+              </a:ext>
+            </a:extLst>
+          </p:cNvPr>
+          <p:cNvSpPr txBox="1"/>
+          <p:nvPr/>
+        </p:nvSpPr>
+        <p:spPr>
+          <a:xfrm>
+            <a:off x="2634966" y="3335307"/>
+            <a:ext cx="1507272" cy="584775"/>
+          </a:xfrm>
+          <a:prstGeom prst="rect">
+            <a:avLst/>
+          </a:prstGeom>
+          <a:ln w="38100">
+            <a:noFill/>
+            <a:tailEnd type="triangle" w="lg" len="lg"/>
+          </a:ln>
+        </p:spPr>
+        <p:style>
+          <a:lnRef idx="1">
+            <a:schemeClr val="accent1"/>
+          </a:lnRef>
+          <a:fillRef idx="0">
+            <a:schemeClr val="accent1"/>
+          </a:fillRef>
+          <a:effectRef idx="0">
+            <a:schemeClr val="accent1"/>
+          </a:effectRef>
+          <a:fontRef idx="minor">
+            <a:schemeClr val="tx1"/>
+          </a:fontRef>
+        </p:style>
+        <p:txBody>
+          <a:bodyPr wrap="none" rtlCol="0">
+            <a:spAutoFit/>
+          </a:bodyPr>
+          <a:lstStyle>
+            <a:defPPr>
+              <a:defRPr lang="en-US"/>
+            </a:defPPr>
+            <a:lvl1pPr>
+              <a:defRPr sz="3200">
+                <a:solidFill>
+                  <a:srgbClr val="7030A0"/>
+                </a:solidFill>
+              </a:defRPr>
+            </a:lvl1pPr>
+          </a:lstStyle>
+          <a:p>
+            <a:pPr algn="ctr"/>
+            <a:r>
+              <a:rPr lang="en-GB" dirty="0"/>
+              <a:t>Resistor</a:t>
+            </a:r>
+            <a:endParaRPr lang="en-GB" sz="2400" dirty="0"/>
+          </a:p>
+        </p:txBody>
+      </p:sp>
+      <p:sp>
+        <p:nvSpPr>
+          <p:cNvPr id="37" name="TextBox 36">
+            <a:extLst>
+              <a:ext uri="{FF2B5EF4-FFF2-40B4-BE49-F238E27FC236}">
+                <a16:creationId xmlns:a16="http://schemas.microsoft.com/office/drawing/2014/main" id="{5003D484-5735-3856-C241-390DC9C4D9E4}"/>
+              </a:ext>
+            </a:extLst>
+          </p:cNvPr>
+          <p:cNvSpPr txBox="1"/>
+          <p:nvPr/>
+        </p:nvSpPr>
+        <p:spPr>
+          <a:xfrm>
+            <a:off x="8904433" y="5780782"/>
+            <a:ext cx="3287567" cy="1077218"/>
+          </a:xfrm>
+          <a:prstGeom prst="rect">
+            <a:avLst/>
+          </a:prstGeom>
+          <a:ln w="38100">
+            <a:noFill/>
+            <a:tailEnd type="triangle" w="lg" len="lg"/>
+          </a:ln>
+        </p:spPr>
+        <p:style>
+          <a:lnRef idx="1">
+            <a:schemeClr val="accent1"/>
+          </a:lnRef>
+          <a:fillRef idx="0">
+            <a:schemeClr val="accent1"/>
+          </a:fillRef>
+          <a:effectRef idx="0">
+            <a:schemeClr val="accent1"/>
+          </a:effectRef>
+          <a:fontRef idx="minor">
+            <a:schemeClr val="tx1"/>
+          </a:fontRef>
+        </p:style>
+        <p:txBody>
+          <a:bodyPr wrap="none" rtlCol="0">
+            <a:spAutoFit/>
+          </a:bodyPr>
+          <a:lstStyle>
+            <a:defPPr>
+              <a:defRPr lang="en-US"/>
+            </a:defPPr>
+            <a:lvl1pPr>
+              <a:defRPr sz="3200">
+                <a:solidFill>
+                  <a:srgbClr val="7030A0"/>
+                </a:solidFill>
+              </a:defRPr>
+            </a:lvl1pPr>
+          </a:lstStyle>
+          <a:p>
+            <a:pPr algn="ctr"/>
+            <a:r>
+              <a:rPr lang="en-GB" dirty="0">
+                <a:solidFill>
+                  <a:srgbClr val="548235"/>
+                </a:solidFill>
+              </a:rPr>
+              <a:t>LED – One way</a:t>
+            </a:r>
+          </a:p>
+          <a:p>
+            <a:pPr algn="ctr"/>
+            <a:r>
+              <a:rPr lang="en-GB" dirty="0">
+                <a:solidFill>
+                  <a:srgbClr val="548235"/>
+                </a:solidFill>
+              </a:rPr>
+              <a:t>Resistor – Any way</a:t>
+            </a:r>
+          </a:p>
+        </p:txBody>
+      </p:sp>
+      <p:sp>
+        <p:nvSpPr>
+          <p:cNvPr id="38" name="Callout: Bent Line with No Border 37">
+            <a:extLst>
+              <a:ext uri="{FF2B5EF4-FFF2-40B4-BE49-F238E27FC236}">
+                <a16:creationId xmlns:a16="http://schemas.microsoft.com/office/drawing/2014/main" id="{19F002B1-551E-33D4-AB8E-ADCF84BF739F}"/>
+              </a:ext>
+            </a:extLst>
+          </p:cNvPr>
+          <p:cNvSpPr/>
+          <p:nvPr/>
+        </p:nvSpPr>
+        <p:spPr>
+          <a:xfrm>
+            <a:off x="8439680" y="2661995"/>
+            <a:ext cx="828000" cy="584775"/>
+          </a:xfrm>
+          <a:prstGeom prst="callout2">
+            <a:avLst>
+              <a:gd name="adj1" fmla="val 50105"/>
+              <a:gd name="adj2" fmla="val -599"/>
+              <a:gd name="adj3" fmla="val 50576"/>
+              <a:gd name="adj4" fmla="val -79503"/>
+              <a:gd name="adj5" fmla="val 131309"/>
+              <a:gd name="adj6" fmla="val -137303"/>
+            </a:avLst>
+          </a:prstGeom>
+          <a:ln w="38100">
+            <a:solidFill>
+              <a:srgbClr val="7030A0"/>
+            </a:solidFill>
+            <a:tailEnd type="triangle" w="lg" len="lg"/>
+          </a:ln>
+        </p:spPr>
+        <p:style>
+          <a:lnRef idx="1">
+            <a:schemeClr val="accent1"/>
+          </a:lnRef>
+          <a:fillRef idx="0">
+            <a:schemeClr val="accent1"/>
+          </a:fillRef>
+          <a:effectRef idx="0">
+            <a:schemeClr val="accent1"/>
+          </a:effectRef>
+          <a:fontRef idx="minor">
+            <a:schemeClr val="tx1"/>
+          </a:fontRef>
+        </p:style>
+        <p:txBody>
+          <a:bodyPr wrap="none" rtlCol="0">
+            <a:spAutoFit/>
+          </a:bodyPr>
+          <a:lstStyle/>
+          <a:p>
+            <a:r>
+              <a:rPr lang="en-GB" sz="3200" dirty="0">
+                <a:solidFill>
+                  <a:srgbClr val="7030A0"/>
+                </a:solidFill>
+              </a:rPr>
+              <a:t>-Ve</a:t>
+            </a:r>
+          </a:p>
+        </p:txBody>
+      </p:sp>
+    </p:spTree>
+    <p:extLst>
+      <p:ext uri="{BB962C8B-B14F-4D97-AF65-F5344CB8AC3E}">
+        <p14:creationId xmlns:p14="http://schemas.microsoft.com/office/powerpoint/2010/main" val="9972272"/>
+      </p:ext>
+    </p:extLst>
+  </p:cSld>
+  <p:clrMapOvr>
+    <a:masterClrMapping/>
+  </p:clrMapOvr>
+  <p:timing>
+    <p:tnLst>
+      <p:par>
+        <p:cTn id="1" dur="indefinite" restart="never" nodeType="tmRoot">
+          <p:childTnLst>
+            <p:seq concurrent="1" nextAc="seek">
+              <p:cTn id="2" dur="indefinite" nodeType="mainSeq">
+                <p:childTnLst>
+                  <p:par>
+                    <p:cTn id="3" fill="hold">
+                      <p:stCondLst>
+                        <p:cond delay="indefinite"/>
+                      </p:stCondLst>
+                      <p:childTnLst>
+                        <p:par>
+                          <p:cTn id="4" fill="hold">
+                            <p:stCondLst>
+                              <p:cond delay="0"/>
+                            </p:stCondLst>
+                            <p:childTnLst>
+                              <p:par>
+                                <p:cTn id="5" presetID="22" presetClass="entr" presetSubtype="8" fill="hold" nodeType="clickEffect">
+                                  <p:stCondLst>
+                                    <p:cond delay="0"/>
+                                  </p:stCondLst>
+                                  <p:childTnLst>
+                                    <p:set>
+                                      <p:cBhvr>
+                                        <p:cTn id="6" dur="1" fill="hold">
+                                          <p:stCondLst>
+                                            <p:cond delay="0"/>
+                                          </p:stCondLst>
+                                        </p:cTn>
+                                        <p:tgtEl>
+                                          <p:spTgt spid="25"/>
+                                        </p:tgtEl>
+                                        <p:attrNameLst>
+                                          <p:attrName>style.visibility</p:attrName>
+                                        </p:attrNameLst>
+                                      </p:cBhvr>
+                                      <p:to>
+                                        <p:strVal val="visible"/>
+                                      </p:to>
+                                    </p:set>
+                                    <p:animEffect transition="in" filter="wipe(left)">
+                                      <p:cBhvr>
+                                        <p:cTn id="7" dur="1000"/>
+                                        <p:tgtEl>
+                                          <p:spTgt spid="25"/>
+                                        </p:tgtEl>
+                                      </p:cBhvr>
+                                    </p:animEffect>
+                                  </p:childTnLst>
+                                </p:cTn>
+                              </p:par>
+                            </p:childTnLst>
+                          </p:cTn>
+                        </p:par>
+                      </p:childTnLst>
+                    </p:cTn>
+                  </p:par>
+                  <p:par>
+                    <p:cTn id="8" fill="hold">
+                      <p:stCondLst>
+                        <p:cond delay="indefinite"/>
+                      </p:stCondLst>
+                      <p:childTnLst>
+                        <p:par>
+                          <p:cTn id="9" fill="hold">
+                            <p:stCondLst>
+                              <p:cond delay="0"/>
+                            </p:stCondLst>
+                            <p:childTnLst>
+                              <p:par>
+                                <p:cTn id="10" presetID="22" presetClass="entr" presetSubtype="8" fill="hold" grpId="0" nodeType="clickEffect">
+                                  <p:stCondLst>
+                                    <p:cond delay="0"/>
+                                  </p:stCondLst>
+                                  <p:childTnLst>
+                                    <p:set>
+                                      <p:cBhvr>
+                                        <p:cTn id="11" dur="1" fill="hold">
+                                          <p:stCondLst>
+                                            <p:cond delay="0"/>
+                                          </p:stCondLst>
+                                        </p:cTn>
+                                        <p:tgtEl>
+                                          <p:spTgt spid="8"/>
+                                        </p:tgtEl>
+                                        <p:attrNameLst>
+                                          <p:attrName>style.visibility</p:attrName>
+                                        </p:attrNameLst>
+                                      </p:cBhvr>
+                                      <p:to>
+                                        <p:strVal val="visible"/>
+                                      </p:to>
+                                    </p:set>
+                                    <p:animEffect transition="in" filter="wipe(left)">
+                                      <p:cBhvr>
+                                        <p:cTn id="12" dur="1000"/>
+                                        <p:tgtEl>
+                                          <p:spTgt spid="8"/>
+                                        </p:tgtEl>
+                                      </p:cBhvr>
+                                    </p:animEffect>
+                                  </p:childTnLst>
+                                </p:cTn>
+                              </p:par>
+                            </p:childTnLst>
+                          </p:cTn>
+                        </p:par>
+                      </p:childTnLst>
+                    </p:cTn>
+                  </p:par>
+                  <p:par>
+                    <p:cTn id="13" fill="hold">
+                      <p:stCondLst>
+                        <p:cond delay="indefinite"/>
+                      </p:stCondLst>
+                      <p:childTnLst>
+                        <p:par>
+                          <p:cTn id="14" fill="hold">
+                            <p:stCondLst>
+                              <p:cond delay="0"/>
+                            </p:stCondLst>
+                            <p:childTnLst>
+                              <p:par>
+                                <p:cTn id="15" presetID="22" presetClass="entr" presetSubtype="8" fill="hold" grpId="0" nodeType="clickEffect">
+                                  <p:stCondLst>
+                                    <p:cond delay="0"/>
+                                  </p:stCondLst>
+                                  <p:childTnLst>
+                                    <p:set>
+                                      <p:cBhvr>
+                                        <p:cTn id="16" dur="1" fill="hold">
+                                          <p:stCondLst>
+                                            <p:cond delay="0"/>
+                                          </p:stCondLst>
+                                        </p:cTn>
+                                        <p:tgtEl>
+                                          <p:spTgt spid="9"/>
+                                        </p:tgtEl>
+                                        <p:attrNameLst>
+                                          <p:attrName>style.visibility</p:attrName>
+                                        </p:attrNameLst>
+                                      </p:cBhvr>
+                                      <p:to>
+                                        <p:strVal val="visible"/>
+                                      </p:to>
+                                    </p:set>
+                                    <p:animEffect transition="in" filter="wipe(left)">
+                                      <p:cBhvr>
+                                        <p:cTn id="17" dur="1000"/>
+                                        <p:tgtEl>
+                                          <p:spTgt spid="9"/>
+                                        </p:tgtEl>
+                                      </p:cBhvr>
+                                    </p:animEffect>
+                                  </p:childTnLst>
+                                </p:cTn>
+                              </p:par>
+                            </p:childTnLst>
+                          </p:cTn>
+                        </p:par>
+                      </p:childTnLst>
+                    </p:cTn>
+                  </p:par>
+                  <p:par>
+                    <p:cTn id="18" fill="hold">
+                      <p:stCondLst>
+                        <p:cond delay="indefinite"/>
+                      </p:stCondLst>
+                      <p:childTnLst>
+                        <p:par>
+                          <p:cTn id="19" fill="hold">
+                            <p:stCondLst>
+                              <p:cond delay="0"/>
+                            </p:stCondLst>
+                            <p:childTnLst>
+                              <p:par>
+                                <p:cTn id="20" presetID="22" presetClass="entr" presetSubtype="8" fill="hold" grpId="0" nodeType="clickEffect">
+                                  <p:stCondLst>
+                                    <p:cond delay="0"/>
+                                  </p:stCondLst>
+                                  <p:childTnLst>
+                                    <p:set>
+                                      <p:cBhvr>
+                                        <p:cTn id="21" dur="1" fill="hold">
+                                          <p:stCondLst>
+                                            <p:cond delay="0"/>
+                                          </p:stCondLst>
+                                        </p:cTn>
+                                        <p:tgtEl>
+                                          <p:spTgt spid="7"/>
+                                        </p:tgtEl>
+                                        <p:attrNameLst>
+                                          <p:attrName>style.visibility</p:attrName>
+                                        </p:attrNameLst>
+                                      </p:cBhvr>
+                                      <p:to>
+                                        <p:strVal val="visible"/>
+                                      </p:to>
+                                    </p:set>
+                                    <p:animEffect transition="in" filter="wipe(left)">
+                                      <p:cBhvr>
+                                        <p:cTn id="22" dur="1500"/>
+                                        <p:tgtEl>
+                                          <p:spTgt spid="7"/>
+                                        </p:tgtEl>
+                                      </p:cBhvr>
+                                    </p:animEffect>
+                                  </p:childTnLst>
+                                </p:cTn>
+                              </p:par>
+                            </p:childTnLst>
+                          </p:cTn>
+                        </p:par>
+                      </p:childTnLst>
+                    </p:cTn>
+                  </p:par>
+                  <p:par>
+                    <p:cTn id="23" fill="hold">
+                      <p:stCondLst>
+                        <p:cond delay="indefinite"/>
+                      </p:stCondLst>
+                      <p:childTnLst>
+                        <p:par>
+                          <p:cTn id="24" fill="hold">
+                            <p:stCondLst>
+                              <p:cond delay="0"/>
+                            </p:stCondLst>
+                            <p:childTnLst>
+                              <p:par>
+                                <p:cTn id="25" presetID="22" presetClass="entr" presetSubtype="8" fill="hold" grpId="0" nodeType="clickEffect">
+                                  <p:stCondLst>
+                                    <p:cond delay="0"/>
+                                  </p:stCondLst>
+                                  <p:childTnLst>
+                                    <p:set>
+                                      <p:cBhvr>
+                                        <p:cTn id="26" dur="1" fill="hold">
+                                          <p:stCondLst>
+                                            <p:cond delay="0"/>
+                                          </p:stCondLst>
+                                        </p:cTn>
+                                        <p:tgtEl>
+                                          <p:spTgt spid="38"/>
+                                        </p:tgtEl>
+                                        <p:attrNameLst>
+                                          <p:attrName>style.visibility</p:attrName>
+                                        </p:attrNameLst>
+                                      </p:cBhvr>
+                                      <p:to>
+                                        <p:strVal val="visible"/>
+                                      </p:to>
+                                    </p:set>
+                                    <p:animEffect transition="in" filter="wipe(left)">
+                                      <p:cBhvr>
+                                        <p:cTn id="27" dur="1500"/>
+                                        <p:tgtEl>
+                                          <p:spTgt spid="38"/>
+                                        </p:tgtEl>
+                                      </p:cBhvr>
+                                    </p:animEffect>
+                                  </p:childTnLst>
+                                </p:cTn>
+                              </p:par>
+                            </p:childTnLst>
+                          </p:cTn>
+                        </p:par>
+                      </p:childTnLst>
+                    </p:cTn>
+                  </p:par>
+                  <p:par>
+                    <p:cTn id="28" fill="hold">
+                      <p:stCondLst>
+                        <p:cond delay="indefinite"/>
+                      </p:stCondLst>
+                      <p:childTnLst>
+                        <p:par>
+                          <p:cTn id="29" fill="hold">
+                            <p:stCondLst>
+                              <p:cond delay="0"/>
+                            </p:stCondLst>
+                            <p:childTnLst>
+                              <p:par>
+                                <p:cTn id="30" presetID="22" presetClass="entr" presetSubtype="8" fill="hold" grpId="0" nodeType="clickEffect">
+                                  <p:stCondLst>
+                                    <p:cond delay="0"/>
+                                  </p:stCondLst>
+                                  <p:childTnLst>
+                                    <p:set>
+                                      <p:cBhvr>
+                                        <p:cTn id="31" dur="1" fill="hold">
+                                          <p:stCondLst>
+                                            <p:cond delay="0"/>
+                                          </p:stCondLst>
+                                        </p:cTn>
+                                        <p:tgtEl>
+                                          <p:spTgt spid="6"/>
+                                        </p:tgtEl>
+                                        <p:attrNameLst>
+                                          <p:attrName>style.visibility</p:attrName>
+                                        </p:attrNameLst>
+                                      </p:cBhvr>
+                                      <p:to>
+                                        <p:strVal val="visible"/>
+                                      </p:to>
+                                    </p:set>
+                                    <p:animEffect transition="in" filter="wipe(left)">
+                                      <p:cBhvr>
+                                        <p:cTn id="32" dur="1500"/>
+                                        <p:tgtEl>
+                                          <p:spTgt spid="6"/>
+                                        </p:tgtEl>
+                                      </p:cBhvr>
+                                    </p:animEffect>
+                                  </p:childTnLst>
+                                </p:cTn>
+                              </p:par>
+                            </p:childTnLst>
+                          </p:cTn>
+                        </p:par>
+                      </p:childTnLst>
+                    </p:cTn>
+                  </p:par>
+                  <p:par>
+                    <p:cTn id="33" fill="hold">
+                      <p:stCondLst>
+                        <p:cond delay="indefinite"/>
+                      </p:stCondLst>
+                      <p:childTnLst>
+                        <p:par>
+                          <p:cTn id="34" fill="hold">
+                            <p:stCondLst>
+                              <p:cond delay="0"/>
+                            </p:stCondLst>
+                            <p:childTnLst>
+                              <p:par>
+                                <p:cTn id="35" presetID="22" presetClass="entr" presetSubtype="8" fill="hold" grpId="0" nodeType="clickEffect">
+                                  <p:stCondLst>
+                                    <p:cond delay="0"/>
+                                  </p:stCondLst>
+                                  <p:childTnLst>
+                                    <p:set>
+                                      <p:cBhvr>
+                                        <p:cTn id="36" dur="1" fill="hold">
+                                          <p:stCondLst>
+                                            <p:cond delay="0"/>
+                                          </p:stCondLst>
+                                        </p:cTn>
+                                        <p:tgtEl>
+                                          <p:spTgt spid="36"/>
+                                        </p:tgtEl>
+                                        <p:attrNameLst>
+                                          <p:attrName>style.visibility</p:attrName>
+                                        </p:attrNameLst>
+                                      </p:cBhvr>
+                                      <p:to>
+                                        <p:strVal val="visible"/>
+                                      </p:to>
+                                    </p:set>
+                                    <p:animEffect transition="in" filter="wipe(left)">
+                                      <p:cBhvr>
+                                        <p:cTn id="37" dur="1000"/>
+                                        <p:tgtEl>
+                                          <p:spTgt spid="36"/>
+                                        </p:tgtEl>
+                                      </p:cBhvr>
+                                    </p:animEffect>
+                                  </p:childTnLst>
+                                </p:cTn>
+                              </p:par>
+                              <p:par>
+                                <p:cTn id="38" presetID="22" presetClass="entr" presetSubtype="8" fill="hold" nodeType="withEffect">
+                                  <p:stCondLst>
+                                    <p:cond delay="0"/>
+                                  </p:stCondLst>
+                                  <p:childTnLst>
+                                    <p:set>
+                                      <p:cBhvr>
+                                        <p:cTn id="39" dur="1" fill="hold">
+                                          <p:stCondLst>
+                                            <p:cond delay="0"/>
+                                          </p:stCondLst>
+                                        </p:cTn>
+                                        <p:tgtEl>
+                                          <p:spTgt spid="22"/>
+                                        </p:tgtEl>
+                                        <p:attrNameLst>
+                                          <p:attrName>style.visibility</p:attrName>
+                                        </p:attrNameLst>
+                                      </p:cBhvr>
+                                      <p:to>
+                                        <p:strVal val="visible"/>
+                                      </p:to>
+                                    </p:set>
+                                    <p:animEffect transition="in" filter="wipe(left)">
+                                      <p:cBhvr>
+                                        <p:cTn id="40" dur="1000"/>
+                                        <p:tgtEl>
+                                          <p:spTgt spid="22"/>
+                                        </p:tgtEl>
+                                      </p:cBhvr>
+                                    </p:animEffect>
+                                  </p:childTnLst>
+                                </p:cTn>
+                              </p:par>
+                            </p:childTnLst>
+                          </p:cTn>
+                        </p:par>
+                      </p:childTnLst>
+                    </p:cTn>
+                  </p:par>
+                  <p:par>
+                    <p:cTn id="41" fill="hold">
+                      <p:stCondLst>
+                        <p:cond delay="indefinite"/>
+                      </p:stCondLst>
+                      <p:childTnLst>
+                        <p:par>
+                          <p:cTn id="42" fill="hold">
+                            <p:stCondLst>
+                              <p:cond delay="0"/>
+                            </p:stCondLst>
+                            <p:childTnLst>
+                              <p:par>
+                                <p:cTn id="43" presetID="63" presetClass="entr" presetSubtype="0" fill="hold" nodeType="clickEffect">
+                                  <p:stCondLst>
+                                    <p:cond delay="0"/>
+                                  </p:stCondLst>
+                                  <p:childTnLst>
+                                    <p:set>
+                                      <p:cBhvr>
+                                        <p:cTn id="44" dur="1" fill="hold">
+                                          <p:stCondLst>
+                                            <p:cond delay="0"/>
+                                          </p:stCondLst>
+                                        </p:cTn>
+                                        <p:tgtEl>
+                                          <p:spTgt spid="35"/>
+                                        </p:tgtEl>
+                                        <p:attrNameLst>
+                                          <p:attrName>style.visibility</p:attrName>
+                                        </p:attrNameLst>
+                                      </p:cBhvr>
+                                      <p:to>
+                                        <p:strVal val="visible"/>
+                                      </p:to>
+                                    </p:set>
+                                    <p:anim calcmode="lin" valueType="num">
+                                      <p:cBhvr>
+                                        <p:cTn id="45" dur="2000" fill="hold"/>
+                                        <p:tgtEl>
+                                          <p:spTgt spid="35"/>
+                                        </p:tgtEl>
+                                        <p:attrNameLst>
+                                          <p:attrName>drawProgress</p:attrName>
+                                        </p:attrNameLst>
+                                      </p:cBhvr>
+                                      <p:tavLst>
+                                        <p:tav tm="0">
+                                          <p:val>
+                                            <p:fltVal val="0"/>
+                                          </p:val>
+                                        </p:tav>
+                                        <p:tav tm="100000">
+                                          <p:val>
+                                            <p:fltVal val="1"/>
+                                          </p:val>
+                                        </p:tav>
+                                      </p:tavLst>
+                                    </p:anim>
+                                  </p:childTnLst>
+                                </p:cTn>
+                              </p:par>
+                            </p:childTnLst>
+                          </p:cTn>
+                        </p:par>
+                      </p:childTnLst>
+                    </p:cTn>
+                  </p:par>
+                  <p:par>
+                    <p:cTn id="46" fill="hold">
+                      <p:stCondLst>
+                        <p:cond delay="indefinite"/>
+                      </p:stCondLst>
+                      <p:childTnLst>
+                        <p:par>
+                          <p:cTn id="47" fill="hold">
+                            <p:stCondLst>
+                              <p:cond delay="0"/>
+                            </p:stCondLst>
+                            <p:childTnLst>
+                              <p:par>
+                                <p:cTn id="48" presetID="63" presetClass="entr" presetSubtype="0" fill="hold" nodeType="clickEffect">
+                                  <p:stCondLst>
+                                    <p:cond delay="0"/>
+                                  </p:stCondLst>
+                                  <p:childTnLst>
+                                    <p:set>
+                                      <p:cBhvr>
+                                        <p:cTn id="49" dur="1" fill="hold">
+                                          <p:stCondLst>
+                                            <p:cond delay="0"/>
+                                          </p:stCondLst>
+                                        </p:cTn>
+                                        <p:tgtEl>
+                                          <p:spTgt spid="32"/>
+                                        </p:tgtEl>
+                                        <p:attrNameLst>
+                                          <p:attrName>style.visibility</p:attrName>
+                                        </p:attrNameLst>
+                                      </p:cBhvr>
+                                      <p:to>
+                                        <p:strVal val="visible"/>
+                                      </p:to>
+                                    </p:set>
+                                    <p:anim calcmode="lin" valueType="num">
+                                      <p:cBhvr>
+                                        <p:cTn id="50" dur="2000" fill="hold"/>
+                                        <p:tgtEl>
+                                          <p:spTgt spid="32"/>
+                                        </p:tgtEl>
+                                        <p:attrNameLst>
+                                          <p:attrName>drawProgress</p:attrName>
+                                        </p:attrNameLst>
+                                      </p:cBhvr>
+                                      <p:tavLst>
+                                        <p:tav tm="0">
+                                          <p:val>
+                                            <p:fltVal val="0"/>
+                                          </p:val>
+                                        </p:tav>
+                                        <p:tav tm="100000">
+                                          <p:val>
+                                            <p:fltVal val="1"/>
+                                          </p:val>
+                                        </p:tav>
+                                      </p:tavLst>
+                                    </p:anim>
+                                  </p:childTnLst>
+                                </p:cTn>
+                              </p:par>
+                            </p:childTnLst>
+                          </p:cTn>
+                        </p:par>
+                      </p:childTnLst>
+                    </p:cTn>
+                  </p:par>
+                  <p:par>
+                    <p:cTn id="51" fill="hold">
+                      <p:stCondLst>
+                        <p:cond delay="indefinite"/>
+                      </p:stCondLst>
+                      <p:childTnLst>
+                        <p:par>
+                          <p:cTn id="52" fill="hold">
+                            <p:stCondLst>
+                              <p:cond delay="0"/>
+                            </p:stCondLst>
+                            <p:childTnLst>
+                              <p:par>
+                                <p:cTn id="53" presetID="63" presetClass="entr" presetSubtype="0" fill="hold" nodeType="clickEffect">
+                                  <p:stCondLst>
+                                    <p:cond delay="0"/>
+                                  </p:stCondLst>
+                                  <p:childTnLst>
+                                    <p:set>
+                                      <p:cBhvr>
+                                        <p:cTn id="54" dur="1" fill="hold">
+                                          <p:stCondLst>
+                                            <p:cond delay="0"/>
+                                          </p:stCondLst>
+                                        </p:cTn>
+                                        <p:tgtEl>
+                                          <p:spTgt spid="28"/>
+                                        </p:tgtEl>
+                                        <p:attrNameLst>
+                                          <p:attrName>style.visibility</p:attrName>
+                                        </p:attrNameLst>
+                                      </p:cBhvr>
+                                      <p:to>
+                                        <p:strVal val="visible"/>
+                                      </p:to>
+                                    </p:set>
+                                    <p:anim calcmode="lin" valueType="num">
+                                      <p:cBhvr>
+                                        <p:cTn id="55" dur="2000" fill="hold"/>
+                                        <p:tgtEl>
+                                          <p:spTgt spid="28"/>
+                                        </p:tgtEl>
+                                        <p:attrNameLst>
+                                          <p:attrName>drawProgress</p:attrName>
+                                        </p:attrNameLst>
+                                      </p:cBhvr>
+                                      <p:tavLst>
+                                        <p:tav tm="0">
+                                          <p:val>
+                                            <p:fltVal val="0"/>
+                                          </p:val>
+                                        </p:tav>
+                                        <p:tav tm="100000">
+                                          <p:val>
+                                            <p:fltVal val="1"/>
+                                          </p:val>
+                                        </p:tav>
+                                      </p:tavLst>
+                                    </p:anim>
+                                  </p:childTnLst>
+                                </p:cTn>
+                              </p:par>
+                            </p:childTnLst>
+                          </p:cTn>
+                        </p:par>
+                      </p:childTnLst>
+                    </p:cTn>
+                  </p:par>
+                  <p:par>
+                    <p:cTn id="56" fill="hold">
+                      <p:stCondLst>
+                        <p:cond delay="indefinite"/>
+                      </p:stCondLst>
+                      <p:childTnLst>
+                        <p:par>
+                          <p:cTn id="57" fill="hold">
+                            <p:stCondLst>
+                              <p:cond delay="0"/>
+                            </p:stCondLst>
+                            <p:childTnLst>
+                              <p:par>
+                                <p:cTn id="58" presetID="22" presetClass="entr" presetSubtype="1" fill="hold" grpId="0" nodeType="clickEffect">
+                                  <p:stCondLst>
+                                    <p:cond delay="0"/>
+                                  </p:stCondLst>
+                                  <p:childTnLst>
+                                    <p:set>
+                                      <p:cBhvr>
+                                        <p:cTn id="59" dur="1" fill="hold">
+                                          <p:stCondLst>
+                                            <p:cond delay="0"/>
+                                          </p:stCondLst>
+                                        </p:cTn>
+                                        <p:tgtEl>
+                                          <p:spTgt spid="37"/>
+                                        </p:tgtEl>
+                                        <p:attrNameLst>
+                                          <p:attrName>style.visibility</p:attrName>
+                                        </p:attrNameLst>
+                                      </p:cBhvr>
+                                      <p:to>
+                                        <p:strVal val="visible"/>
+                                      </p:to>
+                                    </p:set>
+                                    <p:animEffect transition="in" filter="wipe(up)">
+                                      <p:cBhvr>
+                                        <p:cTn id="60" dur="1000"/>
+                                        <p:tgtEl>
+                                          <p:spTgt spid="37"/>
+                                        </p:tgtEl>
+                                      </p:cBhvr>
+                                    </p:animEffect>
+                                  </p:childTnLst>
+                                </p:cTn>
+                              </p:par>
+                            </p:childTnLst>
+                          </p:cTn>
+                        </p:par>
+                      </p:childTnLst>
+                    </p:cTn>
+                  </p:par>
+                </p:childTnLst>
+              </p:cTn>
+              <p:prevCondLst>
+                <p:cond evt="onPrev" delay="0">
+                  <p:tgtEl>
+                    <p:sldTgt/>
+                  </p:tgtEl>
+                </p:cond>
+              </p:prevCondLst>
+              <p:nextCondLst>
+                <p:cond evt="onNext" delay="0">
+                  <p:tgtEl>
+                    <p:sldTgt/>
+                  </p:tgtEl>
+                </p:cond>
+              </p:nextCondLst>
+            </p:seq>
+          </p:childTnLst>
+        </p:cTn>
+      </p:par>
+    </p:tnLst>
+    <p:bldLst>
+      <p:bldP spid="6" grpId="0" animBg="1"/>
+      <p:bldP spid="7" grpId="0" animBg="1"/>
+      <p:bldP spid="8" grpId="0"/>
+      <p:bldP spid="9" grpId="0"/>
+      <p:bldP spid="36" grpId="0"/>
+      <p:bldP spid="37" grpId="0"/>
+      <p:bldP spid="38" grpId="0" animBg="1"/>
+    </p:bldLst>
+  </p:timing>
+</p:sld>
+</file>
+
+<file path=ppt/slides/slide9.xml><?xml version="1.0" encoding="utf-8"?>
+<p:sld xmlns:a="http://schemas.openxmlformats.org/drawingml/2006/main" xmlns:r="http://schemas.openxmlformats.org/officeDocument/2006/relationships" xmlns:p="http://schemas.openxmlformats.org/presentationml/2006/main">
+  <p:cSld>
+    <p:spTree>
+      <p:nvGrpSpPr>
         <p:cNvPr id="1" name="">
           <a:extLst>
             <a:ext uri="{FF2B5EF4-FFF2-40B4-BE49-F238E27FC236}">
@@ -6803,7 +9868,7 @@
           <a:p>
             <a:r>
               <a:rPr lang="en-GB" dirty="0"/>
-              <a:t>External LED</a:t>
+              <a:t>Pico External LED</a:t>
             </a:r>
           </a:p>
         </p:txBody>
@@ -6822,10 +9887,10 @@
         </p:nvGrpSpPr>
         <p:grpSpPr>
           <a:xfrm>
-            <a:off x="1553901" y="1599583"/>
-            <a:ext cx="3584034" cy="1443673"/>
-            <a:chOff x="1988241" y="1428133"/>
-            <a:chExt cx="3584034" cy="1443673"/>
+            <a:off x="1461729" y="1599583"/>
+            <a:ext cx="3676206" cy="1443673"/>
+            <a:chOff x="1896069" y="1428133"/>
+            <a:chExt cx="3676206" cy="1443673"/>
           </a:xfrm>
         </p:grpSpPr>
         <p:sp>
@@ -6842,8 +9907,8 @@
           </p:nvSpPr>
           <p:spPr>
             <a:xfrm>
-              <a:off x="1988241" y="1428133"/>
-              <a:ext cx="1072731" cy="584775"/>
+              <a:off x="1896069" y="1428133"/>
+              <a:ext cx="1188147" cy="1077218"/>
             </a:xfrm>
             <a:prstGeom prst="rect">
               <a:avLst/>
@@ -6856,7 +9921,7 @@
             </a:bodyPr>
             <a:lstStyle/>
             <a:p>
-              <a:pPr algn="r"/>
+              <a:pPr algn="ctr"/>
               <a:r>
                 <a:rPr lang="en-GB" sz="3200" dirty="0">
                   <a:solidFill>
@@ -6864,6 +9929,17 @@
                   </a:solidFill>
                 </a:rPr>
                 <a:t>GP15</a:t>
+              </a:r>
+            </a:p>
+            <a:p>
+              <a:pPr algn="ctr"/>
+              <a:r>
+                <a:rPr lang="en-GB" sz="3200" dirty="0">
+                  <a:solidFill>
+                    <a:srgbClr val="7030A0"/>
+                  </a:solidFill>
+                </a:rPr>
+                <a:t>(3.3V)</a:t>
               </a:r>
             </a:p>
           </p:txBody>
@@ -6938,8 +10014,8 @@
           </p:nvCxnSpPr>
           <p:spPr>
             <a:xfrm>
-              <a:off x="3060972" y="1720521"/>
-              <a:ext cx="2079303" cy="935285"/>
+              <a:off x="3084216" y="1966742"/>
+              <a:ext cx="2056059" cy="689064"/>
             </a:xfrm>
             <a:prstGeom prst="straightConnector1">
               <a:avLst/>
@@ -6981,10 +10057,10 @@
         </p:nvGrpSpPr>
         <p:grpSpPr>
           <a:xfrm flipH="1">
-            <a:off x="6897809" y="921388"/>
-            <a:ext cx="2483191" cy="1513202"/>
-            <a:chOff x="3386264" y="2571979"/>
-            <a:chExt cx="2483191" cy="1513202"/>
+            <a:off x="6897809" y="567918"/>
+            <a:ext cx="2483191" cy="1866672"/>
+            <a:chOff x="3386264" y="2218509"/>
+            <a:chExt cx="2483191" cy="1866672"/>
           </a:xfrm>
         </p:grpSpPr>
         <p:sp>
@@ -7001,8 +10077,8 @@
           </p:nvSpPr>
           <p:spPr>
             <a:xfrm>
-              <a:off x="3386264" y="2571979"/>
-              <a:ext cx="962123" cy="584775"/>
+              <a:off x="3386264" y="2218509"/>
+              <a:ext cx="962186" cy="1077218"/>
             </a:xfrm>
             <a:prstGeom prst="rect">
               <a:avLst/>
@@ -7015,7 +10091,7 @@
             </a:bodyPr>
             <a:lstStyle/>
             <a:p>
-              <a:pPr algn="r"/>
+              <a:pPr algn="ctr"/>
               <a:r>
                 <a:rPr lang="en-GB" sz="3200" dirty="0" err="1">
                   <a:solidFill>
@@ -7029,6 +10105,17 @@
                   <a:srgbClr val="7030A0"/>
                 </a:solidFill>
               </a:endParaRPr>
+            </a:p>
+            <a:p>
+              <a:pPr algn="ctr"/>
+              <a:r>
+                <a:rPr lang="en-GB" sz="3200" dirty="0">
+                  <a:solidFill>
+                    <a:srgbClr val="7030A0"/>
+                  </a:solidFill>
+                </a:rPr>
+                <a:t>(0V)</a:t>
+              </a:r>
             </a:p>
           </p:txBody>
         </p:sp>
@@ -7102,8 +10189,8 @@
           </p:nvCxnSpPr>
           <p:spPr>
             <a:xfrm>
-              <a:off x="4348387" y="2864367"/>
-              <a:ext cx="1152333" cy="794363"/>
+              <a:off x="4348450" y="2757118"/>
+              <a:ext cx="1152270" cy="901612"/>
             </a:xfrm>
             <a:prstGeom prst="straightConnector1">
               <a:avLst/>
